--- a/deliverables/NBA_Contract_Analysis.pptx
+++ b/deliverables/NBA_Contract_Analysis.pptx
@@ -14,7 +14,7 @@
     <p:sldId id="268" r:id="rId5"/>
     <p:sldId id="261" r:id="rId6"/>
     <p:sldId id="269" r:id="rId7"/>
-    <p:sldId id="262" r:id="rId8"/>
+    <p:sldId id="271" r:id="rId8"/>
     <p:sldId id="263" r:id="rId9"/>
     <p:sldId id="264" r:id="rId10"/>
     <p:sldId id="266" r:id="rId11"/>
@@ -134,9 +134,9 @@
 <file path=ppt/revisionInfo.xml><?xml version="1.0" encoding="utf-8"?>
 <p1510:revInfo xmlns:a="http://schemas.openxmlformats.org/drawingml/2006/main" xmlns:r="http://schemas.openxmlformats.org/officeDocument/2006/relationships" xmlns:p1510="http://schemas.microsoft.com/office/powerpoint/2015/10/main">
   <p1510:revLst>
-    <p1510:client id="{74841F98-4660-4AFE-AF34-32986CC44DB9}" v="2787" dt="2024-02-15T04:38:12.445"/>
+    <p1510:client id="{05C2F288-028D-442A-8FD9-C7FCD0257FDC}" v="10" dt="2024-02-15T10:15:41.092"/>
+    <p1510:client id="{74841F98-4660-4AFE-AF34-32986CC44DB9}" v="3577" dt="2024-02-15T18:32:21.108"/>
     <p1510:client id="{E268A8C0-ED7E-4D4B-9678-CF4064E412A3}" v="385" dt="2024-02-15T04:21:47.923"/>
-    <p1510:client id="{FA3F733D-5B00-45C8-B16C-343266E9352E}" v="147" dt="2024-02-14T17:46:02.166"/>
   </p1510:revLst>
 </p1510:revInfo>
 </file>
@@ -144,44 +144,20 @@
 <file path=ppt/changesInfos/changesInfo1.xml><?xml version="1.0" encoding="utf-8"?>
 <pc:chgInfo xmlns:a="http://schemas.openxmlformats.org/drawingml/2006/main" xmlns:r="http://schemas.openxmlformats.org/officeDocument/2006/relationships" xmlns:ac="http://schemas.microsoft.com/office/drawing/2013/main/command" xmlns:pc="http://schemas.microsoft.com/office/powerpoint/2013/main/command">
   <pc:docChgLst>
-    <pc:chgData name="adrianna high" userId="7fe0b8ed9b039a9f" providerId="Windows Live" clId="Web-{FA3F733D-5B00-45C8-B16C-343266E9352E}"/>
-    <pc:docChg chg="modSld">
-      <pc:chgData name="adrianna high" userId="7fe0b8ed9b039a9f" providerId="Windows Live" clId="Web-{FA3F733D-5B00-45C8-B16C-343266E9352E}" dt="2024-02-14T17:37:56.388" v="132" actId="14100"/>
+    <pc:chgData name="adrianna high" userId="7fe0b8ed9b039a9f" providerId="Windows Live" clId="Web-{E268A8C0-ED7E-4D4B-9678-CF4064E412A3}"/>
+    <pc:docChg chg="addSld delSld modSld">
+      <pc:chgData name="adrianna high" userId="7fe0b8ed9b039a9f" providerId="Windows Live" clId="Web-{E268A8C0-ED7E-4D4B-9678-CF4064E412A3}" dt="2024-02-15T04:18:30.334" v="317" actId="1076"/>
       <pc:docMkLst>
         <pc:docMk/>
       </pc:docMkLst>
-      <pc:sldChg chg="addSp delSp modSp">
-        <pc:chgData name="adrianna high" userId="7fe0b8ed9b039a9f" providerId="Windows Live" clId="Web-{FA3F733D-5B00-45C8-B16C-343266E9352E}" dt="2024-02-14T17:37:56.388" v="132" actId="14100"/>
+      <pc:sldChg chg="modSp">
+        <pc:chgData name="adrianna high" userId="7fe0b8ed9b039a9f" providerId="Windows Live" clId="Web-{E268A8C0-ED7E-4D4B-9678-CF4064E412A3}" dt="2024-02-14T22:46:29.298" v="316"/>
         <pc:sldMkLst>
           <pc:docMk/>
           <pc:sldMk cId="2948029495" sldId="259"/>
         </pc:sldMkLst>
-        <pc:spChg chg="mod">
-          <ac:chgData name="adrianna high" userId="7fe0b8ed9b039a9f" providerId="Windows Live" clId="Web-{FA3F733D-5B00-45C8-B16C-343266E9352E}" dt="2024-02-14T17:37:56.388" v="132" actId="14100"/>
-          <ac:spMkLst>
-            <pc:docMk/>
-            <pc:sldMk cId="2948029495" sldId="259"/>
-            <ac:spMk id="2" creationId="{842958C5-6ABF-DA4A-2E40-AAB29290853A}"/>
-          </ac:spMkLst>
-        </pc:spChg>
-        <pc:spChg chg="add del mod">
-          <ac:chgData name="adrianna high" userId="7fe0b8ed9b039a9f" providerId="Windows Live" clId="Web-{FA3F733D-5B00-45C8-B16C-343266E9352E}" dt="2024-02-14T17:22:52.506" v="7"/>
-          <ac:spMkLst>
-            <pc:docMk/>
-            <pc:sldMk cId="2948029495" sldId="259"/>
-            <ac:spMk id="3" creationId="{3BE1C0C0-5328-CAAC-F09C-85FDCA5C4BE2}"/>
-          </ac:spMkLst>
-        </pc:spChg>
-        <pc:graphicFrameChg chg="add del mod ord modGraphic">
-          <ac:chgData name="adrianna high" userId="7fe0b8ed9b039a9f" providerId="Windows Live" clId="Web-{FA3F733D-5B00-45C8-B16C-343266E9352E}" dt="2024-02-14T17:22:43.052" v="6"/>
-          <ac:graphicFrameMkLst>
-            <pc:docMk/>
-            <pc:sldMk cId="2948029495" sldId="259"/>
-            <ac:graphicFrameMk id="6" creationId="{D39C5B7C-5D2F-3C7D-47BB-9D9778446FF1}"/>
-          </ac:graphicFrameMkLst>
-        </pc:graphicFrameChg>
-        <pc:graphicFrameChg chg="add mod ord modGraphic">
-          <ac:chgData name="adrianna high" userId="7fe0b8ed9b039a9f" providerId="Windows Live" clId="Web-{FA3F733D-5B00-45C8-B16C-343266E9352E}" dt="2024-02-14T17:37:51.903" v="131"/>
+        <pc:graphicFrameChg chg="mod modGraphic">
+          <ac:chgData name="adrianna high" userId="7fe0b8ed9b039a9f" providerId="Windows Live" clId="Web-{E268A8C0-ED7E-4D4B-9678-CF4064E412A3}" dt="2024-02-14T22:46:29.298" v="316"/>
           <ac:graphicFrameMkLst>
             <pc:docMk/>
             <pc:sldMk cId="2948029495" sldId="259"/>
@@ -190,17 +166,263 @@
         </pc:graphicFrameChg>
       </pc:sldChg>
       <pc:sldChg chg="modSp">
-        <pc:chgData name="adrianna high" userId="7fe0b8ed9b039a9f" providerId="Windows Live" clId="Web-{FA3F733D-5B00-45C8-B16C-343266E9352E}" dt="2024-02-14T17:23:34.085" v="24"/>
+        <pc:chgData name="adrianna high" userId="7fe0b8ed9b039a9f" providerId="Windows Live" clId="Web-{E268A8C0-ED7E-4D4B-9678-CF4064E412A3}" dt="2024-02-15T04:18:30.334" v="317" actId="1076"/>
         <pc:sldMkLst>
           <pc:docMk/>
-          <pc:sldMk cId="3856028194" sldId="268"/>
+          <pc:sldMk cId="3384778754" sldId="267"/>
+        </pc:sldMkLst>
+        <pc:grpChg chg="mod">
+          <ac:chgData name="adrianna high" userId="7fe0b8ed9b039a9f" providerId="Windows Live" clId="Web-{E268A8C0-ED7E-4D4B-9678-CF4064E412A3}" dt="2024-02-15T04:18:30.334" v="317" actId="1076"/>
+          <ac:grpSpMkLst>
+            <pc:docMk/>
+            <pc:sldMk cId="3384778754" sldId="267"/>
+            <ac:grpSpMk id="14" creationId="{2F83C517-E3F5-4B0E-F8E5-53BE6F4ABEAB}"/>
+          </ac:grpSpMkLst>
+        </pc:grpChg>
+      </pc:sldChg>
+      <pc:sldChg chg="addSp delSp modSp new del">
+        <pc:chgData name="adrianna high" userId="7fe0b8ed9b039a9f" providerId="Windows Live" clId="Web-{E268A8C0-ED7E-4D4B-9678-CF4064E412A3}" dt="2024-02-14T22:33:04.033" v="282"/>
+        <pc:sldMkLst>
+          <pc:docMk/>
+          <pc:sldMk cId="3466518884" sldId="271"/>
+        </pc:sldMkLst>
+        <pc:spChg chg="del">
+          <ac:chgData name="adrianna high" userId="7fe0b8ed9b039a9f" providerId="Windows Live" clId="Web-{E268A8C0-ED7E-4D4B-9678-CF4064E412A3}" dt="2024-02-14T22:26:56.597" v="74"/>
+          <ac:spMkLst>
+            <pc:docMk/>
+            <pc:sldMk cId="3466518884" sldId="271"/>
+            <ac:spMk id="2" creationId="{97CB9199-8109-0694-9499-3F3FA4AA3F5E}"/>
+          </ac:spMkLst>
+        </pc:spChg>
+        <pc:graphicFrameChg chg="add mod modGraphic">
+          <ac:chgData name="adrianna high" userId="7fe0b8ed9b039a9f" providerId="Windows Live" clId="Web-{E268A8C0-ED7E-4D4B-9678-CF4064E412A3}" dt="2024-02-14T22:27:38.318" v="78"/>
+          <ac:graphicFrameMkLst>
+            <pc:docMk/>
+            <pc:sldMk cId="3466518884" sldId="271"/>
+            <ac:graphicFrameMk id="6" creationId="{A4402E30-D034-C91C-6B39-5232BC1EE437}"/>
+          </ac:graphicFrameMkLst>
+        </pc:graphicFrameChg>
+      </pc:sldChg>
+    </pc:docChg>
+  </pc:docChgLst>
+  <pc:docChgLst>
+    <pc:chgData name="adrianna high" userId="7fe0b8ed9b039a9f" providerId="Windows Live" clId="Web-{2E74000B-6090-4FCB-B7B1-963E5704CB18}"/>
+    <pc:docChg chg="addSld modSld">
+      <pc:chgData name="adrianna high" userId="7fe0b8ed9b039a9f" providerId="Windows Live" clId="Web-{2E74000B-6090-4FCB-B7B1-963E5704CB18}" dt="2024-02-14T00:56:59.410" v="527" actId="20577"/>
+      <pc:docMkLst>
+        <pc:docMk/>
+      </pc:docMkLst>
+      <pc:sldChg chg="modSp">
+        <pc:chgData name="adrianna high" userId="7fe0b8ed9b039a9f" providerId="Windows Live" clId="Web-{2E74000B-6090-4FCB-B7B1-963E5704CB18}" dt="2024-02-14T00:47:19.615" v="289" actId="20577"/>
+        <pc:sldMkLst>
+          <pc:docMk/>
+          <pc:sldMk cId="959647764" sldId="257"/>
         </pc:sldMkLst>
         <pc:spChg chg="mod">
-          <ac:chgData name="adrianna high" userId="7fe0b8ed9b039a9f" providerId="Windows Live" clId="Web-{FA3F733D-5B00-45C8-B16C-343266E9352E}" dt="2024-02-14T17:23:34.085" v="24"/>
+          <ac:chgData name="adrianna high" userId="7fe0b8ed9b039a9f" providerId="Windows Live" clId="Web-{2E74000B-6090-4FCB-B7B1-963E5704CB18}" dt="2024-02-14T00:47:19.615" v="289" actId="20577"/>
           <ac:spMkLst>
             <pc:docMk/>
-            <pc:sldMk cId="3856028194" sldId="268"/>
-            <ac:spMk id="10" creationId="{A378EF1F-C45D-318D-7435-DBCB564E3AD6}"/>
+            <pc:sldMk cId="959647764" sldId="257"/>
+            <ac:spMk id="3" creationId="{2BC85DED-3623-0A7E-EC67-994C8D17202E}"/>
+          </ac:spMkLst>
+        </pc:spChg>
+      </pc:sldChg>
+      <pc:sldChg chg="modSp">
+        <pc:chgData name="adrianna high" userId="7fe0b8ed9b039a9f" providerId="Windows Live" clId="Web-{2E74000B-6090-4FCB-B7B1-963E5704CB18}" dt="2024-02-14T00:52:07.528" v="449" actId="20577"/>
+        <pc:sldMkLst>
+          <pc:docMk/>
+          <pc:sldMk cId="776988672" sldId="258"/>
+        </pc:sldMkLst>
+        <pc:spChg chg="mod">
+          <ac:chgData name="adrianna high" userId="7fe0b8ed9b039a9f" providerId="Windows Live" clId="Web-{2E74000B-6090-4FCB-B7B1-963E5704CB18}" dt="2024-02-14T00:52:07.528" v="449" actId="20577"/>
+          <ac:spMkLst>
+            <pc:docMk/>
+            <pc:sldMk cId="776988672" sldId="258"/>
+            <ac:spMk id="3" creationId="{7319AA31-0D45-40A0-D3DA-9779BA747BCB}"/>
+          </ac:spMkLst>
+        </pc:spChg>
+      </pc:sldChg>
+      <pc:sldChg chg="modSp new">
+        <pc:chgData name="adrianna high" userId="7fe0b8ed9b039a9f" providerId="Windows Live" clId="Web-{2E74000B-6090-4FCB-B7B1-963E5704CB18}" dt="2024-02-14T00:56:59.410" v="527" actId="20577"/>
+        <pc:sldMkLst>
+          <pc:docMk/>
+          <pc:sldMk cId="2948029495" sldId="259"/>
+        </pc:sldMkLst>
+        <pc:spChg chg="mod">
+          <ac:chgData name="adrianna high" userId="7fe0b8ed9b039a9f" providerId="Windows Live" clId="Web-{2E74000B-6090-4FCB-B7B1-963E5704CB18}" dt="2024-02-14T00:47:32.475" v="302" actId="20577"/>
+          <ac:spMkLst>
+            <pc:docMk/>
+            <pc:sldMk cId="2948029495" sldId="259"/>
+            <ac:spMk id="2" creationId="{842958C5-6ABF-DA4A-2E40-AAB29290853A}"/>
+          </ac:spMkLst>
+        </pc:spChg>
+        <pc:spChg chg="mod">
+          <ac:chgData name="adrianna high" userId="7fe0b8ed9b039a9f" providerId="Windows Live" clId="Web-{2E74000B-6090-4FCB-B7B1-963E5704CB18}" dt="2024-02-14T00:56:59.410" v="527" actId="20577"/>
+          <ac:spMkLst>
+            <pc:docMk/>
+            <pc:sldMk cId="2948029495" sldId="259"/>
+            <ac:spMk id="3" creationId="{3BE1C0C0-5328-CAAC-F09C-85FDCA5C4BE2}"/>
+          </ac:spMkLst>
+        </pc:spChg>
+      </pc:sldChg>
+      <pc:sldChg chg="modSp new">
+        <pc:chgData name="adrianna high" userId="7fe0b8ed9b039a9f" providerId="Windows Live" clId="Web-{2E74000B-6090-4FCB-B7B1-963E5704CB18}" dt="2024-02-14T00:54:46.891" v="501" actId="20577"/>
+        <pc:sldMkLst>
+          <pc:docMk/>
+          <pc:sldMk cId="3107315607" sldId="260"/>
+        </pc:sldMkLst>
+        <pc:spChg chg="mod">
+          <ac:chgData name="adrianna high" userId="7fe0b8ed9b039a9f" providerId="Windows Live" clId="Web-{2E74000B-6090-4FCB-B7B1-963E5704CB18}" dt="2024-02-14T00:54:37.891" v="486" actId="20577"/>
+          <ac:spMkLst>
+            <pc:docMk/>
+            <pc:sldMk cId="3107315607" sldId="260"/>
+            <ac:spMk id="2" creationId="{03A414A1-5137-47D7-A141-603EA2A33433}"/>
+          </ac:spMkLst>
+        </pc:spChg>
+        <pc:spChg chg="mod">
+          <ac:chgData name="adrianna high" userId="7fe0b8ed9b039a9f" providerId="Windows Live" clId="Web-{2E74000B-6090-4FCB-B7B1-963E5704CB18}" dt="2024-02-14T00:54:46.891" v="501" actId="20577"/>
+          <ac:spMkLst>
+            <pc:docMk/>
+            <pc:sldMk cId="3107315607" sldId="260"/>
+            <ac:spMk id="3" creationId="{8B583376-47EE-6C92-10F1-76418159C07F}"/>
+          </ac:spMkLst>
+        </pc:spChg>
+      </pc:sldChg>
+      <pc:sldChg chg="modSp add replId">
+        <pc:chgData name="adrianna high" userId="7fe0b8ed9b039a9f" providerId="Windows Live" clId="Web-{2E74000B-6090-4FCB-B7B1-963E5704CB18}" dt="2024-02-14T00:54:49.579" v="504" actId="20577"/>
+        <pc:sldMkLst>
+          <pc:docMk/>
+          <pc:sldMk cId="2457800766" sldId="261"/>
+        </pc:sldMkLst>
+        <pc:spChg chg="mod">
+          <ac:chgData name="adrianna high" userId="7fe0b8ed9b039a9f" providerId="Windows Live" clId="Web-{2E74000B-6090-4FCB-B7B1-963E5704CB18}" dt="2024-02-14T00:49:19.556" v="377" actId="20577"/>
+          <ac:spMkLst>
+            <pc:docMk/>
+            <pc:sldMk cId="2457800766" sldId="261"/>
+            <ac:spMk id="2" creationId="{03A414A1-5137-47D7-A141-603EA2A33433}"/>
+          </ac:spMkLst>
+        </pc:spChg>
+        <pc:spChg chg="mod">
+          <ac:chgData name="adrianna high" userId="7fe0b8ed9b039a9f" providerId="Windows Live" clId="Web-{2E74000B-6090-4FCB-B7B1-963E5704CB18}" dt="2024-02-14T00:54:49.579" v="504" actId="20577"/>
+          <ac:spMkLst>
+            <pc:docMk/>
+            <pc:sldMk cId="2457800766" sldId="261"/>
+            <ac:spMk id="3" creationId="{8B583376-47EE-6C92-10F1-76418159C07F}"/>
+          </ac:spMkLst>
+        </pc:spChg>
+      </pc:sldChg>
+      <pc:sldChg chg="modSp new">
+        <pc:chgData name="adrianna high" userId="7fe0b8ed9b039a9f" providerId="Windows Live" clId="Web-{2E74000B-6090-4FCB-B7B1-963E5704CB18}" dt="2024-02-14T00:54:53.188" v="505" actId="20577"/>
+        <pc:sldMkLst>
+          <pc:docMk/>
+          <pc:sldMk cId="4195842209" sldId="262"/>
+        </pc:sldMkLst>
+        <pc:spChg chg="mod">
+          <ac:chgData name="adrianna high" userId="7fe0b8ed9b039a9f" providerId="Windows Live" clId="Web-{2E74000B-6090-4FCB-B7B1-963E5704CB18}" dt="2024-02-14T00:50:12.572" v="402" actId="20577"/>
+          <ac:spMkLst>
+            <pc:docMk/>
+            <pc:sldMk cId="4195842209" sldId="262"/>
+            <ac:spMk id="2" creationId="{745BC7FB-FD03-C088-3B5F-76D0C6C100A9}"/>
+          </ac:spMkLst>
+        </pc:spChg>
+        <pc:spChg chg="mod">
+          <ac:chgData name="adrianna high" userId="7fe0b8ed9b039a9f" providerId="Windows Live" clId="Web-{2E74000B-6090-4FCB-B7B1-963E5704CB18}" dt="2024-02-14T00:54:53.188" v="505" actId="20577"/>
+          <ac:spMkLst>
+            <pc:docMk/>
+            <pc:sldMk cId="4195842209" sldId="262"/>
+            <ac:spMk id="3" creationId="{985F8F6F-F101-71F1-2B27-BAD2B83B5680}"/>
+          </ac:spMkLst>
+        </pc:spChg>
+      </pc:sldChg>
+      <pc:sldChg chg="modSp add replId">
+        <pc:chgData name="adrianna high" userId="7fe0b8ed9b039a9f" providerId="Windows Live" clId="Web-{2E74000B-6090-4FCB-B7B1-963E5704CB18}" dt="2024-02-14T00:54:55.110" v="506" actId="20577"/>
+        <pc:sldMkLst>
+          <pc:docMk/>
+          <pc:sldMk cId="677927871" sldId="263"/>
+        </pc:sldMkLst>
+        <pc:spChg chg="mod">
+          <ac:chgData name="adrianna high" userId="7fe0b8ed9b039a9f" providerId="Windows Live" clId="Web-{2E74000B-6090-4FCB-B7B1-963E5704CB18}" dt="2024-02-14T00:50:17.823" v="405" actId="20577"/>
+          <ac:spMkLst>
+            <pc:docMk/>
+            <pc:sldMk cId="677927871" sldId="263"/>
+            <ac:spMk id="2" creationId="{745BC7FB-FD03-C088-3B5F-76D0C6C100A9}"/>
+          </ac:spMkLst>
+        </pc:spChg>
+        <pc:spChg chg="mod">
+          <ac:chgData name="adrianna high" userId="7fe0b8ed9b039a9f" providerId="Windows Live" clId="Web-{2E74000B-6090-4FCB-B7B1-963E5704CB18}" dt="2024-02-14T00:54:55.110" v="506" actId="20577"/>
+          <ac:spMkLst>
+            <pc:docMk/>
+            <pc:sldMk cId="677927871" sldId="263"/>
+            <ac:spMk id="3" creationId="{985F8F6F-F101-71F1-2B27-BAD2B83B5680}"/>
+          </ac:spMkLst>
+        </pc:spChg>
+      </pc:sldChg>
+      <pc:sldChg chg="modSp new">
+        <pc:chgData name="adrianna high" userId="7fe0b8ed9b039a9f" providerId="Windows Live" clId="Web-{2E74000B-6090-4FCB-B7B1-963E5704CB18}" dt="2024-02-14T00:55:13.376" v="508" actId="20577"/>
+        <pc:sldMkLst>
+          <pc:docMk/>
+          <pc:sldMk cId="36768095" sldId="264"/>
+        </pc:sldMkLst>
+        <pc:spChg chg="mod">
+          <ac:chgData name="adrianna high" userId="7fe0b8ed9b039a9f" providerId="Windows Live" clId="Web-{2E74000B-6090-4FCB-B7B1-963E5704CB18}" dt="2024-02-14T00:53:08.264" v="456" actId="20577"/>
+          <ac:spMkLst>
+            <pc:docMk/>
+            <pc:sldMk cId="36768095" sldId="264"/>
+            <ac:spMk id="2" creationId="{AEFCC3F2-09C5-B544-E9F0-866E7E868920}"/>
+          </ac:spMkLst>
+        </pc:spChg>
+        <pc:spChg chg="mod">
+          <ac:chgData name="adrianna high" userId="7fe0b8ed9b039a9f" providerId="Windows Live" clId="Web-{2E74000B-6090-4FCB-B7B1-963E5704CB18}" dt="2024-02-14T00:55:13.376" v="508" actId="20577"/>
+          <ac:spMkLst>
+            <pc:docMk/>
+            <pc:sldMk cId="36768095" sldId="264"/>
+            <ac:spMk id="3" creationId="{14FFFCE2-7ED1-FFA6-3231-2B9AE1F7DC13}"/>
+          </ac:spMkLst>
+        </pc:spChg>
+      </pc:sldChg>
+      <pc:sldChg chg="modSp add replId">
+        <pc:chgData name="adrianna high" userId="7fe0b8ed9b039a9f" providerId="Windows Live" clId="Web-{2E74000B-6090-4FCB-B7B1-963E5704CB18}" dt="2024-02-14T00:54:11.172" v="484" actId="20577"/>
+        <pc:sldMkLst>
+          <pc:docMk/>
+          <pc:sldMk cId="2961631173" sldId="265"/>
+        </pc:sldMkLst>
+        <pc:spChg chg="mod">
+          <ac:chgData name="adrianna high" userId="7fe0b8ed9b039a9f" providerId="Windows Live" clId="Web-{2E74000B-6090-4FCB-B7B1-963E5704CB18}" dt="2024-02-14T00:50:53.074" v="443" actId="20577"/>
+          <ac:spMkLst>
+            <pc:docMk/>
+            <pc:sldMk cId="2961631173" sldId="265"/>
+            <ac:spMk id="2" creationId="{AEFCC3F2-09C5-B544-E9F0-866E7E868920}"/>
+          </ac:spMkLst>
+        </pc:spChg>
+        <pc:spChg chg="mod">
+          <ac:chgData name="adrianna high" userId="7fe0b8ed9b039a9f" providerId="Windows Live" clId="Web-{2E74000B-6090-4FCB-B7B1-963E5704CB18}" dt="2024-02-14T00:54:11.172" v="484" actId="20577"/>
+          <ac:spMkLst>
+            <pc:docMk/>
+            <pc:sldMk cId="2961631173" sldId="265"/>
+            <ac:spMk id="3" creationId="{14FFFCE2-7ED1-FFA6-3231-2B9AE1F7DC13}"/>
+          </ac:spMkLst>
+        </pc:spChg>
+      </pc:sldChg>
+      <pc:sldChg chg="modSp new">
+        <pc:chgData name="adrianna high" userId="7fe0b8ed9b039a9f" providerId="Windows Live" clId="Web-{2E74000B-6090-4FCB-B7B1-963E5704CB18}" dt="2024-02-14T00:53:59.375" v="482" actId="20577"/>
+        <pc:sldMkLst>
+          <pc:docMk/>
+          <pc:sldMk cId="4268355769" sldId="266"/>
+        </pc:sldMkLst>
+        <pc:spChg chg="mod">
+          <ac:chgData name="adrianna high" userId="7fe0b8ed9b039a9f" providerId="Windows Live" clId="Web-{2E74000B-6090-4FCB-B7B1-963E5704CB18}" dt="2024-02-14T00:53:39.593" v="478" actId="20577"/>
+          <ac:spMkLst>
+            <pc:docMk/>
+            <pc:sldMk cId="4268355769" sldId="266"/>
+            <ac:spMk id="2" creationId="{0BB22B86-7124-658D-FDF5-68C07B159DF6}"/>
+          </ac:spMkLst>
+        </pc:spChg>
+        <pc:spChg chg="mod">
+          <ac:chgData name="adrianna high" userId="7fe0b8ed9b039a9f" providerId="Windows Live" clId="Web-{2E74000B-6090-4FCB-B7B1-963E5704CB18}" dt="2024-02-14T00:53:59.375" v="482" actId="20577"/>
+          <ac:spMkLst>
+            <pc:docMk/>
+            <pc:sldMk cId="4268355769" sldId="266"/>
+            <ac:spMk id="3" creationId="{C0A1AF74-9AB6-73DC-C760-F38C6B22414E}"/>
           </ac:spMkLst>
         </pc:spChg>
       </pc:sldChg>
@@ -209,7 +431,7 @@
   <pc:docChgLst>
     <pc:chgData name="Damond Allen" userId="6c6325700e18a419" providerId="LiveId" clId="{74841F98-4660-4AFE-AF34-32986CC44DB9}"/>
     <pc:docChg chg="undo redo custSel addSld delSld modSld sldOrd modMainMaster">
-      <pc:chgData name="Damond Allen" userId="6c6325700e18a419" providerId="LiveId" clId="{74841F98-4660-4AFE-AF34-32986CC44DB9}" dt="2024-02-15T04:38:12.445" v="7314" actId="1076"/>
+      <pc:chgData name="Damond Allen" userId="6c6325700e18a419" providerId="LiveId" clId="{74841F98-4660-4AFE-AF34-32986CC44DB9}" dt="2024-02-15T21:33:47.686" v="10259" actId="948"/>
       <pc:docMkLst>
         <pc:docMk/>
       </pc:docMkLst>
@@ -364,8 +586,8 @@
           <pc:sldMk cId="3107315607" sldId="260"/>
         </pc:sldMkLst>
       </pc:sldChg>
-      <pc:sldChg chg="addSp delSp mod ord">
-        <pc:chgData name="Damond Allen" userId="6c6325700e18a419" providerId="LiveId" clId="{74841F98-4660-4AFE-AF34-32986CC44DB9}" dt="2024-02-14T23:41:55.479" v="5802"/>
+      <pc:sldChg chg="addSp delSp del mod ord">
+        <pc:chgData name="Damond Allen" userId="6c6325700e18a419" providerId="LiveId" clId="{74841F98-4660-4AFE-AF34-32986CC44DB9}" dt="2024-02-15T16:11:03.545" v="7705" actId="47"/>
         <pc:sldMkLst>
           <pc:docMk/>
           <pc:sldMk cId="4195842209" sldId="262"/>
@@ -466,7 +688,7 @@
         </pc:inkChg>
       </pc:sldChg>
       <pc:sldChg chg="addSp delSp modSp add mod ord">
-        <pc:chgData name="Damond Allen" userId="6c6325700e18a419" providerId="LiveId" clId="{74841F98-4660-4AFE-AF34-32986CC44DB9}" dt="2024-02-15T04:38:12.445" v="7314" actId="1076"/>
+        <pc:chgData name="Damond Allen" userId="6c6325700e18a419" providerId="LiveId" clId="{74841F98-4660-4AFE-AF34-32986CC44DB9}" dt="2024-02-15T11:53:43.927" v="7317" actId="20577"/>
         <pc:sldMkLst>
           <pc:docMk/>
           <pc:sldMk cId="3856028194" sldId="268"/>
@@ -480,7 +702,7 @@
           </ac:spMkLst>
         </pc:spChg>
         <pc:spChg chg="mod">
-          <ac:chgData name="Damond Allen" userId="6c6325700e18a419" providerId="LiveId" clId="{74841F98-4660-4AFE-AF34-32986CC44DB9}" dt="2024-02-15T00:57:39.340" v="6867" actId="20577"/>
+          <ac:chgData name="Damond Allen" userId="6c6325700e18a419" providerId="LiveId" clId="{74841F98-4660-4AFE-AF34-32986CC44DB9}" dt="2024-02-15T11:53:43.927" v="7317" actId="20577"/>
           <ac:spMkLst>
             <pc:docMk/>
             <pc:sldMk cId="3856028194" sldId="268"/>
@@ -784,8 +1006,8 @@
           </ac:cxnSpMkLst>
         </pc:cxnChg>
       </pc:sldChg>
-      <pc:sldChg chg="modSp add mod ord">
-        <pc:chgData name="Damond Allen" userId="6c6325700e18a419" providerId="LiveId" clId="{74841F98-4660-4AFE-AF34-32986CC44DB9}" dt="2024-02-15T03:34:30.111" v="7313" actId="115"/>
+      <pc:sldChg chg="addSp delSp modSp add mod ord">
+        <pc:chgData name="Damond Allen" userId="6c6325700e18a419" providerId="LiveId" clId="{74841F98-4660-4AFE-AF34-32986CC44DB9}" dt="2024-02-15T18:02:43.103" v="9284"/>
         <pc:sldMkLst>
           <pc:docMk/>
           <pc:sldMk cId="3266538998" sldId="269"/>
@@ -799,7 +1021,7 @@
           </ac:spMkLst>
         </pc:spChg>
         <pc:spChg chg="mod">
-          <ac:chgData name="Damond Allen" userId="6c6325700e18a419" providerId="LiveId" clId="{74841F98-4660-4AFE-AF34-32986CC44DB9}" dt="2024-02-15T03:34:30.111" v="7313" actId="115"/>
+          <ac:chgData name="Damond Allen" userId="6c6325700e18a419" providerId="LiveId" clId="{74841F98-4660-4AFE-AF34-32986CC44DB9}" dt="2024-02-15T18:02:43.103" v="9284"/>
           <ac:spMkLst>
             <pc:docMk/>
             <pc:sldMk cId="3266538998" sldId="269"/>
@@ -814,9 +1036,57 @@
             <ac:spMk id="7" creationId="{FE88BE5E-F1B6-D4AE-D9F9-F6C27B4B712A}"/>
           </ac:spMkLst>
         </pc:spChg>
+        <pc:spChg chg="add del mod">
+          <ac:chgData name="Damond Allen" userId="6c6325700e18a419" providerId="LiveId" clId="{74841F98-4660-4AFE-AF34-32986CC44DB9}" dt="2024-02-15T15:39:15.876" v="7386"/>
+          <ac:spMkLst>
+            <pc:docMk/>
+            <pc:sldMk cId="3266538998" sldId="269"/>
+            <ac:spMk id="14" creationId="{035C07EF-2EA5-11C1-6782-F8C3F672DD9A}"/>
+          </ac:spMkLst>
+        </pc:spChg>
+        <pc:spChg chg="add mod">
+          <ac:chgData name="Damond Allen" userId="6c6325700e18a419" providerId="LiveId" clId="{74841F98-4660-4AFE-AF34-32986CC44DB9}" dt="2024-02-15T15:42:59.554" v="7433" actId="1076"/>
+          <ac:spMkLst>
+            <pc:docMk/>
+            <pc:sldMk cId="3266538998" sldId="269"/>
+            <ac:spMk id="15" creationId="{7A4FA1E1-C9C7-F4CA-D1FD-220326BE1C90}"/>
+          </ac:spMkLst>
+        </pc:spChg>
+        <pc:spChg chg="add mod">
+          <ac:chgData name="Damond Allen" userId="6c6325700e18a419" providerId="LiveId" clId="{74841F98-4660-4AFE-AF34-32986CC44DB9}" dt="2024-02-15T15:48:27.705" v="7583" actId="208"/>
+          <ac:spMkLst>
+            <pc:docMk/>
+            <pc:sldMk cId="3266538998" sldId="269"/>
+            <ac:spMk id="18" creationId="{9ED194B4-5062-431E-4C33-D86F3652064E}"/>
+          </ac:spMkLst>
+        </pc:spChg>
+        <pc:picChg chg="add del mod modCrop">
+          <ac:chgData name="Damond Allen" userId="6c6325700e18a419" providerId="LiveId" clId="{74841F98-4660-4AFE-AF34-32986CC44DB9}" dt="2024-02-15T15:23:18.396" v="7339" actId="478"/>
+          <ac:picMkLst>
+            <pc:docMk/>
+            <pc:sldMk cId="3266538998" sldId="269"/>
+            <ac:picMk id="11" creationId="{7A772314-91BD-17E0-03E2-9307D1F5536A}"/>
+          </ac:picMkLst>
+        </pc:picChg>
+        <pc:picChg chg="add del mod modCrop">
+          <ac:chgData name="Damond Allen" userId="6c6325700e18a419" providerId="LiveId" clId="{74841F98-4660-4AFE-AF34-32986CC44DB9}" dt="2024-02-15T15:42:47.172" v="7431" actId="478"/>
+          <ac:picMkLst>
+            <pc:docMk/>
+            <pc:sldMk cId="3266538998" sldId="269"/>
+            <ac:picMk id="13" creationId="{F24B96CF-35D0-254E-C7C4-8A4C931333FF}"/>
+          </ac:picMkLst>
+        </pc:picChg>
+        <pc:picChg chg="add mod modCrop">
+          <ac:chgData name="Damond Allen" userId="6c6325700e18a419" providerId="LiveId" clId="{74841F98-4660-4AFE-AF34-32986CC44DB9}" dt="2024-02-15T15:47:24.110" v="7579" actId="2085"/>
+          <ac:picMkLst>
+            <pc:docMk/>
+            <pc:sldMk cId="3266538998" sldId="269"/>
+            <ac:picMk id="17" creationId="{C4883D33-1B83-35C4-321C-39EF3616CCFF}"/>
+          </ac:picMkLst>
+        </pc:picChg>
       </pc:sldChg>
       <pc:sldChg chg="modSp add mod ord">
-        <pc:chgData name="Damond Allen" userId="6c6325700e18a419" providerId="LiveId" clId="{74841F98-4660-4AFE-AF34-32986CC44DB9}" dt="2024-02-14T20:12:51.591" v="5169" actId="20577"/>
+        <pc:chgData name="Damond Allen" userId="6c6325700e18a419" providerId="LiveId" clId="{74841F98-4660-4AFE-AF34-32986CC44DB9}" dt="2024-02-15T21:33:47.686" v="10259" actId="948"/>
         <pc:sldMkLst>
           <pc:docMk/>
           <pc:sldMk cId="3051530166" sldId="270"/>
@@ -830,13 +1100,68 @@
           </ac:spMkLst>
         </pc:spChg>
         <pc:spChg chg="mod">
-          <ac:chgData name="Damond Allen" userId="6c6325700e18a419" providerId="LiveId" clId="{74841F98-4660-4AFE-AF34-32986CC44DB9}" dt="2024-02-14T20:12:51.591" v="5169" actId="20577"/>
+          <ac:chgData name="Damond Allen" userId="6c6325700e18a419" providerId="LiveId" clId="{74841F98-4660-4AFE-AF34-32986CC44DB9}" dt="2024-02-15T21:33:47.686" v="10259" actId="948"/>
           <ac:spMkLst>
             <pc:docMk/>
             <pc:sldMk cId="3051530166" sldId="270"/>
             <ac:spMk id="3" creationId="{4B02B45A-952B-49F7-5A17-E8AC60B77FD4}"/>
           </ac:spMkLst>
         </pc:spChg>
+      </pc:sldChg>
+      <pc:sldChg chg="addSp delSp modSp add mod">
+        <pc:chgData name="Damond Allen" userId="6c6325700e18a419" providerId="LiveId" clId="{74841F98-4660-4AFE-AF34-32986CC44DB9}" dt="2024-02-15T18:28:46.892" v="9651" actId="207"/>
+        <pc:sldMkLst>
+          <pc:docMk/>
+          <pc:sldMk cId="2845724373" sldId="271"/>
+        </pc:sldMkLst>
+        <pc:spChg chg="mod">
+          <ac:chgData name="Damond Allen" userId="6c6325700e18a419" providerId="LiveId" clId="{74841F98-4660-4AFE-AF34-32986CC44DB9}" dt="2024-02-15T16:15:19.965" v="7769" actId="313"/>
+          <ac:spMkLst>
+            <pc:docMk/>
+            <pc:sldMk cId="2845724373" sldId="271"/>
+            <ac:spMk id="2" creationId="{F843A61B-2E71-CD7F-3D8B-233C52FA47DA}"/>
+          </ac:spMkLst>
+        </pc:spChg>
+        <pc:spChg chg="mod">
+          <ac:chgData name="Damond Allen" userId="6c6325700e18a419" providerId="LiveId" clId="{74841F98-4660-4AFE-AF34-32986CC44DB9}" dt="2024-02-15T18:16:46.491" v="9350" actId="20577"/>
+          <ac:spMkLst>
+            <pc:docMk/>
+            <pc:sldMk cId="2845724373" sldId="271"/>
+            <ac:spMk id="3" creationId="{3DD0FEC4-C31D-A72B-D607-CF74A5562D3B}"/>
+          </ac:spMkLst>
+        </pc:spChg>
+        <pc:spChg chg="del">
+          <ac:chgData name="Damond Allen" userId="6c6325700e18a419" providerId="LiveId" clId="{74841F98-4660-4AFE-AF34-32986CC44DB9}" dt="2024-02-15T16:13:26.189" v="7724" actId="478"/>
+          <ac:spMkLst>
+            <pc:docMk/>
+            <pc:sldMk cId="2845724373" sldId="271"/>
+            <ac:spMk id="15" creationId="{B679542B-05F8-D9B4-4697-62177B32F2C6}"/>
+          </ac:spMkLst>
+        </pc:spChg>
+        <pc:spChg chg="del">
+          <ac:chgData name="Damond Allen" userId="6c6325700e18a419" providerId="LiveId" clId="{74841F98-4660-4AFE-AF34-32986CC44DB9}" dt="2024-02-15T16:13:32.104" v="7726" actId="478"/>
+          <ac:spMkLst>
+            <pc:docMk/>
+            <pc:sldMk cId="2845724373" sldId="271"/>
+            <ac:spMk id="18" creationId="{40EAC3D6-3C77-331C-BB7A-2DDAE4D2C5EA}"/>
+          </ac:spMkLst>
+        </pc:spChg>
+        <pc:graphicFrameChg chg="add mod modGraphic">
+          <ac:chgData name="Damond Allen" userId="6c6325700e18a419" providerId="LiveId" clId="{74841F98-4660-4AFE-AF34-32986CC44DB9}" dt="2024-02-15T18:28:46.892" v="9651" actId="207"/>
+          <ac:graphicFrameMkLst>
+            <pc:docMk/>
+            <pc:sldMk cId="2845724373" sldId="271"/>
+            <ac:graphicFrameMk id="8" creationId="{CF971D78-F709-49EA-1928-CD6EED9A593C}"/>
+          </ac:graphicFrameMkLst>
+        </pc:graphicFrameChg>
+        <pc:picChg chg="del">
+          <ac:chgData name="Damond Allen" userId="6c6325700e18a419" providerId="LiveId" clId="{74841F98-4660-4AFE-AF34-32986CC44DB9}" dt="2024-02-15T16:13:27.997" v="7725" actId="478"/>
+          <ac:picMkLst>
+            <pc:docMk/>
+            <pc:sldMk cId="2845724373" sldId="271"/>
+            <ac:picMk id="17" creationId="{C5BAF708-A338-636D-EEED-705E2434AD6C}"/>
+          </ac:picMkLst>
+        </pc:picChg>
       </pc:sldChg>
       <pc:sldMasterChg chg="modSp modSldLayout">
         <pc:chgData name="Damond Allen" userId="6c6325700e18a419" providerId="LiveId" clId="{74841F98-4660-4AFE-AF34-32986CC44DB9}" dt="2024-02-12T20:22:07.420" v="273"/>
@@ -1115,20 +1440,44 @@
     </pc:docChg>
   </pc:docChgLst>
   <pc:docChgLst>
-    <pc:chgData name="adrianna high" userId="7fe0b8ed9b039a9f" providerId="Windows Live" clId="Web-{E268A8C0-ED7E-4D4B-9678-CF4064E412A3}"/>
-    <pc:docChg chg="addSld delSld modSld">
-      <pc:chgData name="adrianna high" userId="7fe0b8ed9b039a9f" providerId="Windows Live" clId="Web-{E268A8C0-ED7E-4D4B-9678-CF4064E412A3}" dt="2024-02-15T04:18:30.334" v="317" actId="1076"/>
+    <pc:chgData name="adrianna high" userId="7fe0b8ed9b039a9f" providerId="Windows Live" clId="Web-{FA3F733D-5B00-45C8-B16C-343266E9352E}"/>
+    <pc:docChg chg="modSld">
+      <pc:chgData name="adrianna high" userId="7fe0b8ed9b039a9f" providerId="Windows Live" clId="Web-{FA3F733D-5B00-45C8-B16C-343266E9352E}" dt="2024-02-14T17:37:56.388" v="132" actId="14100"/>
       <pc:docMkLst>
         <pc:docMk/>
       </pc:docMkLst>
-      <pc:sldChg chg="modSp">
-        <pc:chgData name="adrianna high" userId="7fe0b8ed9b039a9f" providerId="Windows Live" clId="Web-{E268A8C0-ED7E-4D4B-9678-CF4064E412A3}" dt="2024-02-14T22:46:29.298" v="316"/>
+      <pc:sldChg chg="addSp delSp modSp">
+        <pc:chgData name="adrianna high" userId="7fe0b8ed9b039a9f" providerId="Windows Live" clId="Web-{FA3F733D-5B00-45C8-B16C-343266E9352E}" dt="2024-02-14T17:37:56.388" v="132" actId="14100"/>
         <pc:sldMkLst>
           <pc:docMk/>
           <pc:sldMk cId="2948029495" sldId="259"/>
         </pc:sldMkLst>
-        <pc:graphicFrameChg chg="mod modGraphic">
-          <ac:chgData name="adrianna high" userId="7fe0b8ed9b039a9f" providerId="Windows Live" clId="Web-{E268A8C0-ED7E-4D4B-9678-CF4064E412A3}" dt="2024-02-14T22:46:29.298" v="316"/>
+        <pc:spChg chg="mod">
+          <ac:chgData name="adrianna high" userId="7fe0b8ed9b039a9f" providerId="Windows Live" clId="Web-{FA3F733D-5B00-45C8-B16C-343266E9352E}" dt="2024-02-14T17:37:56.388" v="132" actId="14100"/>
+          <ac:spMkLst>
+            <pc:docMk/>
+            <pc:sldMk cId="2948029495" sldId="259"/>
+            <ac:spMk id="2" creationId="{842958C5-6ABF-DA4A-2E40-AAB29290853A}"/>
+          </ac:spMkLst>
+        </pc:spChg>
+        <pc:spChg chg="add del mod">
+          <ac:chgData name="adrianna high" userId="7fe0b8ed9b039a9f" providerId="Windows Live" clId="Web-{FA3F733D-5B00-45C8-B16C-343266E9352E}" dt="2024-02-14T17:22:52.506" v="7"/>
+          <ac:spMkLst>
+            <pc:docMk/>
+            <pc:sldMk cId="2948029495" sldId="259"/>
+            <ac:spMk id="3" creationId="{3BE1C0C0-5328-CAAC-F09C-85FDCA5C4BE2}"/>
+          </ac:spMkLst>
+        </pc:spChg>
+        <pc:graphicFrameChg chg="add del mod ord modGraphic">
+          <ac:chgData name="adrianna high" userId="7fe0b8ed9b039a9f" providerId="Windows Live" clId="Web-{FA3F733D-5B00-45C8-B16C-343266E9352E}" dt="2024-02-14T17:22:43.052" v="6"/>
+          <ac:graphicFrameMkLst>
+            <pc:docMk/>
+            <pc:sldMk cId="2948029495" sldId="259"/>
+            <ac:graphicFrameMk id="6" creationId="{D39C5B7C-5D2F-3C7D-47BB-9D9778446FF1}"/>
+          </ac:graphicFrameMkLst>
+        </pc:graphicFrameChg>
+        <pc:graphicFrameChg chg="add mod ord modGraphic">
+          <ac:chgData name="adrianna high" userId="7fe0b8ed9b039a9f" providerId="Windows Live" clId="Web-{FA3F733D-5B00-45C8-B16C-343266E9352E}" dt="2024-02-14T17:37:51.903" v="131"/>
           <ac:graphicFrameMkLst>
             <pc:docMk/>
             <pc:sldMk cId="2948029495" sldId="259"/>
@@ -1137,263 +1486,41 @@
         </pc:graphicFrameChg>
       </pc:sldChg>
       <pc:sldChg chg="modSp">
-        <pc:chgData name="adrianna high" userId="7fe0b8ed9b039a9f" providerId="Windows Live" clId="Web-{E268A8C0-ED7E-4D4B-9678-CF4064E412A3}" dt="2024-02-15T04:18:30.334" v="317" actId="1076"/>
+        <pc:chgData name="adrianna high" userId="7fe0b8ed9b039a9f" providerId="Windows Live" clId="Web-{FA3F733D-5B00-45C8-B16C-343266E9352E}" dt="2024-02-14T17:23:34.085" v="24"/>
         <pc:sldMkLst>
           <pc:docMk/>
-          <pc:sldMk cId="3384778754" sldId="267"/>
+          <pc:sldMk cId="3856028194" sldId="268"/>
         </pc:sldMkLst>
-        <pc:grpChg chg="mod">
-          <ac:chgData name="adrianna high" userId="7fe0b8ed9b039a9f" providerId="Windows Live" clId="Web-{E268A8C0-ED7E-4D4B-9678-CF4064E412A3}" dt="2024-02-15T04:18:30.334" v="317" actId="1076"/>
-          <ac:grpSpMkLst>
-            <pc:docMk/>
-            <pc:sldMk cId="3384778754" sldId="267"/>
-            <ac:grpSpMk id="14" creationId="{2F83C517-E3F5-4B0E-F8E5-53BE6F4ABEAB}"/>
-          </ac:grpSpMkLst>
-        </pc:grpChg>
-      </pc:sldChg>
-      <pc:sldChg chg="addSp delSp modSp new del">
-        <pc:chgData name="adrianna high" userId="7fe0b8ed9b039a9f" providerId="Windows Live" clId="Web-{E268A8C0-ED7E-4D4B-9678-CF4064E412A3}" dt="2024-02-14T22:33:04.033" v="282"/>
-        <pc:sldMkLst>
-          <pc:docMk/>
-          <pc:sldMk cId="3466518884" sldId="271"/>
-        </pc:sldMkLst>
-        <pc:spChg chg="del">
-          <ac:chgData name="adrianna high" userId="7fe0b8ed9b039a9f" providerId="Windows Live" clId="Web-{E268A8C0-ED7E-4D4B-9678-CF4064E412A3}" dt="2024-02-14T22:26:56.597" v="74"/>
+        <pc:spChg chg="mod">
+          <ac:chgData name="adrianna high" userId="7fe0b8ed9b039a9f" providerId="Windows Live" clId="Web-{FA3F733D-5B00-45C8-B16C-343266E9352E}" dt="2024-02-14T17:23:34.085" v="24"/>
           <ac:spMkLst>
             <pc:docMk/>
-            <pc:sldMk cId="3466518884" sldId="271"/>
-            <ac:spMk id="2" creationId="{97CB9199-8109-0694-9499-3F3FA4AA3F5E}"/>
+            <pc:sldMk cId="3856028194" sldId="268"/>
+            <ac:spMk id="10" creationId="{A378EF1F-C45D-318D-7435-DBCB564E3AD6}"/>
           </ac:spMkLst>
         </pc:spChg>
-        <pc:graphicFrameChg chg="add mod modGraphic">
-          <ac:chgData name="adrianna high" userId="7fe0b8ed9b039a9f" providerId="Windows Live" clId="Web-{E268A8C0-ED7E-4D4B-9678-CF4064E412A3}" dt="2024-02-14T22:27:38.318" v="78"/>
-          <ac:graphicFrameMkLst>
-            <pc:docMk/>
-            <pc:sldMk cId="3466518884" sldId="271"/>
-            <ac:graphicFrameMk id="6" creationId="{A4402E30-D034-C91C-6B39-5232BC1EE437}"/>
-          </ac:graphicFrameMkLst>
-        </pc:graphicFrameChg>
       </pc:sldChg>
     </pc:docChg>
   </pc:docChgLst>
   <pc:docChgLst>
-    <pc:chgData name="adrianna high" userId="7fe0b8ed9b039a9f" providerId="Windows Live" clId="Web-{2E74000B-6090-4FCB-B7B1-963E5704CB18}"/>
-    <pc:docChg chg="addSld modSld">
-      <pc:chgData name="adrianna high" userId="7fe0b8ed9b039a9f" providerId="Windows Live" clId="Web-{2E74000B-6090-4FCB-B7B1-963E5704CB18}" dt="2024-02-14T00:56:59.410" v="527" actId="20577"/>
+    <pc:chgData name="adrianna high" userId="7fe0b8ed9b039a9f" providerId="Windows Live" clId="Web-{05C2F288-028D-442A-8FD9-C7FCD0257FDC}"/>
+    <pc:docChg chg="modSld">
+      <pc:chgData name="adrianna high" userId="7fe0b8ed9b039a9f" providerId="Windows Live" clId="Web-{05C2F288-028D-442A-8FD9-C7FCD0257FDC}" dt="2024-02-15T10:15:40.342" v="9" actId="14100"/>
       <pc:docMkLst>
         <pc:docMk/>
       </pc:docMkLst>
       <pc:sldChg chg="modSp">
-        <pc:chgData name="adrianna high" userId="7fe0b8ed9b039a9f" providerId="Windows Live" clId="Web-{2E74000B-6090-4FCB-B7B1-963E5704CB18}" dt="2024-02-14T00:47:19.615" v="289" actId="20577"/>
-        <pc:sldMkLst>
-          <pc:docMk/>
-          <pc:sldMk cId="959647764" sldId="257"/>
-        </pc:sldMkLst>
-        <pc:spChg chg="mod">
-          <ac:chgData name="adrianna high" userId="7fe0b8ed9b039a9f" providerId="Windows Live" clId="Web-{2E74000B-6090-4FCB-B7B1-963E5704CB18}" dt="2024-02-14T00:47:19.615" v="289" actId="20577"/>
-          <ac:spMkLst>
-            <pc:docMk/>
-            <pc:sldMk cId="959647764" sldId="257"/>
-            <ac:spMk id="3" creationId="{2BC85DED-3623-0A7E-EC67-994C8D17202E}"/>
-          </ac:spMkLst>
-        </pc:spChg>
-      </pc:sldChg>
-      <pc:sldChg chg="modSp">
-        <pc:chgData name="adrianna high" userId="7fe0b8ed9b039a9f" providerId="Windows Live" clId="Web-{2E74000B-6090-4FCB-B7B1-963E5704CB18}" dt="2024-02-14T00:52:07.528" v="449" actId="20577"/>
-        <pc:sldMkLst>
-          <pc:docMk/>
-          <pc:sldMk cId="776988672" sldId="258"/>
-        </pc:sldMkLst>
-        <pc:spChg chg="mod">
-          <ac:chgData name="adrianna high" userId="7fe0b8ed9b039a9f" providerId="Windows Live" clId="Web-{2E74000B-6090-4FCB-B7B1-963E5704CB18}" dt="2024-02-14T00:52:07.528" v="449" actId="20577"/>
-          <ac:spMkLst>
-            <pc:docMk/>
-            <pc:sldMk cId="776988672" sldId="258"/>
-            <ac:spMk id="3" creationId="{7319AA31-0D45-40A0-D3DA-9779BA747BCB}"/>
-          </ac:spMkLst>
-        </pc:spChg>
-      </pc:sldChg>
-      <pc:sldChg chg="modSp new">
-        <pc:chgData name="adrianna high" userId="7fe0b8ed9b039a9f" providerId="Windows Live" clId="Web-{2E74000B-6090-4FCB-B7B1-963E5704CB18}" dt="2024-02-14T00:56:59.410" v="527" actId="20577"/>
-        <pc:sldMkLst>
-          <pc:docMk/>
-          <pc:sldMk cId="2948029495" sldId="259"/>
-        </pc:sldMkLst>
-        <pc:spChg chg="mod">
-          <ac:chgData name="adrianna high" userId="7fe0b8ed9b039a9f" providerId="Windows Live" clId="Web-{2E74000B-6090-4FCB-B7B1-963E5704CB18}" dt="2024-02-14T00:47:32.475" v="302" actId="20577"/>
-          <ac:spMkLst>
-            <pc:docMk/>
-            <pc:sldMk cId="2948029495" sldId="259"/>
-            <ac:spMk id="2" creationId="{842958C5-6ABF-DA4A-2E40-AAB29290853A}"/>
-          </ac:spMkLst>
-        </pc:spChg>
-        <pc:spChg chg="mod">
-          <ac:chgData name="adrianna high" userId="7fe0b8ed9b039a9f" providerId="Windows Live" clId="Web-{2E74000B-6090-4FCB-B7B1-963E5704CB18}" dt="2024-02-14T00:56:59.410" v="527" actId="20577"/>
-          <ac:spMkLst>
-            <pc:docMk/>
-            <pc:sldMk cId="2948029495" sldId="259"/>
-            <ac:spMk id="3" creationId="{3BE1C0C0-5328-CAAC-F09C-85FDCA5C4BE2}"/>
-          </ac:spMkLst>
-        </pc:spChg>
-      </pc:sldChg>
-      <pc:sldChg chg="modSp new">
-        <pc:chgData name="adrianna high" userId="7fe0b8ed9b039a9f" providerId="Windows Live" clId="Web-{2E74000B-6090-4FCB-B7B1-963E5704CB18}" dt="2024-02-14T00:54:46.891" v="501" actId="20577"/>
-        <pc:sldMkLst>
-          <pc:docMk/>
-          <pc:sldMk cId="3107315607" sldId="260"/>
-        </pc:sldMkLst>
-        <pc:spChg chg="mod">
-          <ac:chgData name="adrianna high" userId="7fe0b8ed9b039a9f" providerId="Windows Live" clId="Web-{2E74000B-6090-4FCB-B7B1-963E5704CB18}" dt="2024-02-14T00:54:37.891" v="486" actId="20577"/>
-          <ac:spMkLst>
-            <pc:docMk/>
-            <pc:sldMk cId="3107315607" sldId="260"/>
-            <ac:spMk id="2" creationId="{03A414A1-5137-47D7-A141-603EA2A33433}"/>
-          </ac:spMkLst>
-        </pc:spChg>
-        <pc:spChg chg="mod">
-          <ac:chgData name="adrianna high" userId="7fe0b8ed9b039a9f" providerId="Windows Live" clId="Web-{2E74000B-6090-4FCB-B7B1-963E5704CB18}" dt="2024-02-14T00:54:46.891" v="501" actId="20577"/>
-          <ac:spMkLst>
-            <pc:docMk/>
-            <pc:sldMk cId="3107315607" sldId="260"/>
-            <ac:spMk id="3" creationId="{8B583376-47EE-6C92-10F1-76418159C07F}"/>
-          </ac:spMkLst>
-        </pc:spChg>
-      </pc:sldChg>
-      <pc:sldChg chg="modSp add replId">
-        <pc:chgData name="adrianna high" userId="7fe0b8ed9b039a9f" providerId="Windows Live" clId="Web-{2E74000B-6090-4FCB-B7B1-963E5704CB18}" dt="2024-02-14T00:54:49.579" v="504" actId="20577"/>
+        <pc:chgData name="adrianna high" userId="7fe0b8ed9b039a9f" providerId="Windows Live" clId="Web-{05C2F288-028D-442A-8FD9-C7FCD0257FDC}" dt="2024-02-15T10:15:40.342" v="9" actId="14100"/>
         <pc:sldMkLst>
           <pc:docMk/>
           <pc:sldMk cId="2457800766" sldId="261"/>
         </pc:sldMkLst>
         <pc:spChg chg="mod">
-          <ac:chgData name="adrianna high" userId="7fe0b8ed9b039a9f" providerId="Windows Live" clId="Web-{2E74000B-6090-4FCB-B7B1-963E5704CB18}" dt="2024-02-14T00:49:19.556" v="377" actId="20577"/>
-          <ac:spMkLst>
-            <pc:docMk/>
-            <pc:sldMk cId="2457800766" sldId="261"/>
-            <ac:spMk id="2" creationId="{03A414A1-5137-47D7-A141-603EA2A33433}"/>
-          </ac:spMkLst>
-        </pc:spChg>
-        <pc:spChg chg="mod">
-          <ac:chgData name="adrianna high" userId="7fe0b8ed9b039a9f" providerId="Windows Live" clId="Web-{2E74000B-6090-4FCB-B7B1-963E5704CB18}" dt="2024-02-14T00:54:49.579" v="504" actId="20577"/>
+          <ac:chgData name="adrianna high" userId="7fe0b8ed9b039a9f" providerId="Windows Live" clId="Web-{05C2F288-028D-442A-8FD9-C7FCD0257FDC}" dt="2024-02-15T10:15:40.342" v="9" actId="14100"/>
           <ac:spMkLst>
             <pc:docMk/>
             <pc:sldMk cId="2457800766" sldId="261"/>
             <ac:spMk id="3" creationId="{8B583376-47EE-6C92-10F1-76418159C07F}"/>
-          </ac:spMkLst>
-        </pc:spChg>
-      </pc:sldChg>
-      <pc:sldChg chg="modSp new">
-        <pc:chgData name="adrianna high" userId="7fe0b8ed9b039a9f" providerId="Windows Live" clId="Web-{2E74000B-6090-4FCB-B7B1-963E5704CB18}" dt="2024-02-14T00:54:53.188" v="505" actId="20577"/>
-        <pc:sldMkLst>
-          <pc:docMk/>
-          <pc:sldMk cId="4195842209" sldId="262"/>
-        </pc:sldMkLst>
-        <pc:spChg chg="mod">
-          <ac:chgData name="adrianna high" userId="7fe0b8ed9b039a9f" providerId="Windows Live" clId="Web-{2E74000B-6090-4FCB-B7B1-963E5704CB18}" dt="2024-02-14T00:50:12.572" v="402" actId="20577"/>
-          <ac:spMkLst>
-            <pc:docMk/>
-            <pc:sldMk cId="4195842209" sldId="262"/>
-            <ac:spMk id="2" creationId="{745BC7FB-FD03-C088-3B5F-76D0C6C100A9}"/>
-          </ac:spMkLst>
-        </pc:spChg>
-        <pc:spChg chg="mod">
-          <ac:chgData name="adrianna high" userId="7fe0b8ed9b039a9f" providerId="Windows Live" clId="Web-{2E74000B-6090-4FCB-B7B1-963E5704CB18}" dt="2024-02-14T00:54:53.188" v="505" actId="20577"/>
-          <ac:spMkLst>
-            <pc:docMk/>
-            <pc:sldMk cId="4195842209" sldId="262"/>
-            <ac:spMk id="3" creationId="{985F8F6F-F101-71F1-2B27-BAD2B83B5680}"/>
-          </ac:spMkLst>
-        </pc:spChg>
-      </pc:sldChg>
-      <pc:sldChg chg="modSp add replId">
-        <pc:chgData name="adrianna high" userId="7fe0b8ed9b039a9f" providerId="Windows Live" clId="Web-{2E74000B-6090-4FCB-B7B1-963E5704CB18}" dt="2024-02-14T00:54:55.110" v="506" actId="20577"/>
-        <pc:sldMkLst>
-          <pc:docMk/>
-          <pc:sldMk cId="677927871" sldId="263"/>
-        </pc:sldMkLst>
-        <pc:spChg chg="mod">
-          <ac:chgData name="adrianna high" userId="7fe0b8ed9b039a9f" providerId="Windows Live" clId="Web-{2E74000B-6090-4FCB-B7B1-963E5704CB18}" dt="2024-02-14T00:50:17.823" v="405" actId="20577"/>
-          <ac:spMkLst>
-            <pc:docMk/>
-            <pc:sldMk cId="677927871" sldId="263"/>
-            <ac:spMk id="2" creationId="{745BC7FB-FD03-C088-3B5F-76D0C6C100A9}"/>
-          </ac:spMkLst>
-        </pc:spChg>
-        <pc:spChg chg="mod">
-          <ac:chgData name="adrianna high" userId="7fe0b8ed9b039a9f" providerId="Windows Live" clId="Web-{2E74000B-6090-4FCB-B7B1-963E5704CB18}" dt="2024-02-14T00:54:55.110" v="506" actId="20577"/>
-          <ac:spMkLst>
-            <pc:docMk/>
-            <pc:sldMk cId="677927871" sldId="263"/>
-            <ac:spMk id="3" creationId="{985F8F6F-F101-71F1-2B27-BAD2B83B5680}"/>
-          </ac:spMkLst>
-        </pc:spChg>
-      </pc:sldChg>
-      <pc:sldChg chg="modSp new">
-        <pc:chgData name="adrianna high" userId="7fe0b8ed9b039a9f" providerId="Windows Live" clId="Web-{2E74000B-6090-4FCB-B7B1-963E5704CB18}" dt="2024-02-14T00:55:13.376" v="508" actId="20577"/>
-        <pc:sldMkLst>
-          <pc:docMk/>
-          <pc:sldMk cId="36768095" sldId="264"/>
-        </pc:sldMkLst>
-        <pc:spChg chg="mod">
-          <ac:chgData name="adrianna high" userId="7fe0b8ed9b039a9f" providerId="Windows Live" clId="Web-{2E74000B-6090-4FCB-B7B1-963E5704CB18}" dt="2024-02-14T00:53:08.264" v="456" actId="20577"/>
-          <ac:spMkLst>
-            <pc:docMk/>
-            <pc:sldMk cId="36768095" sldId="264"/>
-            <ac:spMk id="2" creationId="{AEFCC3F2-09C5-B544-E9F0-866E7E868920}"/>
-          </ac:spMkLst>
-        </pc:spChg>
-        <pc:spChg chg="mod">
-          <ac:chgData name="adrianna high" userId="7fe0b8ed9b039a9f" providerId="Windows Live" clId="Web-{2E74000B-6090-4FCB-B7B1-963E5704CB18}" dt="2024-02-14T00:55:13.376" v="508" actId="20577"/>
-          <ac:spMkLst>
-            <pc:docMk/>
-            <pc:sldMk cId="36768095" sldId="264"/>
-            <ac:spMk id="3" creationId="{14FFFCE2-7ED1-FFA6-3231-2B9AE1F7DC13}"/>
-          </ac:spMkLst>
-        </pc:spChg>
-      </pc:sldChg>
-      <pc:sldChg chg="modSp add replId">
-        <pc:chgData name="adrianna high" userId="7fe0b8ed9b039a9f" providerId="Windows Live" clId="Web-{2E74000B-6090-4FCB-B7B1-963E5704CB18}" dt="2024-02-14T00:54:11.172" v="484" actId="20577"/>
-        <pc:sldMkLst>
-          <pc:docMk/>
-          <pc:sldMk cId="2961631173" sldId="265"/>
-        </pc:sldMkLst>
-        <pc:spChg chg="mod">
-          <ac:chgData name="adrianna high" userId="7fe0b8ed9b039a9f" providerId="Windows Live" clId="Web-{2E74000B-6090-4FCB-B7B1-963E5704CB18}" dt="2024-02-14T00:50:53.074" v="443" actId="20577"/>
-          <ac:spMkLst>
-            <pc:docMk/>
-            <pc:sldMk cId="2961631173" sldId="265"/>
-            <ac:spMk id="2" creationId="{AEFCC3F2-09C5-B544-E9F0-866E7E868920}"/>
-          </ac:spMkLst>
-        </pc:spChg>
-        <pc:spChg chg="mod">
-          <ac:chgData name="adrianna high" userId="7fe0b8ed9b039a9f" providerId="Windows Live" clId="Web-{2E74000B-6090-4FCB-B7B1-963E5704CB18}" dt="2024-02-14T00:54:11.172" v="484" actId="20577"/>
-          <ac:spMkLst>
-            <pc:docMk/>
-            <pc:sldMk cId="2961631173" sldId="265"/>
-            <ac:spMk id="3" creationId="{14FFFCE2-7ED1-FFA6-3231-2B9AE1F7DC13}"/>
-          </ac:spMkLst>
-        </pc:spChg>
-      </pc:sldChg>
-      <pc:sldChg chg="modSp new">
-        <pc:chgData name="adrianna high" userId="7fe0b8ed9b039a9f" providerId="Windows Live" clId="Web-{2E74000B-6090-4FCB-B7B1-963E5704CB18}" dt="2024-02-14T00:53:59.375" v="482" actId="20577"/>
-        <pc:sldMkLst>
-          <pc:docMk/>
-          <pc:sldMk cId="4268355769" sldId="266"/>
-        </pc:sldMkLst>
-        <pc:spChg chg="mod">
-          <ac:chgData name="adrianna high" userId="7fe0b8ed9b039a9f" providerId="Windows Live" clId="Web-{2E74000B-6090-4FCB-B7B1-963E5704CB18}" dt="2024-02-14T00:53:39.593" v="478" actId="20577"/>
-          <ac:spMkLst>
-            <pc:docMk/>
-            <pc:sldMk cId="4268355769" sldId="266"/>
-            <ac:spMk id="2" creationId="{0BB22B86-7124-658D-FDF5-68C07B159DF6}"/>
-          </ac:spMkLst>
-        </pc:spChg>
-        <pc:spChg chg="mod">
-          <ac:chgData name="adrianna high" userId="7fe0b8ed9b039a9f" providerId="Windows Live" clId="Web-{2E74000B-6090-4FCB-B7B1-963E5704CB18}" dt="2024-02-14T00:53:59.375" v="482" actId="20577"/>
-          <ac:spMkLst>
-            <pc:docMk/>
-            <pc:sldMk cId="4268355769" sldId="266"/>
-            <ac:spMk id="3" creationId="{C0A1AF74-9AB6-73DC-C760-F38C6B22414E}"/>
           </ac:spMkLst>
         </pc:spChg>
       </pc:sldChg>
@@ -1537,7 +1664,7 @@
           <a:p>
             <a:fld id="{6B675ADE-1963-487E-83B0-D94396D9E72E}" type="datetimeFigureOut">
               <a:rPr lang="en-US" smtClean="0"/>
-              <a:t>2/14/2024</a:t>
+              <a:t>2/15/2024</a:t>
             </a:fld>
             <a:endParaRPr lang="en-US"/>
           </a:p>
@@ -1951,7 +2078,7 @@
           <a:p>
             <a:fld id="{2AB5670F-92DA-44D9-9A05-B40D3F93F0A2}" type="datetime1">
               <a:rPr lang="en-US" smtClean="0"/>
-              <a:t>2/14/2024</a:t>
+              <a:t>2/15/2024</a:t>
             </a:fld>
             <a:endParaRPr lang="en-US"/>
           </a:p>
@@ -2149,7 +2276,7 @@
           <a:p>
             <a:fld id="{46B96950-436A-4DC0-9F93-A774EBD901EE}" type="datetime1">
               <a:rPr lang="en-US" smtClean="0"/>
-              <a:t>2/14/2024</a:t>
+              <a:t>2/15/2024</a:t>
             </a:fld>
             <a:endParaRPr lang="en-US"/>
           </a:p>
@@ -2357,7 +2484,7 @@
           <a:p>
             <a:fld id="{672BA598-F037-4528-85E8-D3C85EADF910}" type="datetime1">
               <a:rPr lang="en-US" smtClean="0"/>
-              <a:t>2/14/2024</a:t>
+              <a:t>2/15/2024</a:t>
             </a:fld>
             <a:endParaRPr lang="en-US"/>
           </a:p>
@@ -2555,7 +2682,7 @@
           <a:p>
             <a:fld id="{516B2522-0875-4359-A94C-4938C2CB6F66}" type="datetime1">
               <a:rPr lang="en-US" smtClean="0"/>
-              <a:t>2/14/2024</a:t>
+              <a:t>2/15/2024</a:t>
             </a:fld>
             <a:endParaRPr lang="en-US"/>
           </a:p>
@@ -2830,7 +2957,7 @@
           <a:p>
             <a:fld id="{95508532-A8DF-456D-9321-1F0752E5C066}" type="datetime1">
               <a:rPr lang="en-US" smtClean="0"/>
-              <a:t>2/14/2024</a:t>
+              <a:t>2/15/2024</a:t>
             </a:fld>
             <a:endParaRPr lang="en-US"/>
           </a:p>
@@ -3095,7 +3222,7 @@
           <a:p>
             <a:fld id="{C432D7E5-344B-4A60-ACF3-EF047C69B523}" type="datetime1">
               <a:rPr lang="en-US" smtClean="0"/>
-              <a:t>2/14/2024</a:t>
+              <a:t>2/15/2024</a:t>
             </a:fld>
             <a:endParaRPr lang="en-US"/>
           </a:p>
@@ -3507,7 +3634,7 @@
           <a:p>
             <a:fld id="{8625EF8C-1440-4D25-8DCF-4C37FCFCAC31}" type="datetime1">
               <a:rPr lang="en-US" smtClean="0"/>
-              <a:t>2/14/2024</a:t>
+              <a:t>2/15/2024</a:t>
             </a:fld>
             <a:endParaRPr lang="en-US"/>
           </a:p>
@@ -3648,7 +3775,7 @@
           <a:p>
             <a:fld id="{4E39D271-6906-4EE8-9E4B-1093C23DE509}" type="datetime1">
               <a:rPr lang="en-US" smtClean="0"/>
-              <a:t>2/14/2024</a:t>
+              <a:t>2/15/2024</a:t>
             </a:fld>
             <a:endParaRPr lang="en-US"/>
           </a:p>
@@ -3761,7 +3888,7 @@
           <a:p>
             <a:fld id="{38203F74-1362-4F65-BC0C-C4B4210AC75E}" type="datetime1">
               <a:rPr lang="en-US" smtClean="0"/>
-              <a:t>2/14/2024</a:t>
+              <a:t>2/15/2024</a:t>
             </a:fld>
             <a:endParaRPr lang="en-US"/>
           </a:p>
@@ -4072,7 +4199,7 @@
           <a:p>
             <a:fld id="{9E369C06-36B3-4DC4-AD23-3F8D6A1D7958}" type="datetime1">
               <a:rPr lang="en-US" smtClean="0"/>
-              <a:t>2/14/2024</a:t>
+              <a:t>2/15/2024</a:t>
             </a:fld>
             <a:endParaRPr lang="en-US"/>
           </a:p>
@@ -4360,7 +4487,7 @@
           <a:p>
             <a:fld id="{FAEA0E53-6AFB-44E0-80ED-3C829310E791}" type="datetime1">
               <a:rPr lang="en-US" smtClean="0"/>
-              <a:t>2/14/2024</a:t>
+              <a:t>2/15/2024</a:t>
             </a:fld>
             <a:endParaRPr lang="en-US"/>
           </a:p>
@@ -4601,7 +4728,7 @@
           <a:p>
             <a:fld id="{CA0497BD-0EB8-4516-9897-555B214BD752}" type="datetime1">
               <a:rPr lang="en-US" smtClean="0"/>
-              <a:t>2/14/2024</a:t>
+              <a:t>2/15/2024</a:t>
             </a:fld>
             <a:endParaRPr lang="en-US"/>
           </a:p>
@@ -6036,7 +6163,7 @@
               <a:buNone/>
             </a:pPr>
             <a:r>
-              <a:rPr lang="en-US" sz="1400" b="1" i="1" u="sng">
+              <a:rPr lang="en-US" sz="1400" b="1" i="1" u="sng" dirty="0">
                 <a:latin typeface="Cambria"/>
                 <a:ea typeface="Cambria"/>
               </a:rPr>
@@ -6045,63 +6172,63 @@
           </a:p>
           <a:p>
             <a:r>
-              <a:rPr lang="en-US" sz="1200" err="1">
+              <a:rPr lang="en-US" sz="1200" dirty="0" err="1">
                 <a:latin typeface="Cambria"/>
                 <a:ea typeface="Cambria"/>
               </a:rPr>
               <a:t>Vorkunov,M</a:t>
             </a:r>
             <a:r>
-              <a:rPr lang="en-US" sz="1200">
+              <a:rPr lang="en-US" sz="1200" dirty="0">
                 <a:latin typeface="Cambria"/>
                 <a:ea typeface="Cambria"/>
               </a:rPr>
               <a:t>. (2023). </a:t>
             </a:r>
             <a:r>
-              <a:rPr lang="en-US" sz="1200" err="1">
+              <a:rPr lang="en-US" sz="1200" dirty="0" err="1">
                 <a:latin typeface="Cambria"/>
                 <a:ea typeface="Cambria"/>
               </a:rPr>
               <a:t>Vorkunov</a:t>
             </a:r>
             <a:r>
-              <a:rPr lang="en-US" sz="1200">
+              <a:rPr lang="en-US" sz="1200" dirty="0">
                 <a:latin typeface="Cambria"/>
                 <a:ea typeface="Cambria"/>
               </a:rPr>
               <a:t>: NBA salaries keep going up. Prepare to have your mind blown in the future. </a:t>
             </a:r>
             <a:r>
-              <a:rPr lang="en-US" sz="1200" i="1">
+              <a:rPr lang="en-US" sz="1200" i="1" dirty="0">
                 <a:latin typeface="Cambria"/>
                 <a:ea typeface="Cambria"/>
               </a:rPr>
               <a:t>The Athletic</a:t>
             </a:r>
             <a:r>
-              <a:rPr lang="en-US" sz="1200">
+              <a:rPr lang="en-US" sz="1200" dirty="0">
                 <a:latin typeface="Cambria"/>
                 <a:ea typeface="Cambria"/>
               </a:rPr>
               <a:t>. </a:t>
             </a:r>
             <a:r>
-              <a:rPr lang="en-US" sz="1200">
+              <a:rPr lang="en-US" sz="1200" dirty="0">
                 <a:latin typeface="Cambria"/>
                 <a:ea typeface="Cambria"/>
                 <a:hlinkClick r:id="rId2"/>
               </a:rPr>
               <a:t>https://theathletic.com/4740069/2023/08/03/nba-salary-cap-rise-jaylen-brown/</a:t>
             </a:r>
-            <a:endParaRPr lang="en-US" sz="1200">
+            <a:endParaRPr lang="en-US" sz="1200" dirty="0">
               <a:latin typeface="Cambria"/>
               <a:ea typeface="Cambria"/>
             </a:endParaRPr>
           </a:p>
           <a:p>
             <a:r>
-              <a:rPr lang="en-US" sz="1200" b="0" i="0">
+              <a:rPr lang="en-US" sz="1200" b="0" i="0" dirty="0">
                 <a:effectLst/>
                 <a:latin typeface="Cambria" panose="02040503050406030204" pitchFamily="18" charset="0"/>
                 <a:ea typeface="Cambria" panose="02040503050406030204" pitchFamily="18" charset="0"/>
@@ -6109,7 +6236,7 @@
               <a:t>Feng, X., Wang, Y., &amp; Xiong, T. (2023). NBA Player Salary Analysis based on Multivariate Regression Analysis. </a:t>
             </a:r>
             <a:r>
-              <a:rPr lang="en-US" sz="1200" b="0" i="1">
+              <a:rPr lang="en-US" sz="1200" b="0" i="1" dirty="0">
                 <a:effectLst/>
                 <a:latin typeface="Cambria" panose="02040503050406030204" pitchFamily="18" charset="0"/>
                 <a:ea typeface="Cambria" panose="02040503050406030204" pitchFamily="18" charset="0"/>
@@ -6117,7 +6244,7 @@
               <a:t>Highlights in Science, Engineering and Technology</a:t>
             </a:r>
             <a:r>
-              <a:rPr lang="en-US" sz="1200" b="0" i="0">
+              <a:rPr lang="en-US" sz="1200" b="0" i="0" dirty="0">
                 <a:effectLst/>
                 <a:latin typeface="Cambria" panose="02040503050406030204" pitchFamily="18" charset="0"/>
                 <a:ea typeface="Cambria" panose="02040503050406030204" pitchFamily="18" charset="0"/>
@@ -6125,7 +6252,7 @@
               <a:t>, </a:t>
             </a:r>
             <a:r>
-              <a:rPr lang="en-US" sz="1200" b="0" i="1">
+              <a:rPr lang="en-US" sz="1200" b="0" i="1" dirty="0">
                 <a:effectLst/>
                 <a:latin typeface="Cambria" panose="02040503050406030204" pitchFamily="18" charset="0"/>
                 <a:ea typeface="Cambria" panose="02040503050406030204" pitchFamily="18" charset="0"/>
@@ -6133,7 +6260,7 @@
               <a:t>49</a:t>
             </a:r>
             <a:r>
-              <a:rPr lang="en-US" sz="1200" b="0" i="0">
+              <a:rPr lang="en-US" sz="1200" b="0" i="0" dirty="0">
                 <a:effectLst/>
                 <a:latin typeface="Cambria" panose="02040503050406030204" pitchFamily="18" charset="0"/>
                 <a:ea typeface="Cambria" panose="02040503050406030204" pitchFamily="18" charset="0"/>
@@ -6141,7 +6268,7 @@
               <a:t>, 157-166. </a:t>
             </a:r>
             <a:r>
-              <a:rPr lang="en-US" sz="1200" b="0" i="0">
+              <a:rPr lang="en-US" sz="1200" b="0" i="0" dirty="0">
                 <a:solidFill>
                   <a:srgbClr val="4B7D92"/>
                 </a:solidFill>
@@ -6152,7 +6279,7 @@
               </a:rPr>
               <a:t>https://doi.org/10.54097/hset.v49i.8498</a:t>
             </a:r>
-            <a:endParaRPr lang="en-US" sz="1200" b="0" i="0">
+            <a:endParaRPr lang="en-US" sz="1200" b="0" i="0" dirty="0">
               <a:solidFill>
                 <a:srgbClr val="4B7D92"/>
               </a:solidFill>
@@ -6163,24 +6290,141 @@
           </a:p>
           <a:p>
             <a:r>
-              <a:rPr lang="en-US" sz="1200">
+              <a:rPr lang="en-US" sz="1200" dirty="0">
                 <a:latin typeface="Cambria"/>
                 <a:ea typeface="Cambria"/>
               </a:rPr>
               <a:t>Ando, K. (2018). NBA Players’ Salary Prediction Using Linear Regression Model. </a:t>
             </a:r>
             <a:r>
-              <a:rPr lang="en-US" sz="1200">
+              <a:rPr lang="en-US" sz="1200" dirty="0">
                 <a:latin typeface="Cambria"/>
                 <a:ea typeface="Cambria"/>
                 <a:hlinkClick r:id="rId4"/>
               </a:rPr>
               <a:t>https://rstudio-pubs-static.s3.amazonaws.com/371407_e21330910f3c4bd2b6e19440013ea793.html#</a:t>
             </a:r>
-            <a:endParaRPr lang="en-US" sz="1200">
+            <a:endParaRPr lang="en-US" sz="1200" dirty="0">
               <a:latin typeface="Cambria"/>
               <a:ea typeface="Cambria"/>
             </a:endParaRPr>
+          </a:p>
+          <a:p>
+            <a:endParaRPr lang="en-US" sz="1200" dirty="0">
+              <a:latin typeface="Cambria"/>
+              <a:ea typeface="Cambria"/>
+            </a:endParaRPr>
+          </a:p>
+          <a:p>
+            <a:pPr marL="0" indent="0">
+              <a:buNone/>
+            </a:pPr>
+            <a:r>
+              <a:rPr lang="en-US" sz="1200" b="1" i="1" u="sng" dirty="0">
+                <a:latin typeface="Cambria"/>
+                <a:ea typeface="Cambria"/>
+              </a:rPr>
+              <a:t>Statement of Work</a:t>
+            </a:r>
+          </a:p>
+          <a:p>
+            <a:pPr marL="0" indent="0">
+              <a:spcBef>
+                <a:spcPts val="600"/>
+              </a:spcBef>
+              <a:buNone/>
+            </a:pPr>
+            <a:r>
+              <a:rPr lang="en-US" sz="1200" dirty="0">
+                <a:latin typeface="Cambria"/>
+                <a:ea typeface="Cambria"/>
+              </a:rPr>
+              <a:t>Damond Allen was </a:t>
+            </a:r>
+            <a:r>
+              <a:rPr lang="en-US" sz="1200" dirty="0" err="1">
+                <a:latin typeface="Cambria"/>
+                <a:ea typeface="Cambria"/>
+              </a:rPr>
+              <a:t>esponsible</a:t>
+            </a:r>
+            <a:r>
+              <a:rPr lang="en-US" sz="1200" dirty="0">
+                <a:latin typeface="Cambria"/>
+                <a:ea typeface="Cambria"/>
+              </a:rPr>
+              <a:t> for all the following using NBA data sources:</a:t>
+            </a:r>
+          </a:p>
+          <a:p>
+            <a:pPr>
+              <a:spcBef>
+                <a:spcPts val="600"/>
+              </a:spcBef>
+            </a:pPr>
+            <a:r>
+              <a:rPr lang="en-US" sz="1200" dirty="0">
+                <a:latin typeface="Cambria"/>
+                <a:ea typeface="Cambria"/>
+              </a:rPr>
+              <a:t>Writing python function that pulls data from NBA_API</a:t>
+            </a:r>
+          </a:p>
+          <a:p>
+            <a:pPr>
+              <a:spcBef>
+                <a:spcPts val="600"/>
+              </a:spcBef>
+            </a:pPr>
+            <a:r>
+              <a:rPr lang="en-US" sz="1200" dirty="0">
+                <a:latin typeface="Cambria"/>
+                <a:ea typeface="Cambria"/>
+              </a:rPr>
+              <a:t>Cleaning, manipulation and joining</a:t>
+            </a:r>
+          </a:p>
+          <a:p>
+            <a:pPr>
+              <a:spcBef>
+                <a:spcPts val="600"/>
+              </a:spcBef>
+            </a:pPr>
+            <a:r>
+              <a:rPr lang="en-US" sz="1200" dirty="0">
+                <a:latin typeface="Cambria"/>
+                <a:ea typeface="Cambria"/>
+              </a:rPr>
+              <a:t>Visualization</a:t>
+            </a:r>
+          </a:p>
+          <a:p>
+            <a:pPr>
+              <a:spcBef>
+                <a:spcPts val="600"/>
+              </a:spcBef>
+            </a:pPr>
+            <a:r>
+              <a:rPr lang="en-US" sz="1200" dirty="0">
+                <a:latin typeface="Cambria"/>
+                <a:ea typeface="Cambria"/>
+              </a:rPr>
+              <a:t>Exploratory analysis</a:t>
+            </a:r>
+          </a:p>
+          <a:p>
+            <a:pPr>
+              <a:spcBef>
+                <a:spcPts val="600"/>
+              </a:spcBef>
+            </a:pPr>
+            <a:r>
+              <a:rPr lang="en-US" sz="1200" dirty="0">
+                <a:latin typeface="Cambria"/>
+                <a:ea typeface="Cambria"/>
+              </a:rPr>
+              <a:t>Regression analysis</a:t>
+            </a:r>
           </a:p>
         </p:txBody>
       </p:sp>
@@ -7200,8 +7444,8 @@
           </p:txBody>
         </p:sp>
       </p:grpSp>
-      <mc:AlternateContent xmlns:mc="http://schemas.openxmlformats.org/markup-compatibility/2006">
-        <mc:Choice xmlns:p14="http://schemas.microsoft.com/office/powerpoint/2010/main" Requires="p14">
+      <mc:AlternateContent xmlns:mc="http://schemas.openxmlformats.org/markup-compatibility/2006" xmlns:p14="http://schemas.microsoft.com/office/powerpoint/2010/main">
+        <mc:Choice Requires="p14">
           <p:contentPart p14:bwMode="auto" r:id="rId3">
             <p14:nvContentPartPr>
               <p14:cNvPr id="15" name="Ink 14">
@@ -7220,7 +7464,7 @@
             </p14:xfrm>
           </p:contentPart>
         </mc:Choice>
-        <mc:Fallback>
+        <mc:Fallback xmlns="">
           <p:pic>
             <p:nvPicPr>
               <p:cNvPr id="15" name="Ink 14">
@@ -8583,7 +8827,7 @@
               <a:buNone/>
             </a:pPr>
             <a:r>
-              <a:rPr lang="en-US" sz="1400" b="1" i="1" u="sng">
+              <a:rPr lang="en-US" sz="1400" b="1" i="1" u="sng" dirty="0">
                 <a:latin typeface="Cambria"/>
                 <a:ea typeface="Cambria"/>
               </a:rPr>
@@ -8595,21 +8839,21 @@
               <a:buNone/>
             </a:pPr>
             <a:r>
-              <a:rPr lang="en-US" sz="1200">
+              <a:rPr lang="en-US" sz="1200" dirty="0">
                 <a:latin typeface="Cambria" panose="02040503050406030204" pitchFamily="18" charset="0"/>
                 <a:ea typeface="Cambria" panose="02040503050406030204" pitchFamily="18" charset="0"/>
               </a:rPr>
               <a:t>The default file type for the player contract data is .</a:t>
             </a:r>
             <a:r>
-              <a:rPr lang="en-US" sz="1200" err="1">
+              <a:rPr lang="en-US" sz="1200" dirty="0" err="1">
                 <a:latin typeface="Cambria" panose="02040503050406030204" pitchFamily="18" charset="0"/>
                 <a:ea typeface="Cambria" panose="02040503050406030204" pitchFamily="18" charset="0"/>
               </a:rPr>
               <a:t>xls</a:t>
             </a:r>
             <a:r>
-              <a:rPr lang="en-US" sz="1200">
+              <a:rPr lang="en-US" sz="1200" dirty="0">
                 <a:latin typeface="Cambria" panose="02040503050406030204" pitchFamily="18" charset="0"/>
                 <a:ea typeface="Cambria" panose="02040503050406030204" pitchFamily="18" charset="0"/>
               </a:rPr>
@@ -8623,7 +8867,7 @@
               </a:spcBef>
             </a:pPr>
             <a:r>
-              <a:rPr lang="en-US" sz="1200">
+              <a:rPr lang="en-US" sz="1200" dirty="0">
                 <a:latin typeface="Cambria" panose="02040503050406030204" pitchFamily="18" charset="0"/>
                 <a:ea typeface="Cambria" panose="02040503050406030204" pitchFamily="18" charset="0"/>
               </a:rPr>
@@ -8637,7 +8881,7 @@
               </a:spcBef>
             </a:pPr>
             <a:r>
-              <a:rPr lang="en-US" sz="1200">
+              <a:rPr lang="en-US" sz="1200" dirty="0">
                 <a:latin typeface="Cambria" panose="02040503050406030204" pitchFamily="18" charset="0"/>
                 <a:ea typeface="Cambria" panose="02040503050406030204" pitchFamily="18" charset="0"/>
               </a:rPr>
@@ -8651,7 +8895,7 @@
               </a:spcBef>
             </a:pPr>
             <a:r>
-              <a:rPr lang="en-US" sz="1200">
+              <a:rPr lang="en-US" sz="1200" dirty="0">
                 <a:latin typeface="Cambria" panose="02040503050406030204" pitchFamily="18" charset="0"/>
                 <a:ea typeface="Cambria" panose="02040503050406030204" pitchFamily="18" charset="0"/>
               </a:rPr>
@@ -8665,7 +8909,7 @@
               </a:spcBef>
             </a:pPr>
             <a:r>
-              <a:rPr lang="en-US" sz="1200">
+              <a:rPr lang="en-US" sz="1200" dirty="0">
                 <a:latin typeface="Cambria" panose="02040503050406030204" pitchFamily="18" charset="0"/>
                 <a:ea typeface="Cambria" panose="02040503050406030204" pitchFamily="18" charset="0"/>
               </a:rPr>
@@ -8679,7 +8923,7 @@
               </a:spcBef>
             </a:pPr>
             <a:r>
-              <a:rPr lang="en-US" sz="1200">
+              <a:rPr lang="en-US" sz="1200" dirty="0">
                 <a:latin typeface="Cambria" panose="02040503050406030204" pitchFamily="18" charset="0"/>
                 <a:ea typeface="Cambria" panose="02040503050406030204" pitchFamily="18" charset="0"/>
               </a:rPr>
@@ -8691,7 +8935,7 @@
               <a:buNone/>
             </a:pPr>
             <a:r>
-              <a:rPr lang="en-US" sz="1200" b="1" i="1">
+              <a:rPr lang="en-US" sz="1200" b="1" i="1" dirty="0">
                 <a:latin typeface="Cambria" panose="02040503050406030204" pitchFamily="18" charset="0"/>
                 <a:ea typeface="Cambria" panose="02040503050406030204" pitchFamily="18" charset="0"/>
               </a:rPr>
@@ -8705,7 +8949,7 @@
               </a:spcBef>
             </a:pPr>
             <a:r>
-              <a:rPr lang="en-US" sz="1200">
+              <a:rPr lang="en-US" sz="1200" dirty="0">
                 <a:latin typeface="Cambria" panose="02040503050406030204" pitchFamily="18" charset="0"/>
                 <a:ea typeface="Cambria" panose="02040503050406030204" pitchFamily="18" charset="0"/>
               </a:rPr>
@@ -8719,7 +8963,7 @@
               </a:spcBef>
             </a:pPr>
             <a:r>
-              <a:rPr lang="en-US" sz="1200">
+              <a:rPr lang="en-US" sz="1200" dirty="0">
                 <a:latin typeface="Cambria" panose="02040503050406030204" pitchFamily="18" charset="0"/>
                 <a:ea typeface="Cambria" panose="02040503050406030204" pitchFamily="18" charset="0"/>
               </a:rPr>
@@ -8733,7 +8977,7 @@
               </a:spcBef>
             </a:pPr>
             <a:r>
-              <a:rPr lang="en-US" sz="1200">
+              <a:rPr lang="en-US" sz="1200" dirty="0">
                 <a:latin typeface="Cambria" panose="02040503050406030204" pitchFamily="18" charset="0"/>
                 <a:ea typeface="Cambria" panose="02040503050406030204" pitchFamily="18" charset="0"/>
               </a:rPr>
@@ -8745,13 +8989,13 @@
               <a:buNone/>
             </a:pPr>
             <a:r>
-              <a:rPr lang="en-US" sz="1200" b="1" i="1">
+              <a:rPr lang="en-US" sz="1200" b="1" i="1" dirty="0">
                 <a:latin typeface="Cambria" panose="02040503050406030204" pitchFamily="18" charset="0"/>
                 <a:ea typeface="Cambria" panose="02040503050406030204" pitchFamily="18" charset="0"/>
               </a:rPr>
               <a:t>The career stats needed the following manipulations:</a:t>
             </a:r>
-            <a:endParaRPr lang="en-US" sz="1200">
+            <a:endParaRPr lang="en-US" sz="1200" dirty="0">
               <a:latin typeface="Cambria" panose="02040503050406030204" pitchFamily="18" charset="0"/>
               <a:ea typeface="Cambria" panose="02040503050406030204" pitchFamily="18" charset="0"/>
             </a:endParaRPr>
@@ -8763,7 +9007,7 @@
               </a:spcBef>
             </a:pPr>
             <a:r>
-              <a:rPr lang="en-US" sz="1200">
+              <a:rPr lang="en-US" sz="1200" dirty="0">
                 <a:latin typeface="Cambria" panose="02040503050406030204" pitchFamily="18" charset="0"/>
                 <a:ea typeface="Cambria" panose="02040503050406030204" pitchFamily="18" charset="0"/>
               </a:rPr>
@@ -8777,7 +9021,7 @@
               </a:spcBef>
             </a:pPr>
             <a:r>
-              <a:rPr lang="en-US" sz="1200">
+              <a:rPr lang="en-US" sz="1200" dirty="0">
                 <a:latin typeface="Cambria" panose="02040503050406030204" pitchFamily="18" charset="0"/>
                 <a:ea typeface="Cambria" panose="02040503050406030204" pitchFamily="18" charset="0"/>
               </a:rPr>
@@ -8791,7 +9035,7 @@
               </a:spcBef>
             </a:pPr>
             <a:r>
-              <a:rPr lang="en-US" sz="1200">
+              <a:rPr lang="en-US" sz="1200" dirty="0">
                 <a:latin typeface="Cambria" panose="02040503050406030204" pitchFamily="18" charset="0"/>
                 <a:ea typeface="Cambria" panose="02040503050406030204" pitchFamily="18" charset="0"/>
               </a:rPr>
@@ -8802,32 +9046,26 @@
             <a:pPr marL="0" indent="0">
               <a:buNone/>
             </a:pPr>
-            <a:r>
-              <a:rPr lang="en-US" sz="1400" b="1" i="1" u="sng">
-                <a:latin typeface="Cambria"/>
-                <a:ea typeface="Cambria"/>
-              </a:rPr>
-              <a:t>Challenges:</a:t>
-            </a:r>
+            <a:endParaRPr lang="en-US" sz="1400" b="1" i="1" u="sng" dirty="0">
+              <a:latin typeface="Cambria" panose="02040503050406030204" pitchFamily="18" charset="0"/>
+              <a:ea typeface="Cambria" panose="02040503050406030204" pitchFamily="18" charset="0"/>
+            </a:endParaRPr>
           </a:p>
           <a:p>
             <a:pPr marL="0" indent="0">
               <a:buNone/>
             </a:pPr>
-            <a:r>
-              <a:rPr lang="en-US" sz="1200">
-                <a:latin typeface="Cambria"/>
-                <a:ea typeface="Cambria"/>
-              </a:rPr>
-              <a:t>Our data sources contained accented and non-accented names.</a:t>
-            </a:r>
+            <a:endParaRPr lang="en-US" sz="1400" b="1" i="1" u="sng" dirty="0">
+              <a:latin typeface="Cambria" panose="02040503050406030204" pitchFamily="18" charset="0"/>
+              <a:ea typeface="Cambria" panose="02040503050406030204" pitchFamily="18" charset="0"/>
+            </a:endParaRPr>
           </a:p>
           <a:p>
             <a:pPr marL="0" indent="0">
               <a:buNone/>
             </a:pPr>
             <a:r>
-              <a:rPr lang="en-US" sz="1400" b="1" i="1" u="sng">
+              <a:rPr lang="en-US" sz="1400" b="1" i="1" u="sng" dirty="0">
                 <a:latin typeface="Cambria" panose="02040503050406030204" pitchFamily="18" charset="0"/>
                 <a:ea typeface="Cambria" panose="02040503050406030204" pitchFamily="18" charset="0"/>
               </a:rPr>
@@ -8839,13 +9077,13 @@
               <a:buNone/>
             </a:pPr>
             <a:r>
-              <a:rPr lang="en-US" sz="1200">
+              <a:rPr lang="en-US" sz="1200" dirty="0">
                 <a:latin typeface="Cambria" panose="02040503050406030204" pitchFamily="18" charset="0"/>
                 <a:ea typeface="Cambria" panose="02040503050406030204" pitchFamily="18" charset="0"/>
               </a:rPr>
               <a:t>The 2024 season is in progress and contains a partial season's metrics. We removed rows corresponding to the year 2024 from the dataset. Our dataset did contain null values because one player did not have a contract value, and several players are rookies competing in their first season this year; these players were dropped from the dataset because they did not fit the scope of our data goals. Several players needed name corrections because our data sources recorded names differently. The basketball reference website stores a player's name with accented characters, while the NBA_API stores the name without the accents. This was the most challenging data quality issue because it prevented the accurate joining of the two datasets. We addressed this using code that corrected specific names.</a:t>
             </a:r>
-            <a:endParaRPr lang="en-US" sz="1200">
+            <a:endParaRPr lang="en-US" sz="1200" dirty="0">
               <a:latin typeface="Cambria"/>
               <a:ea typeface="Cambria"/>
             </a:endParaRPr>
@@ -8855,7 +9093,7 @@
               <a:buNone/>
             </a:pPr>
             <a:r>
-              <a:rPr lang="en-US" sz="1400" b="1" i="1" u="sng">
+              <a:rPr lang="en-US" sz="1400" b="1" i="1" u="sng" dirty="0">
                 <a:latin typeface="Cambria"/>
                 <a:ea typeface="Cambria"/>
               </a:rPr>
@@ -8866,7 +9104,7 @@
             <a:pPr marL="0" indent="0">
               <a:buNone/>
             </a:pPr>
-            <a:endParaRPr lang="en-US" sz="1400" b="1" i="1" u="sng">
+            <a:endParaRPr lang="en-US" sz="1400" b="1" i="1" u="sng" dirty="0">
               <a:latin typeface="Cambria"/>
               <a:ea typeface="Cambria"/>
             </a:endParaRPr>
@@ -8875,7 +9113,7 @@
             <a:pPr marL="0" indent="0">
               <a:buNone/>
             </a:pPr>
-            <a:endParaRPr lang="en-US" sz="1400" b="1" i="1" u="sng">
+            <a:endParaRPr lang="en-US" sz="1400" b="1" i="1" u="sng" dirty="0">
               <a:latin typeface="Cambria"/>
               <a:ea typeface="Cambria"/>
             </a:endParaRPr>
@@ -8884,7 +9122,7 @@
             <a:pPr marL="0" indent="0">
               <a:buNone/>
             </a:pPr>
-            <a:endParaRPr lang="en-US" sz="1400" b="1" i="1" u="sng">
+            <a:endParaRPr lang="en-US" sz="1400" b="1" i="1" u="sng" dirty="0">
               <a:latin typeface="Cambria"/>
               <a:ea typeface="Cambria"/>
             </a:endParaRPr>
@@ -8893,7 +9131,7 @@
             <a:pPr marL="0" indent="0">
               <a:buNone/>
             </a:pPr>
-            <a:endParaRPr lang="en-US" sz="1400" b="1" i="1" u="sng">
+            <a:endParaRPr lang="en-US" sz="1400" b="1" i="1" u="sng" dirty="0">
               <a:latin typeface="Cambria"/>
               <a:ea typeface="Cambria"/>
             </a:endParaRPr>
@@ -8902,7 +9140,7 @@
             <a:pPr marL="0" indent="0">
               <a:buNone/>
             </a:pPr>
-            <a:endParaRPr lang="en-US" sz="1400" b="1" i="1" u="sng">
+            <a:endParaRPr lang="en-US" sz="1400" b="1" i="1" u="sng" dirty="0">
               <a:latin typeface="Cambria"/>
               <a:ea typeface="Cambria"/>
             </a:endParaRPr>
@@ -8911,7 +9149,7 @@
             <a:pPr marL="0" indent="0">
               <a:buNone/>
             </a:pPr>
-            <a:endParaRPr lang="en-US" sz="1200">
+            <a:endParaRPr lang="en-US" sz="1200" dirty="0">
               <a:latin typeface="Cambria"/>
               <a:ea typeface="Cambria"/>
             </a:endParaRPr>
@@ -10148,54 +10386,475 @@
             <p:ph idx="1"/>
           </p:nvPr>
         </p:nvSpPr>
-        <p:spPr/>
+        <p:spPr>
+          <a:xfrm>
+            <a:off x="838200" y="1825625"/>
+            <a:ext cx="11042414" cy="4351338"/>
+          </a:xfrm>
+        </p:spPr>
         <p:txBody>
           <a:bodyPr vert="horz" lIns="91440" tIns="45720" rIns="91440" bIns="45720" rtlCol="0" anchor="t">
-            <a:normAutofit/>
+            <a:normAutofit fontScale="25000" lnSpcReduction="20000"/>
           </a:bodyPr>
           <a:lstStyle/>
           <a:p>
-            <a:r>
-              <a:rPr lang="en-US"/>
-              <a:t>DATA RETREIVAL </a:t>
-            </a:r>
-          </a:p>
-          <a:p>
-            <a:r>
-              <a:rPr lang="en-US"/>
-              <a:t>FILTERING </a:t>
-            </a:r>
-          </a:p>
-          <a:p>
-            <a:r>
-              <a:rPr lang="en-US"/>
-              <a:t>CLEANING </a:t>
-            </a:r>
-          </a:p>
-          <a:p>
-            <a:r>
-              <a:rPr lang="en-US"/>
-              <a:t>MERGING </a:t>
-            </a:r>
-          </a:p>
-          <a:p>
-            <a:r>
-              <a:rPr lang="en-US"/>
-              <a:t>QUALITY ASSURANCE</a:t>
-            </a:r>
-          </a:p>
-          <a:p>
-            <a:endParaRPr lang="en-US"/>
-          </a:p>
-          <a:p>
-            <a:r>
-              <a:rPr lang="en-US">
+            <a:pPr>
+              <a:buNone/>
+            </a:pPr>
+            <a:r>
+              <a:rPr lang="en-US" sz="1800" b="1">
                 <a:ea typeface="+mn-lt"/>
                 <a:cs typeface="+mn-lt"/>
               </a:rPr>
-              <a:t>* link notebook</a:t>
+              <a:t>Data Retrieval &amp; Filtering</a:t>
             </a:r>
             <a:endParaRPr lang="en-US"/>
+          </a:p>
+          <a:p>
+            <a:pPr>
+              <a:buNone/>
+            </a:pPr>
+            <a:r>
+              <a:rPr lang="en-US" sz="1800" dirty="0">
+                <a:ea typeface="+mn-lt"/>
+                <a:cs typeface="+mn-lt"/>
+              </a:rPr>
+              <a:t>The goal of the associated notebook was to combine draft history variables with college statistics for each active player with an identified contract value who was drafted from a college/university. A pre-aggregated dataset was used as the primary source for players. To minimize the number of requests to the Sports Reference server, data needed to be retrieved in a particular sequence:</a:t>
+            </a:r>
+            <a:endParaRPr lang="en-US" dirty="0"/>
+          </a:p>
+          <a:p>
+            <a:pPr>
+              <a:buNone/>
+            </a:pPr>
+            <a:r>
+              <a:rPr lang="en-US" sz="1800" dirty="0">
+                <a:ea typeface="+mn-lt"/>
+                <a:cs typeface="+mn-lt"/>
+              </a:rPr>
+              <a:t>1.Extract team IDs from NBA API</a:t>
+            </a:r>
+            <a:endParaRPr lang="en-US" dirty="0"/>
+          </a:p>
+          <a:p>
+            <a:pPr>
+              <a:buNone/>
+            </a:pPr>
+            <a:r>
+              <a:rPr lang="en-US" sz="1800" dirty="0">
+                <a:ea typeface="+mn-lt"/>
+                <a:cs typeface="+mn-lt"/>
+              </a:rPr>
+              <a:t>2.Using team IDs, extract draft history for each NBA team and combine into one </a:t>
+            </a:r>
+            <a:r>
+              <a:rPr lang="en-US" sz="1800" dirty="0" err="1">
+                <a:ea typeface="+mn-lt"/>
+                <a:cs typeface="+mn-lt"/>
+              </a:rPr>
+              <a:t>df</a:t>
+            </a:r>
+            <a:endParaRPr lang="en-US" dirty="0" err="1"/>
+          </a:p>
+          <a:p>
+            <a:pPr>
+              <a:buNone/>
+            </a:pPr>
+            <a:r>
+              <a:rPr lang="en-US" sz="1800" dirty="0">
+                <a:ea typeface="+mn-lt"/>
+                <a:cs typeface="+mn-lt"/>
+              </a:rPr>
+              <a:t>3.Keep only players in source list </a:t>
+            </a:r>
+            <a:endParaRPr lang="en-US">
+              <a:ea typeface="+mn-lt"/>
+              <a:cs typeface="+mn-lt"/>
+            </a:endParaRPr>
+          </a:p>
+          <a:p>
+            <a:pPr>
+              <a:buNone/>
+            </a:pPr>
+            <a:r>
+              <a:rPr lang="en-US" sz="1800" dirty="0">
+                <a:ea typeface="+mn-lt"/>
+                <a:cs typeface="+mn-lt"/>
+              </a:rPr>
+              <a:t>4.The Draft History Endpoint imports all draft picks for each NBA team. Filter draft history to include only players who were drafted from a college/university. </a:t>
+            </a:r>
+            <a:endParaRPr lang="en-US"/>
+          </a:p>
+          <a:p>
+            <a:pPr>
+              <a:buNone/>
+            </a:pPr>
+            <a:r>
+              <a:rPr lang="en-US" sz="1800" dirty="0">
+                <a:ea typeface="+mn-lt"/>
+                <a:cs typeface="+mn-lt"/>
+              </a:rPr>
+              <a:t>5.Modify name values to match Sports Reference HTML links:</a:t>
+            </a:r>
+            <a:endParaRPr lang="en-US" dirty="0"/>
+          </a:p>
+          <a:p>
+            <a:pPr>
+              <a:buNone/>
+            </a:pPr>
+            <a:r>
+              <a:rPr lang="en-US" sz="1200" dirty="0">
+                <a:latin typeface="Arial"/>
+                <a:cs typeface="Arial"/>
+              </a:rPr>
+              <a:t>•</a:t>
+            </a:r>
+            <a:r>
+              <a:rPr lang="en-US" sz="1200" dirty="0">
+                <a:ea typeface="+mn-lt"/>
+                <a:cs typeface="+mn-lt"/>
+              </a:rPr>
+              <a:t>Remove spaces between last name and suffix</a:t>
+            </a:r>
+            <a:endParaRPr lang="en-US" dirty="0"/>
+          </a:p>
+          <a:p>
+            <a:pPr>
+              <a:buNone/>
+            </a:pPr>
+            <a:r>
+              <a:rPr lang="en-US" sz="1200" dirty="0">
+                <a:latin typeface="Arial"/>
+                <a:cs typeface="Arial"/>
+              </a:rPr>
+              <a:t>•</a:t>
+            </a:r>
+            <a:r>
+              <a:rPr lang="en-US" sz="1200" dirty="0">
+                <a:ea typeface="+mn-lt"/>
+                <a:cs typeface="+mn-lt"/>
+              </a:rPr>
+              <a:t>Remove apostrophes</a:t>
+            </a:r>
+            <a:endParaRPr lang="en-US" dirty="0"/>
+          </a:p>
+          <a:p>
+            <a:pPr>
+              <a:buNone/>
+            </a:pPr>
+            <a:r>
+              <a:rPr lang="en-US" sz="1200" dirty="0">
+                <a:latin typeface="Arial"/>
+                <a:cs typeface="Arial"/>
+              </a:rPr>
+              <a:t>•</a:t>
+            </a:r>
+            <a:r>
+              <a:rPr lang="en-US" sz="1200" dirty="0">
+                <a:ea typeface="+mn-lt"/>
+                <a:cs typeface="+mn-lt"/>
+              </a:rPr>
+              <a:t>Manual replacement of name values that don’t follow typical naming format</a:t>
+            </a:r>
+            <a:endParaRPr lang="en-US" dirty="0"/>
+          </a:p>
+          <a:p>
+            <a:pPr>
+              <a:buNone/>
+            </a:pPr>
+            <a:r>
+              <a:rPr lang="en-US" sz="1800" dirty="0">
+                <a:ea typeface="+mn-lt"/>
+                <a:cs typeface="+mn-lt"/>
+              </a:rPr>
+              <a:t>6.Remove players without college record (attended but did not play or drafted from international college)</a:t>
+            </a:r>
+            <a:endParaRPr lang="en-US" dirty="0"/>
+          </a:p>
+          <a:p>
+            <a:pPr>
+              <a:buNone/>
+            </a:pPr>
+            <a:r>
+              <a:rPr lang="en-US" sz="1800" dirty="0">
+                <a:ea typeface="+mn-lt"/>
+                <a:cs typeface="+mn-lt"/>
+              </a:rPr>
+              <a:t>7.Scrape player profiles from Sports Reference </a:t>
+            </a:r>
+            <a:endParaRPr lang="en-US"/>
+          </a:p>
+          <a:p>
+            <a:pPr>
+              <a:buNone/>
+            </a:pPr>
+            <a:r>
+              <a:rPr lang="en-US" sz="1800" dirty="0">
+                <a:ea typeface="+mn-lt"/>
+                <a:cs typeface="+mn-lt"/>
+              </a:rPr>
+              <a:t>Once the name values were consistent with HTMLs, we extracted the entire player profile from Sports Reference for each player:</a:t>
+            </a:r>
+            <a:endParaRPr lang="en-US" dirty="0"/>
+          </a:p>
+          <a:p>
+            <a:pPr>
+              <a:buNone/>
+            </a:pPr>
+            <a:r>
+              <a:rPr lang="en-US" sz="1800" dirty="0">
+                <a:latin typeface="Arial"/>
+                <a:cs typeface="Arial"/>
+              </a:rPr>
+              <a:t>•</a:t>
+            </a:r>
+            <a:r>
+              <a:rPr lang="en-US" sz="1800" dirty="0">
+                <a:ea typeface="+mn-lt"/>
+                <a:cs typeface="+mn-lt"/>
+              </a:rPr>
+              <a:t>For each player, pull HTML file and store locally (to avoid re-sending requests) </a:t>
+            </a:r>
+            <a:endParaRPr lang="en-US"/>
+          </a:p>
+          <a:p>
+            <a:pPr>
+              <a:buNone/>
+            </a:pPr>
+            <a:r>
+              <a:rPr lang="en-US" sz="1800" dirty="0">
+                <a:latin typeface="Arial"/>
+                <a:cs typeface="Arial"/>
+              </a:rPr>
+              <a:t>•</a:t>
+            </a:r>
+            <a:r>
+              <a:rPr lang="en-US" sz="1800" dirty="0">
+                <a:ea typeface="+mn-lt"/>
+                <a:cs typeface="+mn-lt"/>
+              </a:rPr>
+              <a:t>Open each HTML file, parse and extract the “Players Totals” table into a </a:t>
+            </a:r>
+            <a:r>
+              <a:rPr lang="en-US" sz="1800" dirty="0" err="1">
+                <a:ea typeface="+mn-lt"/>
+                <a:cs typeface="+mn-lt"/>
+              </a:rPr>
+              <a:t>df</a:t>
+            </a:r>
+            <a:r>
+              <a:rPr lang="en-US" sz="1800" dirty="0">
+                <a:ea typeface="+mn-lt"/>
+                <a:cs typeface="+mn-lt"/>
+              </a:rPr>
+              <a:t> for each player</a:t>
+            </a:r>
+            <a:endParaRPr lang="en-US" dirty="0"/>
+          </a:p>
+          <a:p>
+            <a:pPr>
+              <a:buNone/>
+            </a:pPr>
+            <a:r>
+              <a:rPr lang="en-US" sz="1800" dirty="0">
+                <a:latin typeface="Arial"/>
+                <a:cs typeface="Arial"/>
+              </a:rPr>
+              <a:t>•</a:t>
+            </a:r>
+            <a:r>
+              <a:rPr lang="en-US" sz="1800" dirty="0">
+                <a:ea typeface="+mn-lt"/>
+                <a:cs typeface="+mn-lt"/>
+              </a:rPr>
+              <a:t>Concatenate all player </a:t>
+            </a:r>
+            <a:r>
+              <a:rPr lang="en-US" sz="1800" dirty="0" err="1">
+                <a:ea typeface="+mn-lt"/>
+                <a:cs typeface="+mn-lt"/>
+              </a:rPr>
+              <a:t>dfs</a:t>
+            </a:r>
+            <a:r>
+              <a:rPr lang="en-US" sz="1800" dirty="0">
+                <a:ea typeface="+mn-lt"/>
+                <a:cs typeface="+mn-lt"/>
+              </a:rPr>
+              <a:t> together</a:t>
+            </a:r>
+            <a:endParaRPr lang="en-US" dirty="0"/>
+          </a:p>
+          <a:p>
+            <a:pPr>
+              <a:buNone/>
+            </a:pPr>
+            <a:r>
+              <a:rPr lang="en-US" sz="1800" b="1">
+                <a:ea typeface="+mn-lt"/>
+                <a:cs typeface="+mn-lt"/>
+              </a:rPr>
+              <a:t>Data Cleaning &amp; Processing</a:t>
+            </a:r>
+            <a:endParaRPr lang="en-US"/>
+          </a:p>
+          <a:p>
+            <a:pPr>
+              <a:buNone/>
+            </a:pPr>
+            <a:r>
+              <a:rPr lang="en-US" sz="1800" dirty="0">
+                <a:ea typeface="+mn-lt"/>
+                <a:cs typeface="+mn-lt"/>
+              </a:rPr>
+              <a:t>The Players Total table contains a row for each college season and a totals row (to represent total stat values across all seasons). The provided totals row is dropped for the dataset. To mimic the aggregation of NBA stats, the season totals were summed by player – each player represented by exactly one row. Additionally, we engineered two additional variables from college stats:</a:t>
+            </a:r>
+            <a:endParaRPr lang="en-US" dirty="0"/>
+          </a:p>
+          <a:p>
+            <a:pPr>
+              <a:buNone/>
+            </a:pPr>
+            <a:r>
+              <a:rPr lang="en-US" sz="1800" dirty="0">
+                <a:latin typeface="Arial"/>
+                <a:cs typeface="Arial"/>
+              </a:rPr>
+              <a:t>•</a:t>
+            </a:r>
+            <a:r>
+              <a:rPr lang="en-US" sz="1800" dirty="0">
+                <a:ea typeface="+mn-lt"/>
+                <a:cs typeface="+mn-lt"/>
+              </a:rPr>
+              <a:t>“Season Count”: Count of college seasons </a:t>
+            </a:r>
+            <a:endParaRPr lang="en-US" dirty="0"/>
+          </a:p>
+          <a:p>
+            <a:pPr>
+              <a:buNone/>
+            </a:pPr>
+            <a:r>
+              <a:rPr lang="en-US" sz="1800" dirty="0">
+                <a:latin typeface="Arial"/>
+                <a:cs typeface="Arial"/>
+              </a:rPr>
+              <a:t>•</a:t>
+            </a:r>
+            <a:r>
+              <a:rPr lang="en-US" sz="1800" dirty="0">
+                <a:ea typeface="+mn-lt"/>
+                <a:cs typeface="+mn-lt"/>
+              </a:rPr>
+              <a:t>“Team Count”: Count of unique college teams</a:t>
+            </a:r>
+            <a:endParaRPr lang="en-US" dirty="0"/>
+          </a:p>
+          <a:p>
+            <a:pPr>
+              <a:buNone/>
+            </a:pPr>
+            <a:r>
+              <a:rPr lang="en-US" sz="1800" b="1" dirty="0">
+                <a:ea typeface="+mn-lt"/>
+                <a:cs typeface="+mn-lt"/>
+              </a:rPr>
+              <a:t>Merging Data</a:t>
+            </a:r>
+            <a:endParaRPr lang="en-US" dirty="0"/>
+          </a:p>
+          <a:p>
+            <a:pPr>
+              <a:buNone/>
+            </a:pPr>
+            <a:r>
+              <a:rPr lang="en-US" sz="1800">
+                <a:ea typeface="+mn-lt"/>
+                <a:cs typeface="+mn-lt"/>
+              </a:rPr>
+              <a:t>Finally, the college stats df was joined with draft history variables and contract values on player name.</a:t>
+            </a:r>
+            <a:endParaRPr lang="en-US"/>
+          </a:p>
+          <a:p>
+            <a:pPr>
+              <a:buNone/>
+            </a:pPr>
+            <a:r>
+              <a:rPr lang="en-US" sz="1800" b="1">
+                <a:ea typeface="+mn-lt"/>
+                <a:cs typeface="+mn-lt"/>
+              </a:rPr>
+              <a:t>Barriers to Data Manipulation</a:t>
+            </a:r>
+            <a:endParaRPr lang="en-US"/>
+          </a:p>
+          <a:p>
+            <a:pPr>
+              <a:buNone/>
+            </a:pPr>
+            <a:r>
+              <a:rPr lang="en-US" sz="1800">
+                <a:latin typeface="Arial"/>
+                <a:cs typeface="Arial"/>
+              </a:rPr>
+              <a:t>•</a:t>
+            </a:r>
+            <a:r>
+              <a:rPr lang="en-US" sz="1800">
+                <a:ea typeface="+mn-lt"/>
+                <a:cs typeface="+mn-lt"/>
+              </a:rPr>
+              <a:t>The unique identifiers across dfs are not consistent (NBA API data contain unique player IDs while Sport Reference data are limited to players’ names.</a:t>
+            </a:r>
+            <a:endParaRPr lang="en-US"/>
+          </a:p>
+          <a:p>
+            <a:pPr>
+              <a:buNone/>
+            </a:pPr>
+            <a:r>
+              <a:rPr lang="en-US" sz="1800">
+                <a:latin typeface="Arial"/>
+                <a:cs typeface="Arial"/>
+              </a:rPr>
+              <a:t>•</a:t>
+            </a:r>
+            <a:r>
+              <a:rPr lang="en-US" sz="1800">
+                <a:ea typeface="+mn-lt"/>
+                <a:cs typeface="+mn-lt"/>
+              </a:rPr>
+              <a:t>Checking player name values against HTMLs was initially a very manual process – each time a request would fail, we would have to search the players name on the website and replace the value accordingly. Then we needed to re-run the request using the correct name value and manually delete the invalid HTML file. </a:t>
+            </a:r>
+            <a:endParaRPr lang="en-US"/>
+          </a:p>
+          <a:p>
+            <a:pPr>
+              <a:buNone/>
+            </a:pPr>
+            <a:r>
+              <a:rPr lang="en-US" sz="1800">
+                <a:latin typeface="Arial"/>
+                <a:cs typeface="Arial"/>
+              </a:rPr>
+              <a:t>•</a:t>
+            </a:r>
+            <a:r>
+              <a:rPr lang="en-US" sz="1800">
+                <a:ea typeface="+mn-lt"/>
+                <a:cs typeface="+mn-lt"/>
+              </a:rPr>
+              <a:t>Even with proper HTMLs, the requests to the website server were extremely time-consuming – with execution times between 20 – 30 minutes per 15 players.</a:t>
+            </a:r>
+            <a:endParaRPr lang="en-US"/>
+          </a:p>
+          <a:p>
+            <a:pPr marL="0" indent="0">
+              <a:buNone/>
+            </a:pPr>
+            <a:endParaRPr lang="en-US" dirty="0"/>
           </a:p>
         </p:txBody>
       </p:sp>
@@ -10415,12 +11074,12 @@
         </p:nvSpPr>
         <p:spPr>
           <a:xfrm>
-            <a:off x="299357" y="1301478"/>
-            <a:ext cx="11517086" cy="5060324"/>
+            <a:off x="250185" y="1301478"/>
+            <a:ext cx="11608260" cy="5060324"/>
           </a:xfrm>
         </p:spPr>
         <p:txBody>
-          <a:bodyPr vert="horz" lIns="91440" tIns="45720" rIns="91440" bIns="45720" numCol="3" spcCol="457200" rtlCol="0" anchor="t">
+          <a:bodyPr vert="horz" lIns="91440" tIns="45720" rIns="91440" bIns="45720" numCol="2" spcCol="0" rtlCol="0" anchor="t">
             <a:normAutofit/>
           </a:bodyPr>
           <a:lstStyle/>
@@ -10428,7 +11087,7 @@
             <a:pPr marL="0" indent="0">
               <a:buNone/>
             </a:pPr>
-            <a:endParaRPr lang="en-US" sz="1400" b="1" i="1" u="sng">
+            <a:endParaRPr lang="en-US" sz="1400" b="1" i="1" u="sng" dirty="0">
               <a:latin typeface="Cambria"/>
               <a:ea typeface="Cambria"/>
             </a:endParaRPr>
@@ -10437,7 +11096,7 @@
             <a:pPr marL="0" indent="0">
               <a:buNone/>
             </a:pPr>
-            <a:endParaRPr lang="en-US" sz="1400" b="1" i="1" u="sng">
+            <a:endParaRPr lang="en-US" sz="1400" b="1" i="1" u="sng" dirty="0">
               <a:latin typeface="Cambria"/>
               <a:ea typeface="Cambria"/>
             </a:endParaRPr>
@@ -10446,7 +11105,7 @@
             <a:pPr marL="0" indent="0">
               <a:buNone/>
             </a:pPr>
-            <a:endParaRPr lang="en-US" sz="1400" b="1" i="1" u="sng">
+            <a:endParaRPr lang="en-US" sz="1400" b="1" i="1" u="sng" dirty="0">
               <a:latin typeface="Cambria"/>
               <a:ea typeface="Cambria"/>
             </a:endParaRPr>
@@ -10455,7 +11114,7 @@
             <a:pPr marL="0" indent="0">
               <a:buNone/>
             </a:pPr>
-            <a:endParaRPr lang="en-US" sz="1400" b="1" i="1" u="sng">
+            <a:endParaRPr lang="en-US" sz="1400" b="1" i="1" u="sng" dirty="0">
               <a:latin typeface="Cambria"/>
               <a:ea typeface="Cambria"/>
             </a:endParaRPr>
@@ -10464,7 +11123,7 @@
             <a:pPr marL="0" indent="0">
               <a:buNone/>
             </a:pPr>
-            <a:endParaRPr lang="en-US" sz="1400" b="1" i="1" u="sng">
+            <a:endParaRPr lang="en-US" sz="1400" b="1" i="1" u="sng" dirty="0">
               <a:latin typeface="Cambria"/>
               <a:ea typeface="Cambria"/>
             </a:endParaRPr>
@@ -10473,7 +11132,7 @@
             <a:pPr marL="0" indent="0">
               <a:buNone/>
             </a:pPr>
-            <a:endParaRPr lang="en-US" sz="1400" b="1" i="1" u="sng">
+            <a:endParaRPr lang="en-US" sz="1400" b="1" i="1" u="sng" dirty="0">
               <a:latin typeface="Cambria"/>
               <a:ea typeface="Cambria"/>
             </a:endParaRPr>
@@ -10482,7 +11141,7 @@
             <a:pPr marL="0" indent="0">
               <a:buNone/>
             </a:pPr>
-            <a:endParaRPr lang="en-US" sz="1400" b="1" i="1" u="sng">
+            <a:endParaRPr lang="en-US" sz="1400" b="1" i="1" u="sng" dirty="0">
               <a:latin typeface="Cambria"/>
               <a:ea typeface="Cambria"/>
             </a:endParaRPr>
@@ -10491,7 +11150,7 @@
             <a:pPr marL="0" indent="0">
               <a:buNone/>
             </a:pPr>
-            <a:endParaRPr lang="en-US" sz="1400" b="1" i="1" u="sng">
+            <a:endParaRPr lang="en-US" sz="1400" b="1" i="1" u="sng" dirty="0">
               <a:latin typeface="Cambria"/>
               <a:ea typeface="Cambria"/>
             </a:endParaRPr>
@@ -10500,7 +11159,7 @@
             <a:pPr marL="0" indent="0">
               <a:buNone/>
             </a:pPr>
-            <a:endParaRPr lang="en-US" sz="1400" b="1" i="1" u="sng">
+            <a:endParaRPr lang="en-US" sz="1400" b="1" i="1" u="sng" dirty="0">
               <a:latin typeface="Cambria"/>
               <a:ea typeface="Cambria"/>
             </a:endParaRPr>
@@ -10509,7 +11168,7 @@
             <a:pPr marL="0" indent="0">
               <a:buNone/>
             </a:pPr>
-            <a:endParaRPr lang="en-US" sz="1400" b="1" i="1" u="sng">
+            <a:endParaRPr lang="en-US" sz="1400" b="1" i="1" u="sng" dirty="0">
               <a:latin typeface="Cambria"/>
               <a:ea typeface="Cambria"/>
             </a:endParaRPr>
@@ -10518,7 +11177,7 @@
             <a:pPr marL="0" indent="0">
               <a:buNone/>
             </a:pPr>
-            <a:endParaRPr lang="en-US" sz="1400" b="1" i="1" u="sng">
+            <a:endParaRPr lang="en-US" sz="1400" b="1" i="1" u="sng" dirty="0">
               <a:latin typeface="Cambria"/>
               <a:ea typeface="Cambria"/>
             </a:endParaRPr>
@@ -10527,7 +11186,7 @@
             <a:pPr marL="0" indent="0">
               <a:buNone/>
             </a:pPr>
-            <a:endParaRPr lang="en-US" sz="1400" b="1" i="1" u="sng">
+            <a:endParaRPr lang="en-US" sz="1400" b="1" i="1" u="sng" dirty="0">
               <a:latin typeface="Cambria"/>
               <a:ea typeface="Cambria"/>
             </a:endParaRPr>
@@ -10536,7 +11195,7 @@
             <a:pPr marL="0" indent="0">
               <a:buNone/>
             </a:pPr>
-            <a:endParaRPr lang="en-US" sz="1400" b="1" i="1" u="sng">
+            <a:endParaRPr lang="en-US" sz="1400" b="1" i="1" u="sng" dirty="0">
               <a:latin typeface="Cambria"/>
               <a:ea typeface="Cambria"/>
             </a:endParaRPr>
@@ -10545,7 +11204,7 @@
             <a:pPr marL="0" indent="0">
               <a:buNone/>
             </a:pPr>
-            <a:endParaRPr lang="en-US" sz="1400" b="1" i="1" u="sng">
+            <a:endParaRPr lang="en-US" sz="1400" b="1" i="1" u="sng" dirty="0">
               <a:latin typeface="Cambria"/>
               <a:ea typeface="Cambria"/>
             </a:endParaRPr>
@@ -10554,7 +11213,7 @@
             <a:pPr marL="0" indent="0">
               <a:buNone/>
             </a:pPr>
-            <a:endParaRPr lang="en-US" sz="1400" b="1" i="1" u="sng">
+            <a:endParaRPr lang="en-US" sz="1400" b="1" i="1" u="sng" dirty="0">
               <a:latin typeface="Cambria"/>
               <a:ea typeface="Cambria"/>
             </a:endParaRPr>
@@ -10564,7 +11223,7 @@
               <a:buNone/>
             </a:pPr>
             <a:r>
-              <a:rPr lang="en-US" sz="1400" b="1" i="1" u="sng">
+              <a:rPr lang="en-US" sz="1400" b="1" i="1" u="sng" dirty="0">
                 <a:latin typeface="Cambria"/>
                 <a:ea typeface="Cambria"/>
               </a:rPr>
@@ -10573,25 +11232,57 @@
           </a:p>
           <a:p>
             <a:r>
-              <a:rPr lang="en-US" sz="1200">
+              <a:rPr lang="en-US" sz="1200" dirty="0">
                 <a:latin typeface="Cambria"/>
                 <a:ea typeface="Cambria"/>
               </a:rPr>
-              <a:t>The NBA regular season consists of 82 games, and the dataset contains metrics from the last five years, not including 2024, so the maximum number of games one can play is 410. The median games played across the 419 players in our dataset is just 206 games or 2.5 seasons. Players who can stay healthy </a:t>
-            </a:r>
-            <a:r>
-              <a:rPr lang="en-US" sz="1200" i="1" u="sng">
+              <a:t>A moderately strong positive correlation exists between turnovers and a player's contract value. However, this case of correlation </a:t>
+            </a:r>
+            <a:r>
+              <a:rPr lang="en-US" sz="1200" b="1" i="1" dirty="0">
                 <a:latin typeface="Cambria"/>
                 <a:ea typeface="Cambria"/>
               </a:rPr>
-              <a:t>could</a:t>
-            </a:r>
-            <a:r>
-              <a:rPr lang="en-US" sz="1200">
+              <a:t>does not </a:t>
+            </a:r>
+            <a:r>
+              <a:rPr lang="en-US" sz="1200" dirty="0">
                 <a:latin typeface="Cambria"/>
                 <a:ea typeface="Cambria"/>
               </a:rPr>
-              <a:t> increase their value because they are available to play.</a:t>
+              <a:t>equal causation because turnovers hurt the game. When a player turns the ball over, his team loses an opportunity to score points. In the context of this dataset, players with higher contract values also have higher turnover rates because they usually have the ball more. It is </a:t>
+            </a:r>
+            <a:r>
+              <a:rPr lang="en-US" sz="1200" b="1" i="1" dirty="0">
+                <a:latin typeface="Cambria"/>
+                <a:ea typeface="Cambria"/>
+              </a:rPr>
+              <a:t>not</a:t>
+            </a:r>
+            <a:r>
+              <a:rPr lang="en-US" sz="1200" dirty="0">
+                <a:latin typeface="Cambria"/>
+                <a:ea typeface="Cambria"/>
+              </a:rPr>
+              <a:t> recommended that players increase their turnover rates.</a:t>
+            </a:r>
+          </a:p>
+          <a:p>
+            <a:r>
+              <a:rPr lang="en-US" sz="1200" dirty="0">
+                <a:latin typeface="Cambria"/>
+                <a:ea typeface="Cambria"/>
+              </a:rPr>
+              <a:t>The NBA regular season consists of 82 games, and the dataset contains metrics from the last five years, not including 2024, so the maximum number of games one can play is 410. The median games played across the 419 players in our dataset is just 206 games or 2.5 seasons. Players making more than $10 million per year tend to play more than 250 games over a 5-year period.</a:t>
+            </a:r>
+          </a:p>
+          <a:p>
+            <a:r>
+              <a:rPr lang="en-US" sz="1200" dirty="0">
+                <a:latin typeface="Cambria"/>
+                <a:ea typeface="Cambria"/>
+              </a:rPr>
+              <a:t>Steals per game have a weak positive correlation to contract values. Steals are obtained when a player assumes a defensive position and prevents the opposing player from scoring by taking the ball without fouling. Since this metric is associated with preventing the other team from scoring, it is surprising that players who steal the ball more do not have higher contract values.</a:t>
             </a:r>
           </a:p>
           <a:p>
@@ -10599,7 +11290,7 @@
               <a:buNone/>
             </a:pPr>
             <a:r>
-              <a:rPr lang="en-US" sz="1400" b="1" i="1" u="sng">
+              <a:rPr lang="en-US" sz="1400" b="1" i="1" u="sng" dirty="0">
                 <a:latin typeface="Cambria" panose="02040503050406030204" pitchFamily="18" charset="0"/>
                 <a:ea typeface="Cambria" panose="02040503050406030204" pitchFamily="18" charset="0"/>
               </a:rPr>
@@ -10607,12 +11298,15 @@
             </a:r>
           </a:p>
           <a:p>
-            <a:r>
-              <a:rPr lang="en-US" sz="1200">
+            <a:pPr marL="0" indent="0">
+              <a:buNone/>
+            </a:pPr>
+            <a:r>
+              <a:rPr lang="en-US" sz="1200" dirty="0">
                 <a:latin typeface="Cambria" panose="02040503050406030204" pitchFamily="18" charset="0"/>
                 <a:ea typeface="Cambria" panose="02040503050406030204" pitchFamily="18" charset="0"/>
               </a:rPr>
-              <a:t>Placeholder text</a:t>
+              <a:t>In similar studies, additional metrics such as age, position, and years of experience are used to conduct the analysis. Unfortunately, I needed to timebox the time I spent looking for data sources and did not find one with the above stats. Additionally, I could not experiment with different regression algorithms for similar timebox constraints. Given more time, I would assess advanced NBA metrics and try different regression algorithms.</a:t>
             </a:r>
           </a:p>
         </p:txBody>
@@ -10874,6 +11568,136 @@
           </a:fontRef>
         </p:style>
       </p:cxnSp>
+      <p:sp>
+        <p:nvSpPr>
+          <p:cNvPr id="15" name="TextBox 14">
+            <a:extLst>
+              <a:ext uri="{FF2B5EF4-FFF2-40B4-BE49-F238E27FC236}">
+                <a16:creationId xmlns:a16="http://schemas.microsoft.com/office/drawing/2014/main" id="{7A4FA1E1-C9C7-F4CA-D1FD-220326BE1C90}"/>
+              </a:ext>
+            </a:extLst>
+          </p:cNvPr>
+          <p:cNvSpPr txBox="1"/>
+          <p:nvPr/>
+        </p:nvSpPr>
+        <p:spPr>
+          <a:xfrm>
+            <a:off x="1685026" y="4464529"/>
+            <a:ext cx="1382751" cy="276999"/>
+          </a:xfrm>
+          <a:prstGeom prst="rect">
+            <a:avLst/>
+          </a:prstGeom>
+          <a:noFill/>
+        </p:spPr>
+        <p:txBody>
+          <a:bodyPr wrap="none" rtlCol="0">
+            <a:spAutoFit/>
+          </a:bodyPr>
+          <a:lstStyle/>
+          <a:p>
+            <a:r>
+              <a:rPr lang="en-US" sz="1200" dirty="0">
+                <a:latin typeface="Cambria" panose="02040503050406030204" pitchFamily="18" charset="0"/>
+                <a:ea typeface="Cambria" panose="02040503050406030204" pitchFamily="18" charset="0"/>
+              </a:rPr>
+              <a:t>Pearson’s R = 0.71</a:t>
+            </a:r>
+          </a:p>
+        </p:txBody>
+      </p:sp>
+      <p:pic>
+        <p:nvPicPr>
+          <p:cNvPr id="17" name="Picture 16" descr="A graph of distribution of numbers">
+            <a:extLst>
+              <a:ext uri="{FF2B5EF4-FFF2-40B4-BE49-F238E27FC236}">
+                <a16:creationId xmlns:a16="http://schemas.microsoft.com/office/drawing/2014/main" id="{C4883D33-1B83-35C4-321C-39EF3616CCFF}"/>
+              </a:ext>
+            </a:extLst>
+          </p:cNvPr>
+          <p:cNvPicPr>
+            <a:picLocks noChangeAspect="1"/>
+          </p:cNvPicPr>
+          <p:nvPr/>
+        </p:nvPicPr>
+        <p:blipFill rotWithShape="1">
+          <a:blip r:embed="rId2">
+            <a:extLst>
+              <a:ext uri="{28A0092B-C50C-407E-A947-70E740481C1C}">
+                <a14:useLocalDpi xmlns:a14="http://schemas.microsoft.com/office/drawing/2010/main" val="0"/>
+              </a:ext>
+            </a:extLst>
+          </a:blip>
+          <a:srcRect l="2769" t="8150" r="2319" b="8830"/>
+          <a:stretch/>
+        </p:blipFill>
+        <p:spPr>
+          <a:xfrm>
+            <a:off x="250185" y="1301478"/>
+            <a:ext cx="4520242" cy="3163051"/>
+          </a:xfrm>
+          <a:prstGeom prst="rect">
+            <a:avLst/>
+          </a:prstGeom>
+          <a:ln>
+            <a:noFill/>
+          </a:ln>
+        </p:spPr>
+      </p:pic>
+      <p:sp>
+        <p:nvSpPr>
+          <p:cNvPr id="18" name="Rectangle 17">
+            <a:extLst>
+              <a:ext uri="{FF2B5EF4-FFF2-40B4-BE49-F238E27FC236}">
+                <a16:creationId xmlns:a16="http://schemas.microsoft.com/office/drawing/2014/main" id="{9ED194B4-5062-431E-4C33-D86F3652064E}"/>
+              </a:ext>
+            </a:extLst>
+          </p:cNvPr>
+          <p:cNvSpPr/>
+          <p:nvPr/>
+        </p:nvSpPr>
+        <p:spPr>
+          <a:xfrm>
+            <a:off x="250185" y="1301478"/>
+            <a:ext cx="4520242" cy="3440044"/>
+          </a:xfrm>
+          <a:prstGeom prst="rect">
+            <a:avLst/>
+          </a:prstGeom>
+          <a:noFill/>
+          <a:ln>
+            <a:solidFill>
+              <a:srgbClr val="156082">
+                <a:alpha val="74902"/>
+              </a:srgbClr>
+            </a:solidFill>
+          </a:ln>
+        </p:spPr>
+        <p:style>
+          <a:lnRef idx="2">
+            <a:schemeClr val="accent1">
+              <a:shade val="15000"/>
+            </a:schemeClr>
+          </a:lnRef>
+          <a:fillRef idx="1">
+            <a:schemeClr val="accent1"/>
+          </a:fillRef>
+          <a:effectRef idx="0">
+            <a:schemeClr val="accent1"/>
+          </a:effectRef>
+          <a:fontRef idx="minor">
+            <a:schemeClr val="lt1"/>
+          </a:fontRef>
+        </p:style>
+        <p:txBody>
+          <a:bodyPr rtlCol="0" anchor="ctr"/>
+          <a:lstStyle/>
+          <a:p>
+            <a:pPr algn="ctr"/>
+            <a:endParaRPr lang="en-US"/>
+          </a:p>
+        </p:txBody>
+      </p:sp>
     </p:spTree>
     <p:extLst>
       <p:ext uri="{BB962C8B-B14F-4D97-AF65-F5344CB8AC3E}">
@@ -10890,9 +11714,23 @@
 <file path=ppt/slides/slide7.xml><?xml version="1.0" encoding="utf-8"?>
 <p:sld xmlns:a="http://schemas.openxmlformats.org/drawingml/2006/main" xmlns:r="http://schemas.openxmlformats.org/officeDocument/2006/relationships" xmlns:p="http://schemas.openxmlformats.org/presentationml/2006/main">
   <p:cSld>
+    <p:bg>
+      <p:bgPr>
+        <a:solidFill>
+          <a:schemeClr val="bg1"/>
+        </a:solidFill>
+        <a:effectLst/>
+      </p:bgPr>
+    </p:bg>
     <p:spTree>
       <p:nvGrpSpPr>
-        <p:cNvPr id="1" name=""/>
+        <p:cNvPr id="1" name="">
+          <a:extLst>
+            <a:ext uri="{FF2B5EF4-FFF2-40B4-BE49-F238E27FC236}">
+              <a16:creationId xmlns:a16="http://schemas.microsoft.com/office/drawing/2014/main" id="{153901EF-7FB6-F5E3-BFC3-02E6FD89D30C}"/>
+            </a:ext>
+          </a:extLst>
+        </p:cNvPr>
         <p:cNvGrpSpPr/>
         <p:nvPr/>
       </p:nvGrpSpPr>
@@ -10906,10 +11744,84 @@
       </p:grpSpPr>
       <p:sp>
         <p:nvSpPr>
+          <p:cNvPr id="10" name="Rectangle 9">
+            <a:extLst>
+              <a:ext uri="{FF2B5EF4-FFF2-40B4-BE49-F238E27FC236}">
+                <a16:creationId xmlns:a16="http://schemas.microsoft.com/office/drawing/2014/main" id="{ABF1DF17-7351-DCC6-CEE7-3BF9E65386C4}"/>
+              </a:ext>
+            </a:extLst>
+          </p:cNvPr>
+          <p:cNvSpPr/>
+          <p:nvPr/>
+        </p:nvSpPr>
+        <p:spPr>
+          <a:xfrm>
+            <a:off x="0" y="6428017"/>
+            <a:ext cx="12191999" cy="429984"/>
+          </a:xfrm>
+          <a:prstGeom prst="rect">
+            <a:avLst/>
+          </a:prstGeom>
+          <a:solidFill>
+            <a:srgbClr val="ECDACE"/>
+          </a:solidFill>
+          <a:ln>
+            <a:solidFill>
+              <a:srgbClr val="ECDACE"/>
+            </a:solidFill>
+          </a:ln>
+        </p:spPr>
+        <p:style>
+          <a:lnRef idx="2">
+            <a:schemeClr val="accent1">
+              <a:shade val="15000"/>
+            </a:schemeClr>
+          </a:lnRef>
+          <a:fillRef idx="1">
+            <a:schemeClr val="accent1"/>
+          </a:fillRef>
+          <a:effectRef idx="0">
+            <a:schemeClr val="accent1"/>
+          </a:effectRef>
+          <a:fontRef idx="minor">
+            <a:schemeClr val="lt1"/>
+          </a:fontRef>
+        </p:style>
+        <p:txBody>
+          <a:bodyPr rtlCol="0" anchor="ctr"/>
+          <a:lstStyle/>
+          <a:p>
+            <a:r>
+              <a:rPr lang="en-US" sz="1800">
+                <a:latin typeface="Cambria" panose="02040503050406030204" pitchFamily="18" charset="0"/>
+                <a:ea typeface="Cambria" panose="02040503050406030204" pitchFamily="18" charset="0"/>
+              </a:rPr>
+              <a:t> </a:t>
+            </a:r>
+            <a:r>
+              <a:rPr lang="en-US" sz="1800">
+                <a:solidFill>
+                  <a:schemeClr val="tx1"/>
+                </a:solidFill>
+                <a:latin typeface="Cambria" panose="02040503050406030204" pitchFamily="18" charset="0"/>
+                <a:ea typeface="Cambria" panose="02040503050406030204" pitchFamily="18" charset="0"/>
+              </a:rPr>
+              <a:t>Damond Allen &amp; Adrianna High| Winter 2024</a:t>
+            </a:r>
+            <a:endParaRPr lang="en-US">
+              <a:solidFill>
+                <a:schemeClr val="tx1"/>
+              </a:solidFill>
+            </a:endParaRPr>
+          </a:p>
+        </p:txBody>
+      </p:sp>
+      <p:sp>
+        <p:nvSpPr>
           <p:cNvPr id="2" name="Title 1">
             <a:extLst>
               <a:ext uri="{FF2B5EF4-FFF2-40B4-BE49-F238E27FC236}">
-                <a16:creationId xmlns:a16="http://schemas.microsoft.com/office/drawing/2014/main" id="{745BC7FB-FD03-C088-3B5F-76D0C6C100A9}"/>
+                <a16:creationId xmlns:a16="http://schemas.microsoft.com/office/drawing/2014/main" id="{F843A61B-2E71-CD7F-3D8B-233C52FA47DA}"/>
               </a:ext>
             </a:extLst>
           </p:cNvPr>
@@ -10920,14 +11832,37 @@
             <p:ph type="title"/>
           </p:nvPr>
         </p:nvSpPr>
-        <p:spPr/>
+        <p:spPr>
+          <a:xfrm>
+            <a:off x="299357" y="212905"/>
+            <a:ext cx="11817844" cy="848452"/>
+          </a:xfrm>
+        </p:spPr>
         <p:txBody>
-          <a:bodyPr/>
+          <a:bodyPr>
+            <a:normAutofit fontScale="90000"/>
+          </a:bodyPr>
           <a:lstStyle/>
           <a:p>
             <a:r>
-              <a:rPr lang="en-US"/>
-              <a:t>NBA REGRESSION ANALYSIS WITH VISUAL(S)</a:t>
+              <a:rPr lang="en-US" sz="4000" b="1" dirty="0">
+                <a:latin typeface="Cambria" panose="02040503050406030204" pitchFamily="18" charset="0"/>
+                <a:ea typeface="Cambria" panose="02040503050406030204" pitchFamily="18" charset="0"/>
+              </a:rPr>
+              <a:t>NBA Regression Analysis</a:t>
+            </a:r>
+            <a:br>
+              <a:rPr lang="en-US" sz="3200" dirty="0">
+                <a:latin typeface="Cambria" panose="02040503050406030204" pitchFamily="18" charset="0"/>
+                <a:ea typeface="Cambria" panose="02040503050406030204" pitchFamily="18" charset="0"/>
+              </a:rPr>
+            </a:br>
+            <a:r>
+              <a:rPr lang="en-US" sz="2400" dirty="0">
+                <a:latin typeface="Cambria" panose="02040503050406030204" pitchFamily="18" charset="0"/>
+                <a:ea typeface="Cambria" panose="02040503050406030204" pitchFamily="18" charset="0"/>
+              </a:rPr>
+              <a:t>Inferential Insights</a:t>
             </a:r>
           </a:p>
         </p:txBody>
@@ -10937,7 +11872,7 @@
           <p:cNvPr id="3" name="Content Placeholder 2">
             <a:extLst>
               <a:ext uri="{FF2B5EF4-FFF2-40B4-BE49-F238E27FC236}">
-                <a16:creationId xmlns:a16="http://schemas.microsoft.com/office/drawing/2014/main" id="{985F8F6F-F101-71F1-2B27-BAD2B83B5680}"/>
+                <a16:creationId xmlns:a16="http://schemas.microsoft.com/office/drawing/2014/main" id="{3DD0FEC4-C31D-A72B-D607-CF74A5562D3B}"/>
               </a:ext>
             </a:extLst>
           </p:cNvPr>
@@ -10948,21 +11883,245 @@
             <p:ph idx="1"/>
           </p:nvPr>
         </p:nvSpPr>
-        <p:spPr/>
+        <p:spPr>
+          <a:xfrm>
+            <a:off x="250185" y="1301478"/>
+            <a:ext cx="11608260" cy="5060324"/>
+          </a:xfrm>
+        </p:spPr>
         <p:txBody>
-          <a:bodyPr vert="horz" lIns="91440" tIns="45720" rIns="91440" bIns="45720" rtlCol="0" anchor="t">
+          <a:bodyPr vert="horz" lIns="91440" tIns="45720" rIns="91440" bIns="45720" numCol="2" spcCol="0" rtlCol="0" anchor="t">
             <a:normAutofit/>
           </a:bodyPr>
           <a:lstStyle/>
           <a:p>
-            <a:r>
-              <a:rPr lang="en-US">
-                <a:ea typeface="+mn-lt"/>
-                <a:cs typeface="+mn-lt"/>
-              </a:rPr>
-              <a:t>* link notebook</a:t>
-            </a:r>
-            <a:endParaRPr lang="en-US"/>
+            <a:pPr marL="0" indent="0">
+              <a:buNone/>
+            </a:pPr>
+            <a:r>
+              <a:rPr lang="en-US" sz="1400" b="1" i="1" u="sng" dirty="0">
+                <a:latin typeface="Cambria"/>
+                <a:ea typeface="Cambria"/>
+              </a:rPr>
+              <a:t>NBA Linear Regression Process:</a:t>
+            </a:r>
+          </a:p>
+          <a:p>
+            <a:pPr marL="342900" indent="-342900">
+              <a:spcBef>
+                <a:spcPts val="600"/>
+              </a:spcBef>
+              <a:buFont typeface="+mj-lt"/>
+              <a:buAutoNum type="arabicPeriod"/>
+            </a:pPr>
+            <a:r>
+              <a:rPr lang="en-US" sz="1200" dirty="0">
+                <a:latin typeface="Cambria"/>
+                <a:ea typeface="Cambria"/>
+              </a:rPr>
+              <a:t>Collect and pre-process data.</a:t>
+            </a:r>
+          </a:p>
+          <a:p>
+            <a:pPr marL="342900" indent="-342900">
+              <a:spcBef>
+                <a:spcPts val="600"/>
+              </a:spcBef>
+              <a:buFont typeface="+mj-lt"/>
+              <a:buAutoNum type="arabicPeriod"/>
+            </a:pPr>
+            <a:r>
+              <a:rPr lang="en-US" sz="1200" dirty="0">
+                <a:latin typeface="Cambria"/>
+                <a:ea typeface="Cambria"/>
+              </a:rPr>
+              <a:t>Conduct EDA to identify underlying trends.</a:t>
+            </a:r>
+          </a:p>
+          <a:p>
+            <a:pPr marL="342900" indent="-342900">
+              <a:spcBef>
+                <a:spcPts val="600"/>
+              </a:spcBef>
+              <a:buFont typeface="+mj-lt"/>
+              <a:buAutoNum type="arabicPeriod"/>
+            </a:pPr>
+            <a:r>
+              <a:rPr lang="en-US" sz="1200" dirty="0">
+                <a:latin typeface="Cambria"/>
+                <a:ea typeface="Cambria"/>
+              </a:rPr>
+              <a:t>Validate that the dataset meets the assumptions for regression analysis.</a:t>
+            </a:r>
+          </a:p>
+          <a:p>
+            <a:pPr lvl="1">
+              <a:spcBef>
+                <a:spcPts val="600"/>
+              </a:spcBef>
+            </a:pPr>
+            <a:r>
+              <a:rPr lang="en-US" sz="1200" dirty="0">
+                <a:latin typeface="Cambria"/>
+                <a:ea typeface="Cambria"/>
+              </a:rPr>
+              <a:t>Independent variables are linear to dependent variable.</a:t>
+            </a:r>
+          </a:p>
+          <a:p>
+            <a:pPr lvl="1">
+              <a:spcBef>
+                <a:spcPts val="600"/>
+              </a:spcBef>
+            </a:pPr>
+            <a:r>
+              <a:rPr lang="en-US" sz="1200" dirty="0">
+                <a:latin typeface="Cambria"/>
+                <a:ea typeface="Cambria"/>
+              </a:rPr>
+              <a:t>There is no multi-collinearity between independent variables.</a:t>
+            </a:r>
+          </a:p>
+          <a:p>
+            <a:pPr lvl="1">
+              <a:spcBef>
+                <a:spcPts val="600"/>
+              </a:spcBef>
+            </a:pPr>
+            <a:r>
+              <a:rPr lang="en-US" sz="1200" dirty="0">
+                <a:latin typeface="Cambria"/>
+                <a:ea typeface="Cambria"/>
+              </a:rPr>
+              <a:t>The observations in the dataset are independent of each other.</a:t>
+            </a:r>
+          </a:p>
+          <a:p>
+            <a:pPr marL="342900" indent="-342900">
+              <a:spcBef>
+                <a:spcPts val="600"/>
+              </a:spcBef>
+              <a:buFont typeface="+mj-lt"/>
+              <a:buAutoNum type="arabicPeriod"/>
+            </a:pPr>
+            <a:r>
+              <a:rPr lang="en-US" sz="1200" dirty="0">
+                <a:latin typeface="Cambria"/>
+                <a:ea typeface="Cambria"/>
+              </a:rPr>
+              <a:t>Scale independent variables.</a:t>
+            </a:r>
+          </a:p>
+          <a:p>
+            <a:pPr marL="342900" indent="-342900">
+              <a:spcBef>
+                <a:spcPts val="600"/>
+              </a:spcBef>
+              <a:buFont typeface="+mj-lt"/>
+              <a:buAutoNum type="arabicPeriod"/>
+            </a:pPr>
+            <a:r>
+              <a:rPr lang="en-US" sz="1200" dirty="0">
+                <a:latin typeface="Cambria"/>
+                <a:ea typeface="Cambria"/>
+              </a:rPr>
+              <a:t>Fit  the model.</a:t>
+            </a:r>
+          </a:p>
+          <a:p>
+            <a:pPr marL="342900" indent="-342900">
+              <a:spcBef>
+                <a:spcPts val="600"/>
+              </a:spcBef>
+              <a:buFont typeface="+mj-lt"/>
+              <a:buAutoNum type="arabicPeriod"/>
+            </a:pPr>
+            <a:r>
+              <a:rPr lang="en-US" sz="1200" dirty="0">
+                <a:latin typeface="Cambria"/>
+                <a:ea typeface="Cambria"/>
+              </a:rPr>
+              <a:t>Remove insignificant features.</a:t>
+            </a:r>
+          </a:p>
+          <a:p>
+            <a:pPr marL="342900" indent="-342900">
+              <a:spcBef>
+                <a:spcPts val="600"/>
+              </a:spcBef>
+              <a:buFont typeface="+mj-lt"/>
+              <a:buAutoNum type="arabicPeriod"/>
+            </a:pPr>
+            <a:r>
+              <a:rPr lang="en-US" sz="1200" dirty="0">
+                <a:latin typeface="Cambria"/>
+                <a:ea typeface="Cambria"/>
+              </a:rPr>
+              <a:t>Fit the final model.</a:t>
+            </a:r>
+          </a:p>
+          <a:p>
+            <a:pPr marL="0" indent="0">
+              <a:buNone/>
+            </a:pPr>
+            <a:r>
+              <a:rPr lang="en-US" sz="1400" b="1" i="1" u="sng" dirty="0">
+                <a:latin typeface="Cambria" panose="02040503050406030204" pitchFamily="18" charset="0"/>
+                <a:ea typeface="Cambria" panose="02040503050406030204" pitchFamily="18" charset="0"/>
+              </a:rPr>
+              <a:t>Final Model and Performance</a:t>
+            </a:r>
+          </a:p>
+          <a:p>
+            <a:pPr marL="0" indent="0">
+              <a:buNone/>
+            </a:pPr>
+            <a:r>
+              <a:rPr lang="en-US" sz="1200" dirty="0">
+                <a:latin typeface="Cambria" panose="02040503050406030204" pitchFamily="18" charset="0"/>
+                <a:ea typeface="Cambria" panose="02040503050406030204" pitchFamily="18" charset="0"/>
+              </a:rPr>
+              <a:t>We removed three points made, offensive rebounds, defensive rebounds, and steals per game because they were statistically insignificant. The final model uses field goals, assists, blocks, and personal fouls per game to explain the variation in contract values. Next, we used R-square, which measures how well the independent variables explain the variability of the dependent variable in a regression model to assess how well the final model explains contract values. An R-Square of 70% indicates that our model does not account for 30% of the variation in contract values. </a:t>
+            </a:r>
+          </a:p>
+          <a:p>
+            <a:pPr marL="0" indent="0">
+              <a:buNone/>
+            </a:pPr>
+            <a:endParaRPr lang="en-US" sz="1200" dirty="0">
+              <a:latin typeface="Cambria" panose="02040503050406030204" pitchFamily="18" charset="0"/>
+              <a:ea typeface="Cambria" panose="02040503050406030204" pitchFamily="18" charset="0"/>
+            </a:endParaRPr>
+          </a:p>
+          <a:p>
+            <a:pPr marL="0" indent="0">
+              <a:buNone/>
+            </a:pPr>
+            <a:endParaRPr lang="en-US" sz="1200" dirty="0">
+              <a:latin typeface="Cambria" panose="02040503050406030204" pitchFamily="18" charset="0"/>
+              <a:ea typeface="Cambria" panose="02040503050406030204" pitchFamily="18" charset="0"/>
+            </a:endParaRPr>
+          </a:p>
+          <a:p>
+            <a:pPr marL="0" indent="0">
+              <a:buNone/>
+            </a:pPr>
+            <a:r>
+              <a:rPr lang="en-US" sz="1400" b="1" i="1" u="sng" dirty="0">
+                <a:latin typeface="Cambria" panose="02040503050406030204" pitchFamily="18" charset="0"/>
+                <a:ea typeface="Cambria" panose="02040503050406030204" pitchFamily="18" charset="0"/>
+              </a:rPr>
+              <a:t>Factors Impacting Contract Values</a:t>
+            </a:r>
+          </a:p>
+          <a:p>
+            <a:pPr marL="0" indent="0">
+              <a:buNone/>
+            </a:pPr>
+            <a:endParaRPr lang="en-US" sz="1400" b="1" i="1" u="sng" dirty="0">
+              <a:latin typeface="Cambria" panose="02040503050406030204" pitchFamily="18" charset="0"/>
+              <a:ea typeface="Cambria" panose="02040503050406030204" pitchFamily="18" charset="0"/>
+            </a:endParaRPr>
           </a:p>
         </p:txBody>
       </p:sp>
@@ -10971,7 +12130,7 @@
           <p:cNvPr id="4" name="Slide Number Placeholder 3">
             <a:extLst>
               <a:ext uri="{FF2B5EF4-FFF2-40B4-BE49-F238E27FC236}">
-                <a16:creationId xmlns:a16="http://schemas.microsoft.com/office/drawing/2014/main" id="{FA793001-8F5C-92E0-5C5F-4CF8856B4991}"/>
+                <a16:creationId xmlns:a16="http://schemas.microsoft.com/office/drawing/2014/main" id="{ADE73B73-6A59-A315-C9EB-984CA6A62174}"/>
               </a:ext>
             </a:extLst>
           </p:cNvPr>
@@ -10982,23 +12141,801 @@
             <p:ph type="sldNum" sz="quarter" idx="12"/>
           </p:nvPr>
         </p:nvSpPr>
-        <p:spPr/>
+        <p:spPr>
+          <a:xfrm>
+            <a:off x="11555186" y="6428017"/>
+            <a:ext cx="560614" cy="365125"/>
+          </a:xfrm>
+        </p:spPr>
         <p:txBody>
           <a:bodyPr/>
           <a:lstStyle/>
           <a:p>
             <a:fld id="{A24E3B45-6D8E-4D7A-9F96-1C253FA6AC16}" type="slidenum">
-              <a:rPr lang="en-US" smtClean="0"/>
+              <a:rPr lang="en-US" sz="1600" b="1" smtClean="0">
+                <a:solidFill>
+                  <a:schemeClr val="tx1"/>
+                </a:solidFill>
+                <a:latin typeface="Cambria" panose="02040503050406030204" pitchFamily="18" charset="0"/>
+                <a:ea typeface="Cambria" panose="02040503050406030204" pitchFamily="18" charset="0"/>
+              </a:rPr>
               <a:t>7</a:t>
             </a:fld>
-            <a:endParaRPr lang="en-US"/>
+            <a:endParaRPr lang="en-US" sz="1600" b="1">
+              <a:solidFill>
+                <a:schemeClr val="tx1"/>
+              </a:solidFill>
+              <a:latin typeface="Cambria" panose="02040503050406030204" pitchFamily="18" charset="0"/>
+              <a:ea typeface="Cambria" panose="02040503050406030204" pitchFamily="18" charset="0"/>
+            </a:endParaRPr>
           </a:p>
         </p:txBody>
       </p:sp>
+      <p:sp>
+        <p:nvSpPr>
+          <p:cNvPr id="5" name="Rectangle 4">
+            <a:extLst>
+              <a:ext uri="{FF2B5EF4-FFF2-40B4-BE49-F238E27FC236}">
+                <a16:creationId xmlns:a16="http://schemas.microsoft.com/office/drawing/2014/main" id="{8A8E08F9-19C2-0C22-C328-38F9DBA43B50}"/>
+              </a:ext>
+            </a:extLst>
+          </p:cNvPr>
+          <p:cNvSpPr/>
+          <p:nvPr/>
+        </p:nvSpPr>
+        <p:spPr>
+          <a:xfrm>
+            <a:off x="74799" y="76199"/>
+            <a:ext cx="3770896" cy="91881"/>
+          </a:xfrm>
+          <a:prstGeom prst="rect">
+            <a:avLst/>
+          </a:prstGeom>
+          <a:solidFill>
+            <a:srgbClr val="514A47"/>
+          </a:solidFill>
+          <a:ln>
+            <a:solidFill>
+              <a:srgbClr val="514A47"/>
+            </a:solidFill>
+          </a:ln>
+        </p:spPr>
+        <p:style>
+          <a:lnRef idx="2">
+            <a:schemeClr val="accent1">
+              <a:shade val="15000"/>
+            </a:schemeClr>
+          </a:lnRef>
+          <a:fillRef idx="1">
+            <a:schemeClr val="accent1"/>
+          </a:fillRef>
+          <a:effectRef idx="0">
+            <a:schemeClr val="accent1"/>
+          </a:effectRef>
+          <a:fontRef idx="minor">
+            <a:schemeClr val="lt1"/>
+          </a:fontRef>
+        </p:style>
+        <p:txBody>
+          <a:bodyPr rtlCol="0" anchor="ctr"/>
+          <a:lstStyle/>
+          <a:p>
+            <a:pPr algn="ctr"/>
+            <a:endParaRPr lang="en-US"/>
+          </a:p>
+        </p:txBody>
+      </p:sp>
+      <p:sp>
+        <p:nvSpPr>
+          <p:cNvPr id="6" name="Rectangle 5">
+            <a:extLst>
+              <a:ext uri="{FF2B5EF4-FFF2-40B4-BE49-F238E27FC236}">
+                <a16:creationId xmlns:a16="http://schemas.microsoft.com/office/drawing/2014/main" id="{F0C584B0-C24D-8CB8-7610-E8469C8AD033}"/>
+              </a:ext>
+            </a:extLst>
+          </p:cNvPr>
+          <p:cNvSpPr/>
+          <p:nvPr/>
+        </p:nvSpPr>
+        <p:spPr>
+          <a:xfrm>
+            <a:off x="3913013" y="76199"/>
+            <a:ext cx="3862192" cy="91896"/>
+          </a:xfrm>
+          <a:prstGeom prst="rect">
+            <a:avLst/>
+          </a:prstGeom>
+          <a:solidFill>
+            <a:srgbClr val="9E9791"/>
+          </a:solidFill>
+          <a:ln>
+            <a:solidFill>
+              <a:srgbClr val="9E9791"/>
+            </a:solidFill>
+          </a:ln>
+        </p:spPr>
+        <p:style>
+          <a:lnRef idx="2">
+            <a:schemeClr val="accent1">
+              <a:shade val="15000"/>
+            </a:schemeClr>
+          </a:lnRef>
+          <a:fillRef idx="1">
+            <a:schemeClr val="accent1"/>
+          </a:fillRef>
+          <a:effectRef idx="0">
+            <a:schemeClr val="accent1"/>
+          </a:effectRef>
+          <a:fontRef idx="minor">
+            <a:schemeClr val="lt1"/>
+          </a:fontRef>
+        </p:style>
+        <p:txBody>
+          <a:bodyPr rtlCol="0" anchor="ctr"/>
+          <a:lstStyle/>
+          <a:p>
+            <a:pPr algn="ctr"/>
+            <a:endParaRPr lang="en-US"/>
+          </a:p>
+        </p:txBody>
+      </p:sp>
+      <p:sp>
+        <p:nvSpPr>
+          <p:cNvPr id="7" name="Rectangle 6">
+            <a:extLst>
+              <a:ext uri="{FF2B5EF4-FFF2-40B4-BE49-F238E27FC236}">
+                <a16:creationId xmlns:a16="http://schemas.microsoft.com/office/drawing/2014/main" id="{42FE5921-4A67-BE12-6C52-82021E59B439}"/>
+              </a:ext>
+            </a:extLst>
+          </p:cNvPr>
+          <p:cNvSpPr/>
+          <p:nvPr/>
+        </p:nvSpPr>
+        <p:spPr>
+          <a:xfrm>
+            <a:off x="7842523" y="76199"/>
+            <a:ext cx="4274678" cy="91896"/>
+          </a:xfrm>
+          <a:prstGeom prst="rect">
+            <a:avLst/>
+          </a:prstGeom>
+          <a:solidFill>
+            <a:schemeClr val="tx2">
+              <a:lumMod val="50000"/>
+              <a:lumOff val="50000"/>
+            </a:schemeClr>
+          </a:solidFill>
+          <a:ln>
+            <a:solidFill>
+              <a:schemeClr val="tx2">
+                <a:lumMod val="50000"/>
+                <a:lumOff val="50000"/>
+              </a:schemeClr>
+            </a:solidFill>
+          </a:ln>
+        </p:spPr>
+        <p:style>
+          <a:lnRef idx="2">
+            <a:schemeClr val="accent1">
+              <a:shade val="15000"/>
+            </a:schemeClr>
+          </a:lnRef>
+          <a:fillRef idx="1">
+            <a:schemeClr val="accent1"/>
+          </a:fillRef>
+          <a:effectRef idx="0">
+            <a:schemeClr val="accent1"/>
+          </a:effectRef>
+          <a:fontRef idx="minor">
+            <a:schemeClr val="lt1"/>
+          </a:fontRef>
+        </p:style>
+        <p:txBody>
+          <a:bodyPr rtlCol="0" anchor="ctr"/>
+          <a:lstStyle/>
+          <a:p>
+            <a:pPr algn="ctr"/>
+            <a:endParaRPr lang="en-US"/>
+          </a:p>
+        </p:txBody>
+      </p:sp>
+      <p:cxnSp>
+        <p:nvCxnSpPr>
+          <p:cNvPr id="9" name="Straight Connector 8">
+            <a:extLst>
+              <a:ext uri="{FF2B5EF4-FFF2-40B4-BE49-F238E27FC236}">
+                <a16:creationId xmlns:a16="http://schemas.microsoft.com/office/drawing/2014/main" id="{F68189D0-0C5A-ED5C-0A03-34A06213DA93}"/>
+              </a:ext>
+            </a:extLst>
+          </p:cNvPr>
+          <p:cNvCxnSpPr>
+            <a:cxnSpLocks/>
+          </p:cNvCxnSpPr>
+          <p:nvPr/>
+        </p:nvCxnSpPr>
+        <p:spPr>
+          <a:xfrm>
+            <a:off x="74799" y="1127571"/>
+            <a:ext cx="12048012" cy="0"/>
+          </a:xfrm>
+          <a:prstGeom prst="line">
+            <a:avLst/>
+          </a:prstGeom>
+          <a:ln>
+            <a:solidFill>
+              <a:srgbClr val="514A47"/>
+            </a:solidFill>
+          </a:ln>
+        </p:spPr>
+        <p:style>
+          <a:lnRef idx="2">
+            <a:schemeClr val="accent1"/>
+          </a:lnRef>
+          <a:fillRef idx="0">
+            <a:schemeClr val="accent1"/>
+          </a:fillRef>
+          <a:effectRef idx="1">
+            <a:schemeClr val="accent1"/>
+          </a:effectRef>
+          <a:fontRef idx="minor">
+            <a:schemeClr val="tx1"/>
+          </a:fontRef>
+        </p:style>
+      </p:cxnSp>
+      <p:graphicFrame>
+        <p:nvGraphicFramePr>
+          <p:cNvPr id="8" name="Table 7">
+            <a:extLst>
+              <a:ext uri="{FF2B5EF4-FFF2-40B4-BE49-F238E27FC236}">
+                <a16:creationId xmlns:a16="http://schemas.microsoft.com/office/drawing/2014/main" id="{CF971D78-F709-49EA-1928-CD6EED9A593C}"/>
+              </a:ext>
+            </a:extLst>
+          </p:cNvPr>
+          <p:cNvGraphicFramePr>
+            <a:graphicFrameLocks noGrp="1"/>
+          </p:cNvGraphicFramePr>
+          <p:nvPr>
+            <p:extLst>
+              <p:ext uri="{D42A27DB-BD31-4B8C-83A1-F6EECF244321}">
+                <p14:modId xmlns:p14="http://schemas.microsoft.com/office/powerpoint/2010/main" val="2300659253"/>
+              </p:ext>
+            </p:extLst>
+          </p:nvPr>
+        </p:nvGraphicFramePr>
+        <p:xfrm>
+          <a:off x="6165011" y="1600199"/>
+          <a:ext cx="5595668" cy="3660821"/>
+        </p:xfrm>
+        <a:graphic>
+          <a:graphicData uri="http://schemas.openxmlformats.org/drawingml/2006/table">
+            <a:tbl>
+              <a:tblPr firstRow="1" bandRow="1">
+                <a:tableStyleId>{5C22544A-7EE6-4342-B048-85BDC9FD1C3A}</a:tableStyleId>
+              </a:tblPr>
+              <a:tblGrid>
+                <a:gridCol w="2797834">
+                  <a:extLst>
+                    <a:ext uri="{9D8B030D-6E8A-4147-A177-3AD203B41FA5}">
+                      <a16:colId xmlns:a16="http://schemas.microsoft.com/office/drawing/2014/main" val="1654930743"/>
+                    </a:ext>
+                  </a:extLst>
+                </a:gridCol>
+                <a:gridCol w="2797834">
+                  <a:extLst>
+                    <a:ext uri="{9D8B030D-6E8A-4147-A177-3AD203B41FA5}">
+                      <a16:colId xmlns:a16="http://schemas.microsoft.com/office/drawing/2014/main" val="3851520360"/>
+                    </a:ext>
+                  </a:extLst>
+                </a:gridCol>
+              </a:tblGrid>
+              <a:tr h="452695">
+                <a:tc>
+                  <a:txBody>
+                    <a:bodyPr/>
+                    <a:lstStyle/>
+                    <a:p>
+                      <a:pPr algn="ctr"/>
+                      <a:r>
+                        <a:rPr lang="en-US" sz="1400" dirty="0">
+                          <a:latin typeface="Cambria" panose="02040503050406030204" pitchFamily="18" charset="0"/>
+                          <a:ea typeface="Cambria" panose="02040503050406030204" pitchFamily="18" charset="0"/>
+                        </a:rPr>
+                        <a:t>Standardize Feature</a:t>
+                      </a:r>
+                    </a:p>
+                  </a:txBody>
+                  <a:tcPr/>
+                </a:tc>
+                <a:tc>
+                  <a:txBody>
+                    <a:bodyPr/>
+                    <a:lstStyle/>
+                    <a:p>
+                      <a:pPr algn="ctr"/>
+                      <a:r>
+                        <a:rPr lang="en-US" sz="1400" dirty="0">
+                          <a:latin typeface="Cambria" panose="02040503050406030204" pitchFamily="18" charset="0"/>
+                          <a:ea typeface="Cambria" panose="02040503050406030204" pitchFamily="18" charset="0"/>
+                        </a:rPr>
+                        <a:t>Interpretation</a:t>
+                      </a:r>
+                    </a:p>
+                  </a:txBody>
+                  <a:tcPr/>
+                </a:tc>
+                <a:extLst>
+                  <a:ext uri="{0D108BD9-81ED-4DB2-BD59-A6C34878D82A}">
+                    <a16:rowId xmlns:a16="http://schemas.microsoft.com/office/drawing/2014/main" val="2630868440"/>
+                  </a:ext>
+                </a:extLst>
+              </a:tr>
+              <a:tr h="781103">
+                <a:tc>
+                  <a:txBody>
+                    <a:bodyPr/>
+                    <a:lstStyle/>
+                    <a:p>
+                      <a:r>
+                        <a:rPr lang="en-US" sz="1200" b="0" kern="1200" dirty="0" err="1">
+                          <a:solidFill>
+                            <a:schemeClr val="dk1"/>
+                          </a:solidFill>
+                          <a:effectLst/>
+                          <a:latin typeface="Cambria" panose="02040503050406030204" pitchFamily="18" charset="0"/>
+                          <a:ea typeface="Cambria" panose="02040503050406030204" pitchFamily="18" charset="0"/>
+                          <a:cs typeface="+mn-cs"/>
+                        </a:rPr>
+                        <a:t>FGM_Per_Game</a:t>
+                      </a:r>
+                      <a:r>
+                        <a:rPr lang="en-US" sz="1200" b="0" kern="1200" dirty="0">
+                          <a:solidFill>
+                            <a:schemeClr val="dk1"/>
+                          </a:solidFill>
+                          <a:effectLst/>
+                          <a:latin typeface="Cambria" panose="02040503050406030204" pitchFamily="18" charset="0"/>
+                          <a:ea typeface="Cambria" panose="02040503050406030204" pitchFamily="18" charset="0"/>
+                          <a:cs typeface="+mn-cs"/>
+                        </a:rPr>
+                        <a:t>: Field goals per game</a:t>
+                      </a:r>
+                    </a:p>
+                  </a:txBody>
+                  <a:tcPr/>
+                </a:tc>
+                <a:tc>
+                  <a:txBody>
+                    <a:bodyPr/>
+                    <a:lstStyle/>
+                    <a:p>
+                      <a:pPr marL="0" marR="0" lvl="0" indent="0" algn="l" defTabSz="914400" rtl="0" eaLnBrk="1" fontAlgn="auto" latinLnBrk="0" hangingPunct="1">
+                        <a:lnSpc>
+                          <a:spcPct val="100000"/>
+                        </a:lnSpc>
+                        <a:spcBef>
+                          <a:spcPts val="0"/>
+                        </a:spcBef>
+                        <a:spcAft>
+                          <a:spcPts val="0"/>
+                        </a:spcAft>
+                        <a:buClrTx/>
+                        <a:buSzTx/>
+                        <a:buFontTx/>
+                        <a:buNone/>
+                        <a:tabLst/>
+                        <a:defRPr/>
+                      </a:pPr>
+                      <a:r>
+                        <a:rPr lang="en-US" sz="1200" b="0" kern="1200" dirty="0">
+                          <a:solidFill>
+                            <a:schemeClr val="dk1"/>
+                          </a:solidFill>
+                          <a:effectLst/>
+                          <a:latin typeface="Cambria" panose="02040503050406030204" pitchFamily="18" charset="0"/>
+                          <a:ea typeface="Cambria" panose="02040503050406030204" pitchFamily="18" charset="0"/>
+                          <a:cs typeface="+mn-cs"/>
+                        </a:rPr>
+                        <a:t>Increasing average field goals by 1 </a:t>
+                      </a:r>
+                      <a:r>
+                        <a:rPr lang="en-US" sz="1200" b="1" i="1" kern="1200" dirty="0">
+                          <a:solidFill>
+                            <a:schemeClr val="dk1"/>
+                          </a:solidFill>
+                          <a:effectLst/>
+                          <a:latin typeface="Cambria" panose="02040503050406030204" pitchFamily="18" charset="0"/>
+                          <a:ea typeface="Cambria" panose="02040503050406030204" pitchFamily="18" charset="0"/>
+                          <a:cs typeface="+mn-cs"/>
+                        </a:rPr>
+                        <a:t>adds nearly 9 million dollars to contract value</a:t>
+                      </a:r>
+                      <a:r>
+                        <a:rPr lang="en-US" sz="1200" b="0" kern="1200" dirty="0">
+                          <a:solidFill>
+                            <a:schemeClr val="dk1"/>
+                          </a:solidFill>
+                          <a:effectLst/>
+                          <a:latin typeface="Cambria" panose="02040503050406030204" pitchFamily="18" charset="0"/>
+                          <a:ea typeface="Cambria" panose="02040503050406030204" pitchFamily="18" charset="0"/>
+                          <a:cs typeface="+mn-cs"/>
+                        </a:rPr>
+                        <a:t> when controlling for other factors.</a:t>
+                      </a:r>
+                    </a:p>
+                  </a:txBody>
+                  <a:tcPr/>
+                </a:tc>
+                <a:extLst>
+                  <a:ext uri="{0D108BD9-81ED-4DB2-BD59-A6C34878D82A}">
+                    <a16:rowId xmlns:a16="http://schemas.microsoft.com/office/drawing/2014/main" val="2625686075"/>
+                  </a:ext>
+                </a:extLst>
+              </a:tr>
+              <a:tr h="781103">
+                <a:tc>
+                  <a:txBody>
+                    <a:bodyPr/>
+                    <a:lstStyle/>
+                    <a:p>
+                      <a:pPr marL="0" marR="0" lvl="0" indent="0" algn="l" defTabSz="914400" rtl="0" eaLnBrk="1" fontAlgn="auto" latinLnBrk="0" hangingPunct="1">
+                        <a:lnSpc>
+                          <a:spcPct val="100000"/>
+                        </a:lnSpc>
+                        <a:spcBef>
+                          <a:spcPts val="0"/>
+                        </a:spcBef>
+                        <a:spcAft>
+                          <a:spcPts val="0"/>
+                        </a:spcAft>
+                        <a:buClrTx/>
+                        <a:buSzTx/>
+                        <a:buFontTx/>
+                        <a:buNone/>
+                        <a:tabLst/>
+                        <a:defRPr/>
+                      </a:pPr>
+                      <a:r>
+                        <a:rPr lang="en-US" sz="1200" b="0" kern="1200" dirty="0" err="1">
+                          <a:solidFill>
+                            <a:schemeClr val="dk1"/>
+                          </a:solidFill>
+                          <a:effectLst/>
+                          <a:latin typeface="Cambria" panose="02040503050406030204" pitchFamily="18" charset="0"/>
+                          <a:ea typeface="Cambria" panose="02040503050406030204" pitchFamily="18" charset="0"/>
+                          <a:cs typeface="+mn-cs"/>
+                        </a:rPr>
+                        <a:t>AST_Per_Game</a:t>
+                      </a:r>
+                      <a:r>
+                        <a:rPr lang="en-US" sz="1200" b="0" kern="1200" dirty="0">
+                          <a:solidFill>
+                            <a:schemeClr val="dk1"/>
+                          </a:solidFill>
+                          <a:effectLst/>
+                          <a:latin typeface="Cambria" panose="02040503050406030204" pitchFamily="18" charset="0"/>
+                          <a:ea typeface="Cambria" panose="02040503050406030204" pitchFamily="18" charset="0"/>
+                          <a:cs typeface="+mn-cs"/>
+                        </a:rPr>
+                        <a:t>: Assist per game</a:t>
+                      </a:r>
+                    </a:p>
+                  </a:txBody>
+                  <a:tcPr/>
+                </a:tc>
+                <a:tc>
+                  <a:txBody>
+                    <a:bodyPr/>
+                    <a:lstStyle/>
+                    <a:p>
+                      <a:pPr marL="0" marR="0" lvl="0" indent="0" algn="l" defTabSz="914400" rtl="0" eaLnBrk="1" fontAlgn="auto" latinLnBrk="0" hangingPunct="1">
+                        <a:lnSpc>
+                          <a:spcPct val="100000"/>
+                        </a:lnSpc>
+                        <a:spcBef>
+                          <a:spcPts val="0"/>
+                        </a:spcBef>
+                        <a:spcAft>
+                          <a:spcPts val="0"/>
+                        </a:spcAft>
+                        <a:buClrTx/>
+                        <a:buSzTx/>
+                        <a:buFontTx/>
+                        <a:buNone/>
+                        <a:tabLst/>
+                        <a:defRPr/>
+                      </a:pPr>
+                      <a:r>
+                        <a:rPr lang="en-US" sz="1200" b="0" kern="1200" dirty="0">
+                          <a:solidFill>
+                            <a:schemeClr val="dk1"/>
+                          </a:solidFill>
+                          <a:effectLst/>
+                          <a:latin typeface="Cambria" panose="02040503050406030204" pitchFamily="18" charset="0"/>
+                          <a:ea typeface="Cambria" panose="02040503050406030204" pitchFamily="18" charset="0"/>
+                          <a:cs typeface="+mn-cs"/>
+                        </a:rPr>
+                        <a:t>Increasing average assists by 1 </a:t>
+                      </a:r>
+                      <a:r>
+                        <a:rPr lang="en-US" sz="1200" b="1" i="1" kern="1200" dirty="0">
+                          <a:solidFill>
+                            <a:schemeClr val="dk1"/>
+                          </a:solidFill>
+                          <a:effectLst/>
+                          <a:latin typeface="Cambria" panose="02040503050406030204" pitchFamily="18" charset="0"/>
+                          <a:ea typeface="Cambria" panose="02040503050406030204" pitchFamily="18" charset="0"/>
+                          <a:cs typeface="+mn-cs"/>
+                        </a:rPr>
+                        <a:t>adds 1.3 million dollars to contract value</a:t>
+                      </a:r>
+                      <a:r>
+                        <a:rPr lang="en-US" sz="1200" b="0" kern="1200" dirty="0">
+                          <a:solidFill>
+                            <a:schemeClr val="dk1"/>
+                          </a:solidFill>
+                          <a:effectLst/>
+                          <a:latin typeface="Cambria" panose="02040503050406030204" pitchFamily="18" charset="0"/>
+                          <a:ea typeface="Cambria" panose="02040503050406030204" pitchFamily="18" charset="0"/>
+                          <a:cs typeface="+mn-cs"/>
+                        </a:rPr>
+                        <a:t> when controlling for other factors.</a:t>
+                      </a:r>
+                    </a:p>
+                  </a:txBody>
+                  <a:tcPr/>
+                </a:tc>
+                <a:extLst>
+                  <a:ext uri="{0D108BD9-81ED-4DB2-BD59-A6C34878D82A}">
+                    <a16:rowId xmlns:a16="http://schemas.microsoft.com/office/drawing/2014/main" val="609771682"/>
+                  </a:ext>
+                </a:extLst>
+              </a:tr>
+              <a:tr h="781103">
+                <a:tc>
+                  <a:txBody>
+                    <a:bodyPr/>
+                    <a:lstStyle/>
+                    <a:p>
+                      <a:pPr marL="0" marR="0" lvl="0" indent="0" algn="l" defTabSz="914400" rtl="0" eaLnBrk="1" fontAlgn="auto" latinLnBrk="0" hangingPunct="1">
+                        <a:lnSpc>
+                          <a:spcPct val="100000"/>
+                        </a:lnSpc>
+                        <a:spcBef>
+                          <a:spcPts val="0"/>
+                        </a:spcBef>
+                        <a:spcAft>
+                          <a:spcPts val="0"/>
+                        </a:spcAft>
+                        <a:buClrTx/>
+                        <a:buSzTx/>
+                        <a:buFontTx/>
+                        <a:buNone/>
+                        <a:tabLst/>
+                        <a:defRPr/>
+                      </a:pPr>
+                      <a:r>
+                        <a:rPr lang="en-US" sz="1200" b="0" kern="1200" dirty="0" err="1">
+                          <a:solidFill>
+                            <a:schemeClr val="dk1"/>
+                          </a:solidFill>
+                          <a:effectLst/>
+                          <a:latin typeface="Cambria" panose="02040503050406030204" pitchFamily="18" charset="0"/>
+                          <a:ea typeface="Cambria" panose="02040503050406030204" pitchFamily="18" charset="0"/>
+                          <a:cs typeface="+mn-cs"/>
+                        </a:rPr>
+                        <a:t>BLK_Per_Game</a:t>
+                      </a:r>
+                      <a:r>
+                        <a:rPr lang="en-US" sz="1200" b="0" kern="1200" dirty="0">
+                          <a:solidFill>
+                            <a:schemeClr val="dk1"/>
+                          </a:solidFill>
+                          <a:effectLst/>
+                          <a:latin typeface="Cambria" panose="02040503050406030204" pitchFamily="18" charset="0"/>
+                          <a:ea typeface="Cambria" panose="02040503050406030204" pitchFamily="18" charset="0"/>
+                          <a:cs typeface="+mn-cs"/>
+                        </a:rPr>
+                        <a:t>: Blocks per game</a:t>
+                      </a:r>
+                    </a:p>
+                  </a:txBody>
+                  <a:tcPr/>
+                </a:tc>
+                <a:tc>
+                  <a:txBody>
+                    <a:bodyPr/>
+                    <a:lstStyle/>
+                    <a:p>
+                      <a:pPr marL="0" marR="0" lvl="0" indent="0" algn="l" defTabSz="914400" rtl="0" eaLnBrk="1" fontAlgn="auto" latinLnBrk="0" hangingPunct="1">
+                        <a:lnSpc>
+                          <a:spcPct val="100000"/>
+                        </a:lnSpc>
+                        <a:spcBef>
+                          <a:spcPts val="0"/>
+                        </a:spcBef>
+                        <a:spcAft>
+                          <a:spcPts val="0"/>
+                        </a:spcAft>
+                        <a:buClrTx/>
+                        <a:buSzTx/>
+                        <a:buFontTx/>
+                        <a:buNone/>
+                        <a:tabLst/>
+                        <a:defRPr/>
+                      </a:pPr>
+                      <a:r>
+                        <a:rPr lang="en-US" sz="1200" b="0" kern="1200" dirty="0">
+                          <a:solidFill>
+                            <a:schemeClr val="dk1"/>
+                          </a:solidFill>
+                          <a:effectLst/>
+                          <a:latin typeface="Cambria" panose="02040503050406030204" pitchFamily="18" charset="0"/>
+                          <a:ea typeface="Cambria" panose="02040503050406030204" pitchFamily="18" charset="0"/>
+                          <a:cs typeface="+mn-cs"/>
+                        </a:rPr>
+                        <a:t>Increasing average blocks by 1 </a:t>
+                      </a:r>
+                      <a:r>
+                        <a:rPr lang="en-US" sz="1200" b="1" i="1" kern="1200" dirty="0">
+                          <a:solidFill>
+                            <a:schemeClr val="dk1"/>
+                          </a:solidFill>
+                          <a:effectLst/>
+                          <a:latin typeface="Cambria" panose="02040503050406030204" pitchFamily="18" charset="0"/>
+                          <a:ea typeface="Cambria" panose="02040503050406030204" pitchFamily="18" charset="0"/>
+                          <a:cs typeface="+mn-cs"/>
+                        </a:rPr>
+                        <a:t>adds 1.2 million dollars to contract value </a:t>
+                      </a:r>
+                      <a:r>
+                        <a:rPr lang="en-US" sz="1200" b="0" kern="1200" dirty="0">
+                          <a:solidFill>
+                            <a:schemeClr val="dk1"/>
+                          </a:solidFill>
+                          <a:effectLst/>
+                          <a:latin typeface="Cambria" panose="02040503050406030204" pitchFamily="18" charset="0"/>
+                          <a:ea typeface="Cambria" panose="02040503050406030204" pitchFamily="18" charset="0"/>
+                          <a:cs typeface="+mn-cs"/>
+                        </a:rPr>
+                        <a:t>when controlling for other factors.</a:t>
+                      </a:r>
+                    </a:p>
+                  </a:txBody>
+                  <a:tcPr/>
+                </a:tc>
+                <a:extLst>
+                  <a:ext uri="{0D108BD9-81ED-4DB2-BD59-A6C34878D82A}">
+                    <a16:rowId xmlns:a16="http://schemas.microsoft.com/office/drawing/2014/main" val="1977556160"/>
+                  </a:ext>
+                </a:extLst>
+              </a:tr>
+              <a:tr h="664627">
+                <a:tc>
+                  <a:txBody>
+                    <a:bodyPr/>
+                    <a:lstStyle/>
+                    <a:p>
+                      <a:pPr marL="0" marR="0" lvl="0" indent="0" algn="l" defTabSz="914400" rtl="0" eaLnBrk="1" fontAlgn="auto" latinLnBrk="0" hangingPunct="1">
+                        <a:lnSpc>
+                          <a:spcPct val="100000"/>
+                        </a:lnSpc>
+                        <a:spcBef>
+                          <a:spcPts val="0"/>
+                        </a:spcBef>
+                        <a:spcAft>
+                          <a:spcPts val="0"/>
+                        </a:spcAft>
+                        <a:buClrTx/>
+                        <a:buSzTx/>
+                        <a:buFontTx/>
+                        <a:buNone/>
+                        <a:tabLst/>
+                        <a:defRPr/>
+                      </a:pPr>
+                      <a:r>
+                        <a:rPr lang="en-US" sz="1200" b="0" kern="1200" dirty="0" err="1">
+                          <a:solidFill>
+                            <a:schemeClr val="dk1"/>
+                          </a:solidFill>
+                          <a:effectLst/>
+                          <a:latin typeface="Cambria" panose="02040503050406030204" pitchFamily="18" charset="0"/>
+                          <a:ea typeface="Cambria" panose="02040503050406030204" pitchFamily="18" charset="0"/>
+                          <a:cs typeface="+mn-cs"/>
+                        </a:rPr>
+                        <a:t>PF_Per_Game</a:t>
+                      </a:r>
+                      <a:r>
+                        <a:rPr lang="en-US" sz="1200" b="0" kern="1200" dirty="0">
+                          <a:solidFill>
+                            <a:schemeClr val="dk1"/>
+                          </a:solidFill>
+                          <a:effectLst/>
+                          <a:latin typeface="Cambria" panose="02040503050406030204" pitchFamily="18" charset="0"/>
+                          <a:ea typeface="Cambria" panose="02040503050406030204" pitchFamily="18" charset="0"/>
+                          <a:cs typeface="+mn-cs"/>
+                        </a:rPr>
+                        <a:t>: Personal Fouls per game</a:t>
+                      </a:r>
+                    </a:p>
+                  </a:txBody>
+                  <a:tcPr/>
+                </a:tc>
+                <a:tc>
+                  <a:txBody>
+                    <a:bodyPr/>
+                    <a:lstStyle/>
+                    <a:p>
+                      <a:pPr marL="0" marR="0" lvl="0" indent="0" algn="l" defTabSz="914400" rtl="0" eaLnBrk="1" fontAlgn="auto" latinLnBrk="0" hangingPunct="1">
+                        <a:lnSpc>
+                          <a:spcPct val="100000"/>
+                        </a:lnSpc>
+                        <a:spcBef>
+                          <a:spcPts val="0"/>
+                        </a:spcBef>
+                        <a:spcAft>
+                          <a:spcPts val="0"/>
+                        </a:spcAft>
+                        <a:buClrTx/>
+                        <a:buSzTx/>
+                        <a:buFontTx/>
+                        <a:buNone/>
+                        <a:tabLst/>
+                        <a:defRPr/>
+                      </a:pPr>
+                      <a:r>
+                        <a:rPr lang="en-US" sz="1200" b="0" kern="1200" dirty="0">
+                          <a:solidFill>
+                            <a:schemeClr val="dk1"/>
+                          </a:solidFill>
+                          <a:effectLst/>
+                          <a:latin typeface="Cambria" panose="02040503050406030204" pitchFamily="18" charset="0"/>
+                          <a:ea typeface="Cambria" panose="02040503050406030204" pitchFamily="18" charset="0"/>
+                          <a:cs typeface="+mn-cs"/>
+                        </a:rPr>
+                        <a:t>Increasing average fouls by 1 </a:t>
+                      </a:r>
+                      <a:r>
+                        <a:rPr lang="en-US" sz="1200" b="1" i="1" kern="1200" dirty="0">
+                          <a:solidFill>
+                            <a:srgbClr val="FF0000"/>
+                          </a:solidFill>
+                          <a:effectLst/>
+                          <a:latin typeface="Cambria" panose="02040503050406030204" pitchFamily="18" charset="0"/>
+                          <a:ea typeface="Cambria" panose="02040503050406030204" pitchFamily="18" charset="0"/>
+                          <a:cs typeface="+mn-cs"/>
+                        </a:rPr>
+                        <a:t>subtracts 9.8 million dollars from contract value </a:t>
+                      </a:r>
+                      <a:r>
+                        <a:rPr lang="en-US" sz="1200" b="0" kern="1200" dirty="0">
+                          <a:solidFill>
+                            <a:schemeClr val="dk1"/>
+                          </a:solidFill>
+                          <a:effectLst/>
+                          <a:latin typeface="Cambria" panose="02040503050406030204" pitchFamily="18" charset="0"/>
+                          <a:ea typeface="Cambria" panose="02040503050406030204" pitchFamily="18" charset="0"/>
+                          <a:cs typeface="+mn-cs"/>
+                        </a:rPr>
+                        <a:t>when controlling for other factors.</a:t>
+                      </a:r>
+                    </a:p>
+                  </a:txBody>
+                  <a:tcPr/>
+                </a:tc>
+                <a:extLst>
+                  <a:ext uri="{0D108BD9-81ED-4DB2-BD59-A6C34878D82A}">
+                    <a16:rowId xmlns:a16="http://schemas.microsoft.com/office/drawing/2014/main" val="1099418986"/>
+                  </a:ext>
+                </a:extLst>
+              </a:tr>
+            </a:tbl>
+          </a:graphicData>
+        </a:graphic>
+      </p:graphicFrame>
     </p:spTree>
     <p:extLst>
       <p:ext uri="{BB962C8B-B14F-4D97-AF65-F5344CB8AC3E}">
-        <p14:creationId xmlns:p14="http://schemas.microsoft.com/office/powerpoint/2010/main" val="4195842209"/>
+        <p14:creationId xmlns:p14="http://schemas.microsoft.com/office/powerpoint/2010/main" val="2845724373"/>
       </p:ext>
     </p:extLst>
   </p:cSld>

--- a/deliverables/NBA_Contract_Analysis.pptx
+++ b/deliverables/NBA_Contract_Analysis.pptx
@@ -135,7 +135,7 @@
 <p1510:revInfo xmlns:a="http://schemas.openxmlformats.org/drawingml/2006/main" xmlns:r="http://schemas.openxmlformats.org/officeDocument/2006/relationships" xmlns:p1510="http://schemas.microsoft.com/office/powerpoint/2015/10/main">
   <p1510:revLst>
     <p1510:client id="{05C2F288-028D-442A-8FD9-C7FCD0257FDC}" v="10" dt="2024-02-15T10:15:41.092"/>
-    <p1510:client id="{74841F98-4660-4AFE-AF34-32986CC44DB9}" v="3577" dt="2024-02-15T18:32:21.108"/>
+    <p1510:client id="{74841F98-4660-4AFE-AF34-32986CC44DB9}" v="3600" dt="2024-02-16T00:42:36.675"/>
     <p1510:client id="{E268A8C0-ED7E-4D4B-9678-CF4064E412A3}" v="385" dt="2024-02-15T04:21:47.923"/>
   </p1510:revLst>
 </p1510:revInfo>
@@ -144,20 +144,44 @@
 <file path=ppt/changesInfos/changesInfo1.xml><?xml version="1.0" encoding="utf-8"?>
 <pc:chgInfo xmlns:a="http://schemas.openxmlformats.org/drawingml/2006/main" xmlns:r="http://schemas.openxmlformats.org/officeDocument/2006/relationships" xmlns:ac="http://schemas.microsoft.com/office/drawing/2013/main/command" xmlns:pc="http://schemas.microsoft.com/office/powerpoint/2013/main/command">
   <pc:docChgLst>
-    <pc:chgData name="adrianna high" userId="7fe0b8ed9b039a9f" providerId="Windows Live" clId="Web-{E268A8C0-ED7E-4D4B-9678-CF4064E412A3}"/>
-    <pc:docChg chg="addSld delSld modSld">
-      <pc:chgData name="adrianna high" userId="7fe0b8ed9b039a9f" providerId="Windows Live" clId="Web-{E268A8C0-ED7E-4D4B-9678-CF4064E412A3}" dt="2024-02-15T04:18:30.334" v="317" actId="1076"/>
+    <pc:chgData name="adrianna high" userId="7fe0b8ed9b039a9f" providerId="Windows Live" clId="Web-{FA3F733D-5B00-45C8-B16C-343266E9352E}"/>
+    <pc:docChg chg="modSld">
+      <pc:chgData name="adrianna high" userId="7fe0b8ed9b039a9f" providerId="Windows Live" clId="Web-{FA3F733D-5B00-45C8-B16C-343266E9352E}" dt="2024-02-14T17:37:56.388" v="132" actId="14100"/>
       <pc:docMkLst>
         <pc:docMk/>
       </pc:docMkLst>
-      <pc:sldChg chg="modSp">
-        <pc:chgData name="adrianna high" userId="7fe0b8ed9b039a9f" providerId="Windows Live" clId="Web-{E268A8C0-ED7E-4D4B-9678-CF4064E412A3}" dt="2024-02-14T22:46:29.298" v="316"/>
+      <pc:sldChg chg="addSp delSp modSp">
+        <pc:chgData name="adrianna high" userId="7fe0b8ed9b039a9f" providerId="Windows Live" clId="Web-{FA3F733D-5B00-45C8-B16C-343266E9352E}" dt="2024-02-14T17:37:56.388" v="132" actId="14100"/>
         <pc:sldMkLst>
           <pc:docMk/>
           <pc:sldMk cId="2948029495" sldId="259"/>
         </pc:sldMkLst>
-        <pc:graphicFrameChg chg="mod modGraphic">
-          <ac:chgData name="adrianna high" userId="7fe0b8ed9b039a9f" providerId="Windows Live" clId="Web-{E268A8C0-ED7E-4D4B-9678-CF4064E412A3}" dt="2024-02-14T22:46:29.298" v="316"/>
+        <pc:spChg chg="mod">
+          <ac:chgData name="adrianna high" userId="7fe0b8ed9b039a9f" providerId="Windows Live" clId="Web-{FA3F733D-5B00-45C8-B16C-343266E9352E}" dt="2024-02-14T17:37:56.388" v="132" actId="14100"/>
+          <ac:spMkLst>
+            <pc:docMk/>
+            <pc:sldMk cId="2948029495" sldId="259"/>
+            <ac:spMk id="2" creationId="{842958C5-6ABF-DA4A-2E40-AAB29290853A}"/>
+          </ac:spMkLst>
+        </pc:spChg>
+        <pc:spChg chg="add del mod">
+          <ac:chgData name="adrianna high" userId="7fe0b8ed9b039a9f" providerId="Windows Live" clId="Web-{FA3F733D-5B00-45C8-B16C-343266E9352E}" dt="2024-02-14T17:22:52.506" v="7"/>
+          <ac:spMkLst>
+            <pc:docMk/>
+            <pc:sldMk cId="2948029495" sldId="259"/>
+            <ac:spMk id="3" creationId="{3BE1C0C0-5328-CAAC-F09C-85FDCA5C4BE2}"/>
+          </ac:spMkLst>
+        </pc:spChg>
+        <pc:graphicFrameChg chg="add del mod ord modGraphic">
+          <ac:chgData name="adrianna high" userId="7fe0b8ed9b039a9f" providerId="Windows Live" clId="Web-{FA3F733D-5B00-45C8-B16C-343266E9352E}" dt="2024-02-14T17:22:43.052" v="6"/>
+          <ac:graphicFrameMkLst>
+            <pc:docMk/>
+            <pc:sldMk cId="2948029495" sldId="259"/>
+            <ac:graphicFrameMk id="6" creationId="{D39C5B7C-5D2F-3C7D-47BB-9D9778446FF1}"/>
+          </ac:graphicFrameMkLst>
+        </pc:graphicFrameChg>
+        <pc:graphicFrameChg chg="add mod ord modGraphic">
+          <ac:chgData name="adrianna high" userId="7fe0b8ed9b039a9f" providerId="Windows Live" clId="Web-{FA3F733D-5B00-45C8-B16C-343266E9352E}" dt="2024-02-14T17:37:51.903" v="131"/>
           <ac:graphicFrameMkLst>
             <pc:docMk/>
             <pc:sldMk cId="2948029495" sldId="259"/>
@@ -166,263 +190,17 @@
         </pc:graphicFrameChg>
       </pc:sldChg>
       <pc:sldChg chg="modSp">
-        <pc:chgData name="adrianna high" userId="7fe0b8ed9b039a9f" providerId="Windows Live" clId="Web-{E268A8C0-ED7E-4D4B-9678-CF4064E412A3}" dt="2024-02-15T04:18:30.334" v="317" actId="1076"/>
+        <pc:chgData name="adrianna high" userId="7fe0b8ed9b039a9f" providerId="Windows Live" clId="Web-{FA3F733D-5B00-45C8-B16C-343266E9352E}" dt="2024-02-14T17:23:34.085" v="24"/>
         <pc:sldMkLst>
           <pc:docMk/>
-          <pc:sldMk cId="3384778754" sldId="267"/>
+          <pc:sldMk cId="3856028194" sldId="268"/>
         </pc:sldMkLst>
-        <pc:grpChg chg="mod">
-          <ac:chgData name="adrianna high" userId="7fe0b8ed9b039a9f" providerId="Windows Live" clId="Web-{E268A8C0-ED7E-4D4B-9678-CF4064E412A3}" dt="2024-02-15T04:18:30.334" v="317" actId="1076"/>
-          <ac:grpSpMkLst>
-            <pc:docMk/>
-            <pc:sldMk cId="3384778754" sldId="267"/>
-            <ac:grpSpMk id="14" creationId="{2F83C517-E3F5-4B0E-F8E5-53BE6F4ABEAB}"/>
-          </ac:grpSpMkLst>
-        </pc:grpChg>
-      </pc:sldChg>
-      <pc:sldChg chg="addSp delSp modSp new del">
-        <pc:chgData name="adrianna high" userId="7fe0b8ed9b039a9f" providerId="Windows Live" clId="Web-{E268A8C0-ED7E-4D4B-9678-CF4064E412A3}" dt="2024-02-14T22:33:04.033" v="282"/>
-        <pc:sldMkLst>
-          <pc:docMk/>
-          <pc:sldMk cId="3466518884" sldId="271"/>
-        </pc:sldMkLst>
-        <pc:spChg chg="del">
-          <ac:chgData name="adrianna high" userId="7fe0b8ed9b039a9f" providerId="Windows Live" clId="Web-{E268A8C0-ED7E-4D4B-9678-CF4064E412A3}" dt="2024-02-14T22:26:56.597" v="74"/>
+        <pc:spChg chg="mod">
+          <ac:chgData name="adrianna high" userId="7fe0b8ed9b039a9f" providerId="Windows Live" clId="Web-{FA3F733D-5B00-45C8-B16C-343266E9352E}" dt="2024-02-14T17:23:34.085" v="24"/>
           <ac:spMkLst>
             <pc:docMk/>
-            <pc:sldMk cId="3466518884" sldId="271"/>
-            <ac:spMk id="2" creationId="{97CB9199-8109-0694-9499-3F3FA4AA3F5E}"/>
-          </ac:spMkLst>
-        </pc:spChg>
-        <pc:graphicFrameChg chg="add mod modGraphic">
-          <ac:chgData name="adrianna high" userId="7fe0b8ed9b039a9f" providerId="Windows Live" clId="Web-{E268A8C0-ED7E-4D4B-9678-CF4064E412A3}" dt="2024-02-14T22:27:38.318" v="78"/>
-          <ac:graphicFrameMkLst>
-            <pc:docMk/>
-            <pc:sldMk cId="3466518884" sldId="271"/>
-            <ac:graphicFrameMk id="6" creationId="{A4402E30-D034-C91C-6B39-5232BC1EE437}"/>
-          </ac:graphicFrameMkLst>
-        </pc:graphicFrameChg>
-      </pc:sldChg>
-    </pc:docChg>
-  </pc:docChgLst>
-  <pc:docChgLst>
-    <pc:chgData name="adrianna high" userId="7fe0b8ed9b039a9f" providerId="Windows Live" clId="Web-{2E74000B-6090-4FCB-B7B1-963E5704CB18}"/>
-    <pc:docChg chg="addSld modSld">
-      <pc:chgData name="adrianna high" userId="7fe0b8ed9b039a9f" providerId="Windows Live" clId="Web-{2E74000B-6090-4FCB-B7B1-963E5704CB18}" dt="2024-02-14T00:56:59.410" v="527" actId="20577"/>
-      <pc:docMkLst>
-        <pc:docMk/>
-      </pc:docMkLst>
-      <pc:sldChg chg="modSp">
-        <pc:chgData name="adrianna high" userId="7fe0b8ed9b039a9f" providerId="Windows Live" clId="Web-{2E74000B-6090-4FCB-B7B1-963E5704CB18}" dt="2024-02-14T00:47:19.615" v="289" actId="20577"/>
-        <pc:sldMkLst>
-          <pc:docMk/>
-          <pc:sldMk cId="959647764" sldId="257"/>
-        </pc:sldMkLst>
-        <pc:spChg chg="mod">
-          <ac:chgData name="adrianna high" userId="7fe0b8ed9b039a9f" providerId="Windows Live" clId="Web-{2E74000B-6090-4FCB-B7B1-963E5704CB18}" dt="2024-02-14T00:47:19.615" v="289" actId="20577"/>
-          <ac:spMkLst>
-            <pc:docMk/>
-            <pc:sldMk cId="959647764" sldId="257"/>
-            <ac:spMk id="3" creationId="{2BC85DED-3623-0A7E-EC67-994C8D17202E}"/>
-          </ac:spMkLst>
-        </pc:spChg>
-      </pc:sldChg>
-      <pc:sldChg chg="modSp">
-        <pc:chgData name="adrianna high" userId="7fe0b8ed9b039a9f" providerId="Windows Live" clId="Web-{2E74000B-6090-4FCB-B7B1-963E5704CB18}" dt="2024-02-14T00:52:07.528" v="449" actId="20577"/>
-        <pc:sldMkLst>
-          <pc:docMk/>
-          <pc:sldMk cId="776988672" sldId="258"/>
-        </pc:sldMkLst>
-        <pc:spChg chg="mod">
-          <ac:chgData name="adrianna high" userId="7fe0b8ed9b039a9f" providerId="Windows Live" clId="Web-{2E74000B-6090-4FCB-B7B1-963E5704CB18}" dt="2024-02-14T00:52:07.528" v="449" actId="20577"/>
-          <ac:spMkLst>
-            <pc:docMk/>
-            <pc:sldMk cId="776988672" sldId="258"/>
-            <ac:spMk id="3" creationId="{7319AA31-0D45-40A0-D3DA-9779BA747BCB}"/>
-          </ac:spMkLst>
-        </pc:spChg>
-      </pc:sldChg>
-      <pc:sldChg chg="modSp new">
-        <pc:chgData name="adrianna high" userId="7fe0b8ed9b039a9f" providerId="Windows Live" clId="Web-{2E74000B-6090-4FCB-B7B1-963E5704CB18}" dt="2024-02-14T00:56:59.410" v="527" actId="20577"/>
-        <pc:sldMkLst>
-          <pc:docMk/>
-          <pc:sldMk cId="2948029495" sldId="259"/>
-        </pc:sldMkLst>
-        <pc:spChg chg="mod">
-          <ac:chgData name="adrianna high" userId="7fe0b8ed9b039a9f" providerId="Windows Live" clId="Web-{2E74000B-6090-4FCB-B7B1-963E5704CB18}" dt="2024-02-14T00:47:32.475" v="302" actId="20577"/>
-          <ac:spMkLst>
-            <pc:docMk/>
-            <pc:sldMk cId="2948029495" sldId="259"/>
-            <ac:spMk id="2" creationId="{842958C5-6ABF-DA4A-2E40-AAB29290853A}"/>
-          </ac:spMkLst>
-        </pc:spChg>
-        <pc:spChg chg="mod">
-          <ac:chgData name="adrianna high" userId="7fe0b8ed9b039a9f" providerId="Windows Live" clId="Web-{2E74000B-6090-4FCB-B7B1-963E5704CB18}" dt="2024-02-14T00:56:59.410" v="527" actId="20577"/>
-          <ac:spMkLst>
-            <pc:docMk/>
-            <pc:sldMk cId="2948029495" sldId="259"/>
-            <ac:spMk id="3" creationId="{3BE1C0C0-5328-CAAC-F09C-85FDCA5C4BE2}"/>
-          </ac:spMkLst>
-        </pc:spChg>
-      </pc:sldChg>
-      <pc:sldChg chg="modSp new">
-        <pc:chgData name="adrianna high" userId="7fe0b8ed9b039a9f" providerId="Windows Live" clId="Web-{2E74000B-6090-4FCB-B7B1-963E5704CB18}" dt="2024-02-14T00:54:46.891" v="501" actId="20577"/>
-        <pc:sldMkLst>
-          <pc:docMk/>
-          <pc:sldMk cId="3107315607" sldId="260"/>
-        </pc:sldMkLst>
-        <pc:spChg chg="mod">
-          <ac:chgData name="adrianna high" userId="7fe0b8ed9b039a9f" providerId="Windows Live" clId="Web-{2E74000B-6090-4FCB-B7B1-963E5704CB18}" dt="2024-02-14T00:54:37.891" v="486" actId="20577"/>
-          <ac:spMkLst>
-            <pc:docMk/>
-            <pc:sldMk cId="3107315607" sldId="260"/>
-            <ac:spMk id="2" creationId="{03A414A1-5137-47D7-A141-603EA2A33433}"/>
-          </ac:spMkLst>
-        </pc:spChg>
-        <pc:spChg chg="mod">
-          <ac:chgData name="adrianna high" userId="7fe0b8ed9b039a9f" providerId="Windows Live" clId="Web-{2E74000B-6090-4FCB-B7B1-963E5704CB18}" dt="2024-02-14T00:54:46.891" v="501" actId="20577"/>
-          <ac:spMkLst>
-            <pc:docMk/>
-            <pc:sldMk cId="3107315607" sldId="260"/>
-            <ac:spMk id="3" creationId="{8B583376-47EE-6C92-10F1-76418159C07F}"/>
-          </ac:spMkLst>
-        </pc:spChg>
-      </pc:sldChg>
-      <pc:sldChg chg="modSp add replId">
-        <pc:chgData name="adrianna high" userId="7fe0b8ed9b039a9f" providerId="Windows Live" clId="Web-{2E74000B-6090-4FCB-B7B1-963E5704CB18}" dt="2024-02-14T00:54:49.579" v="504" actId="20577"/>
-        <pc:sldMkLst>
-          <pc:docMk/>
-          <pc:sldMk cId="2457800766" sldId="261"/>
-        </pc:sldMkLst>
-        <pc:spChg chg="mod">
-          <ac:chgData name="adrianna high" userId="7fe0b8ed9b039a9f" providerId="Windows Live" clId="Web-{2E74000B-6090-4FCB-B7B1-963E5704CB18}" dt="2024-02-14T00:49:19.556" v="377" actId="20577"/>
-          <ac:spMkLst>
-            <pc:docMk/>
-            <pc:sldMk cId="2457800766" sldId="261"/>
-            <ac:spMk id="2" creationId="{03A414A1-5137-47D7-A141-603EA2A33433}"/>
-          </ac:spMkLst>
-        </pc:spChg>
-        <pc:spChg chg="mod">
-          <ac:chgData name="adrianna high" userId="7fe0b8ed9b039a9f" providerId="Windows Live" clId="Web-{2E74000B-6090-4FCB-B7B1-963E5704CB18}" dt="2024-02-14T00:54:49.579" v="504" actId="20577"/>
-          <ac:spMkLst>
-            <pc:docMk/>
-            <pc:sldMk cId="2457800766" sldId="261"/>
-            <ac:spMk id="3" creationId="{8B583376-47EE-6C92-10F1-76418159C07F}"/>
-          </ac:spMkLst>
-        </pc:spChg>
-      </pc:sldChg>
-      <pc:sldChg chg="modSp new">
-        <pc:chgData name="adrianna high" userId="7fe0b8ed9b039a9f" providerId="Windows Live" clId="Web-{2E74000B-6090-4FCB-B7B1-963E5704CB18}" dt="2024-02-14T00:54:53.188" v="505" actId="20577"/>
-        <pc:sldMkLst>
-          <pc:docMk/>
-          <pc:sldMk cId="4195842209" sldId="262"/>
-        </pc:sldMkLst>
-        <pc:spChg chg="mod">
-          <ac:chgData name="adrianna high" userId="7fe0b8ed9b039a9f" providerId="Windows Live" clId="Web-{2E74000B-6090-4FCB-B7B1-963E5704CB18}" dt="2024-02-14T00:50:12.572" v="402" actId="20577"/>
-          <ac:spMkLst>
-            <pc:docMk/>
-            <pc:sldMk cId="4195842209" sldId="262"/>
-            <ac:spMk id="2" creationId="{745BC7FB-FD03-C088-3B5F-76D0C6C100A9}"/>
-          </ac:spMkLst>
-        </pc:spChg>
-        <pc:spChg chg="mod">
-          <ac:chgData name="adrianna high" userId="7fe0b8ed9b039a9f" providerId="Windows Live" clId="Web-{2E74000B-6090-4FCB-B7B1-963E5704CB18}" dt="2024-02-14T00:54:53.188" v="505" actId="20577"/>
-          <ac:spMkLst>
-            <pc:docMk/>
-            <pc:sldMk cId="4195842209" sldId="262"/>
-            <ac:spMk id="3" creationId="{985F8F6F-F101-71F1-2B27-BAD2B83B5680}"/>
-          </ac:spMkLst>
-        </pc:spChg>
-      </pc:sldChg>
-      <pc:sldChg chg="modSp add replId">
-        <pc:chgData name="adrianna high" userId="7fe0b8ed9b039a9f" providerId="Windows Live" clId="Web-{2E74000B-6090-4FCB-B7B1-963E5704CB18}" dt="2024-02-14T00:54:55.110" v="506" actId="20577"/>
-        <pc:sldMkLst>
-          <pc:docMk/>
-          <pc:sldMk cId="677927871" sldId="263"/>
-        </pc:sldMkLst>
-        <pc:spChg chg="mod">
-          <ac:chgData name="adrianna high" userId="7fe0b8ed9b039a9f" providerId="Windows Live" clId="Web-{2E74000B-6090-4FCB-B7B1-963E5704CB18}" dt="2024-02-14T00:50:17.823" v="405" actId="20577"/>
-          <ac:spMkLst>
-            <pc:docMk/>
-            <pc:sldMk cId="677927871" sldId="263"/>
-            <ac:spMk id="2" creationId="{745BC7FB-FD03-C088-3B5F-76D0C6C100A9}"/>
-          </ac:spMkLst>
-        </pc:spChg>
-        <pc:spChg chg="mod">
-          <ac:chgData name="adrianna high" userId="7fe0b8ed9b039a9f" providerId="Windows Live" clId="Web-{2E74000B-6090-4FCB-B7B1-963E5704CB18}" dt="2024-02-14T00:54:55.110" v="506" actId="20577"/>
-          <ac:spMkLst>
-            <pc:docMk/>
-            <pc:sldMk cId="677927871" sldId="263"/>
-            <ac:spMk id="3" creationId="{985F8F6F-F101-71F1-2B27-BAD2B83B5680}"/>
-          </ac:spMkLst>
-        </pc:spChg>
-      </pc:sldChg>
-      <pc:sldChg chg="modSp new">
-        <pc:chgData name="adrianna high" userId="7fe0b8ed9b039a9f" providerId="Windows Live" clId="Web-{2E74000B-6090-4FCB-B7B1-963E5704CB18}" dt="2024-02-14T00:55:13.376" v="508" actId="20577"/>
-        <pc:sldMkLst>
-          <pc:docMk/>
-          <pc:sldMk cId="36768095" sldId="264"/>
-        </pc:sldMkLst>
-        <pc:spChg chg="mod">
-          <ac:chgData name="adrianna high" userId="7fe0b8ed9b039a9f" providerId="Windows Live" clId="Web-{2E74000B-6090-4FCB-B7B1-963E5704CB18}" dt="2024-02-14T00:53:08.264" v="456" actId="20577"/>
-          <ac:spMkLst>
-            <pc:docMk/>
-            <pc:sldMk cId="36768095" sldId="264"/>
-            <ac:spMk id="2" creationId="{AEFCC3F2-09C5-B544-E9F0-866E7E868920}"/>
-          </ac:spMkLst>
-        </pc:spChg>
-        <pc:spChg chg="mod">
-          <ac:chgData name="adrianna high" userId="7fe0b8ed9b039a9f" providerId="Windows Live" clId="Web-{2E74000B-6090-4FCB-B7B1-963E5704CB18}" dt="2024-02-14T00:55:13.376" v="508" actId="20577"/>
-          <ac:spMkLst>
-            <pc:docMk/>
-            <pc:sldMk cId="36768095" sldId="264"/>
-            <ac:spMk id="3" creationId="{14FFFCE2-7ED1-FFA6-3231-2B9AE1F7DC13}"/>
-          </ac:spMkLst>
-        </pc:spChg>
-      </pc:sldChg>
-      <pc:sldChg chg="modSp add replId">
-        <pc:chgData name="adrianna high" userId="7fe0b8ed9b039a9f" providerId="Windows Live" clId="Web-{2E74000B-6090-4FCB-B7B1-963E5704CB18}" dt="2024-02-14T00:54:11.172" v="484" actId="20577"/>
-        <pc:sldMkLst>
-          <pc:docMk/>
-          <pc:sldMk cId="2961631173" sldId="265"/>
-        </pc:sldMkLst>
-        <pc:spChg chg="mod">
-          <ac:chgData name="adrianna high" userId="7fe0b8ed9b039a9f" providerId="Windows Live" clId="Web-{2E74000B-6090-4FCB-B7B1-963E5704CB18}" dt="2024-02-14T00:50:53.074" v="443" actId="20577"/>
-          <ac:spMkLst>
-            <pc:docMk/>
-            <pc:sldMk cId="2961631173" sldId="265"/>
-            <ac:spMk id="2" creationId="{AEFCC3F2-09C5-B544-E9F0-866E7E868920}"/>
-          </ac:spMkLst>
-        </pc:spChg>
-        <pc:spChg chg="mod">
-          <ac:chgData name="adrianna high" userId="7fe0b8ed9b039a9f" providerId="Windows Live" clId="Web-{2E74000B-6090-4FCB-B7B1-963E5704CB18}" dt="2024-02-14T00:54:11.172" v="484" actId="20577"/>
-          <ac:spMkLst>
-            <pc:docMk/>
-            <pc:sldMk cId="2961631173" sldId="265"/>
-            <ac:spMk id="3" creationId="{14FFFCE2-7ED1-FFA6-3231-2B9AE1F7DC13}"/>
-          </ac:spMkLst>
-        </pc:spChg>
-      </pc:sldChg>
-      <pc:sldChg chg="modSp new">
-        <pc:chgData name="adrianna high" userId="7fe0b8ed9b039a9f" providerId="Windows Live" clId="Web-{2E74000B-6090-4FCB-B7B1-963E5704CB18}" dt="2024-02-14T00:53:59.375" v="482" actId="20577"/>
-        <pc:sldMkLst>
-          <pc:docMk/>
-          <pc:sldMk cId="4268355769" sldId="266"/>
-        </pc:sldMkLst>
-        <pc:spChg chg="mod">
-          <ac:chgData name="adrianna high" userId="7fe0b8ed9b039a9f" providerId="Windows Live" clId="Web-{2E74000B-6090-4FCB-B7B1-963E5704CB18}" dt="2024-02-14T00:53:39.593" v="478" actId="20577"/>
-          <ac:spMkLst>
-            <pc:docMk/>
-            <pc:sldMk cId="4268355769" sldId="266"/>
-            <ac:spMk id="2" creationId="{0BB22B86-7124-658D-FDF5-68C07B159DF6}"/>
-          </ac:spMkLst>
-        </pc:spChg>
-        <pc:spChg chg="mod">
-          <ac:chgData name="adrianna high" userId="7fe0b8ed9b039a9f" providerId="Windows Live" clId="Web-{2E74000B-6090-4FCB-B7B1-963E5704CB18}" dt="2024-02-14T00:53:59.375" v="482" actId="20577"/>
-          <ac:spMkLst>
-            <pc:docMk/>
-            <pc:sldMk cId="4268355769" sldId="266"/>
-            <ac:spMk id="3" creationId="{C0A1AF74-9AB6-73DC-C760-F38C6B22414E}"/>
+            <pc:sldMk cId="3856028194" sldId="268"/>
+            <ac:spMk id="10" creationId="{A378EF1F-C45D-318D-7435-DBCB564E3AD6}"/>
           </ac:spMkLst>
         </pc:spChg>
       </pc:sldChg>
@@ -431,7 +209,7 @@
   <pc:docChgLst>
     <pc:chgData name="Damond Allen" userId="6c6325700e18a419" providerId="LiveId" clId="{74841F98-4660-4AFE-AF34-32986CC44DB9}"/>
     <pc:docChg chg="undo redo custSel addSld delSld modSld sldOrd modMainMaster">
-      <pc:chgData name="Damond Allen" userId="6c6325700e18a419" providerId="LiveId" clId="{74841F98-4660-4AFE-AF34-32986CC44DB9}" dt="2024-02-15T21:33:47.686" v="10259" actId="948"/>
+      <pc:chgData name="Damond Allen" userId="6c6325700e18a419" providerId="LiveId" clId="{74841F98-4660-4AFE-AF34-32986CC44DB9}" dt="2024-02-16T00:42:36.675" v="10283" actId="20577"/>
       <pc:docMkLst>
         <pc:docMk/>
       </pc:docMkLst>
@@ -1086,7 +864,7 @@
         </pc:picChg>
       </pc:sldChg>
       <pc:sldChg chg="modSp add mod ord">
-        <pc:chgData name="Damond Allen" userId="6c6325700e18a419" providerId="LiveId" clId="{74841F98-4660-4AFE-AF34-32986CC44DB9}" dt="2024-02-15T21:33:47.686" v="10259" actId="948"/>
+        <pc:chgData name="Damond Allen" userId="6c6325700e18a419" providerId="LiveId" clId="{74841F98-4660-4AFE-AF34-32986CC44DB9}" dt="2024-02-16T00:42:36.675" v="10283" actId="20577"/>
         <pc:sldMkLst>
           <pc:docMk/>
           <pc:sldMk cId="3051530166" sldId="270"/>
@@ -1100,7 +878,7 @@
           </ac:spMkLst>
         </pc:spChg>
         <pc:spChg chg="mod">
-          <ac:chgData name="Damond Allen" userId="6c6325700e18a419" providerId="LiveId" clId="{74841F98-4660-4AFE-AF34-32986CC44DB9}" dt="2024-02-15T21:33:47.686" v="10259" actId="948"/>
+          <ac:chgData name="Damond Allen" userId="6c6325700e18a419" providerId="LiveId" clId="{74841F98-4660-4AFE-AF34-32986CC44DB9}" dt="2024-02-16T00:42:36.675" v="10283" actId="20577"/>
           <ac:spMkLst>
             <pc:docMk/>
             <pc:sldMk cId="3051530166" sldId="270"/>
@@ -1440,69 +1218,6 @@
     </pc:docChg>
   </pc:docChgLst>
   <pc:docChgLst>
-    <pc:chgData name="adrianna high" userId="7fe0b8ed9b039a9f" providerId="Windows Live" clId="Web-{FA3F733D-5B00-45C8-B16C-343266E9352E}"/>
-    <pc:docChg chg="modSld">
-      <pc:chgData name="adrianna high" userId="7fe0b8ed9b039a9f" providerId="Windows Live" clId="Web-{FA3F733D-5B00-45C8-B16C-343266E9352E}" dt="2024-02-14T17:37:56.388" v="132" actId="14100"/>
-      <pc:docMkLst>
-        <pc:docMk/>
-      </pc:docMkLst>
-      <pc:sldChg chg="addSp delSp modSp">
-        <pc:chgData name="adrianna high" userId="7fe0b8ed9b039a9f" providerId="Windows Live" clId="Web-{FA3F733D-5B00-45C8-B16C-343266E9352E}" dt="2024-02-14T17:37:56.388" v="132" actId="14100"/>
-        <pc:sldMkLst>
-          <pc:docMk/>
-          <pc:sldMk cId="2948029495" sldId="259"/>
-        </pc:sldMkLst>
-        <pc:spChg chg="mod">
-          <ac:chgData name="adrianna high" userId="7fe0b8ed9b039a9f" providerId="Windows Live" clId="Web-{FA3F733D-5B00-45C8-B16C-343266E9352E}" dt="2024-02-14T17:37:56.388" v="132" actId="14100"/>
-          <ac:spMkLst>
-            <pc:docMk/>
-            <pc:sldMk cId="2948029495" sldId="259"/>
-            <ac:spMk id="2" creationId="{842958C5-6ABF-DA4A-2E40-AAB29290853A}"/>
-          </ac:spMkLst>
-        </pc:spChg>
-        <pc:spChg chg="add del mod">
-          <ac:chgData name="adrianna high" userId="7fe0b8ed9b039a9f" providerId="Windows Live" clId="Web-{FA3F733D-5B00-45C8-B16C-343266E9352E}" dt="2024-02-14T17:22:52.506" v="7"/>
-          <ac:spMkLst>
-            <pc:docMk/>
-            <pc:sldMk cId="2948029495" sldId="259"/>
-            <ac:spMk id="3" creationId="{3BE1C0C0-5328-CAAC-F09C-85FDCA5C4BE2}"/>
-          </ac:spMkLst>
-        </pc:spChg>
-        <pc:graphicFrameChg chg="add del mod ord modGraphic">
-          <ac:chgData name="adrianna high" userId="7fe0b8ed9b039a9f" providerId="Windows Live" clId="Web-{FA3F733D-5B00-45C8-B16C-343266E9352E}" dt="2024-02-14T17:22:43.052" v="6"/>
-          <ac:graphicFrameMkLst>
-            <pc:docMk/>
-            <pc:sldMk cId="2948029495" sldId="259"/>
-            <ac:graphicFrameMk id="6" creationId="{D39C5B7C-5D2F-3C7D-47BB-9D9778446FF1}"/>
-          </ac:graphicFrameMkLst>
-        </pc:graphicFrameChg>
-        <pc:graphicFrameChg chg="add mod ord modGraphic">
-          <ac:chgData name="adrianna high" userId="7fe0b8ed9b039a9f" providerId="Windows Live" clId="Web-{FA3F733D-5B00-45C8-B16C-343266E9352E}" dt="2024-02-14T17:37:51.903" v="131"/>
-          <ac:graphicFrameMkLst>
-            <pc:docMk/>
-            <pc:sldMk cId="2948029495" sldId="259"/>
-            <ac:graphicFrameMk id="8" creationId="{D7081374-0E27-DB69-2A33-CC49BCAD469B}"/>
-          </ac:graphicFrameMkLst>
-        </pc:graphicFrameChg>
-      </pc:sldChg>
-      <pc:sldChg chg="modSp">
-        <pc:chgData name="adrianna high" userId="7fe0b8ed9b039a9f" providerId="Windows Live" clId="Web-{FA3F733D-5B00-45C8-B16C-343266E9352E}" dt="2024-02-14T17:23:34.085" v="24"/>
-        <pc:sldMkLst>
-          <pc:docMk/>
-          <pc:sldMk cId="3856028194" sldId="268"/>
-        </pc:sldMkLst>
-        <pc:spChg chg="mod">
-          <ac:chgData name="adrianna high" userId="7fe0b8ed9b039a9f" providerId="Windows Live" clId="Web-{FA3F733D-5B00-45C8-B16C-343266E9352E}" dt="2024-02-14T17:23:34.085" v="24"/>
-          <ac:spMkLst>
-            <pc:docMk/>
-            <pc:sldMk cId="3856028194" sldId="268"/>
-            <ac:spMk id="10" creationId="{A378EF1F-C45D-318D-7435-DBCB564E3AD6}"/>
-          </ac:spMkLst>
-        </pc:spChg>
-      </pc:sldChg>
-    </pc:docChg>
-  </pc:docChgLst>
-  <pc:docChgLst>
     <pc:chgData name="adrianna high" userId="7fe0b8ed9b039a9f" providerId="Windows Live" clId="Web-{05C2F288-028D-442A-8FD9-C7FCD0257FDC}"/>
     <pc:docChg chg="modSld">
       <pc:chgData name="adrianna high" userId="7fe0b8ed9b039a9f" providerId="Windows Live" clId="Web-{05C2F288-028D-442A-8FD9-C7FCD0257FDC}" dt="2024-02-15T10:15:40.342" v="9" actId="14100"/>
@@ -1521,6 +1236,291 @@
             <pc:docMk/>
             <pc:sldMk cId="2457800766" sldId="261"/>
             <ac:spMk id="3" creationId="{8B583376-47EE-6C92-10F1-76418159C07F}"/>
+          </ac:spMkLst>
+        </pc:spChg>
+      </pc:sldChg>
+    </pc:docChg>
+  </pc:docChgLst>
+  <pc:docChgLst>
+    <pc:chgData name="adrianna high" userId="7fe0b8ed9b039a9f" providerId="Windows Live" clId="Web-{E268A8C0-ED7E-4D4B-9678-CF4064E412A3}"/>
+    <pc:docChg chg="addSld delSld modSld">
+      <pc:chgData name="adrianna high" userId="7fe0b8ed9b039a9f" providerId="Windows Live" clId="Web-{E268A8C0-ED7E-4D4B-9678-CF4064E412A3}" dt="2024-02-15T04:18:30.334" v="317" actId="1076"/>
+      <pc:docMkLst>
+        <pc:docMk/>
+      </pc:docMkLst>
+      <pc:sldChg chg="modSp">
+        <pc:chgData name="adrianna high" userId="7fe0b8ed9b039a9f" providerId="Windows Live" clId="Web-{E268A8C0-ED7E-4D4B-9678-CF4064E412A3}" dt="2024-02-14T22:46:29.298" v="316"/>
+        <pc:sldMkLst>
+          <pc:docMk/>
+          <pc:sldMk cId="2948029495" sldId="259"/>
+        </pc:sldMkLst>
+        <pc:graphicFrameChg chg="mod modGraphic">
+          <ac:chgData name="adrianna high" userId="7fe0b8ed9b039a9f" providerId="Windows Live" clId="Web-{E268A8C0-ED7E-4D4B-9678-CF4064E412A3}" dt="2024-02-14T22:46:29.298" v="316"/>
+          <ac:graphicFrameMkLst>
+            <pc:docMk/>
+            <pc:sldMk cId="2948029495" sldId="259"/>
+            <ac:graphicFrameMk id="8" creationId="{D7081374-0E27-DB69-2A33-CC49BCAD469B}"/>
+          </ac:graphicFrameMkLst>
+        </pc:graphicFrameChg>
+      </pc:sldChg>
+      <pc:sldChg chg="modSp">
+        <pc:chgData name="adrianna high" userId="7fe0b8ed9b039a9f" providerId="Windows Live" clId="Web-{E268A8C0-ED7E-4D4B-9678-CF4064E412A3}" dt="2024-02-15T04:18:30.334" v="317" actId="1076"/>
+        <pc:sldMkLst>
+          <pc:docMk/>
+          <pc:sldMk cId="3384778754" sldId="267"/>
+        </pc:sldMkLst>
+        <pc:grpChg chg="mod">
+          <ac:chgData name="adrianna high" userId="7fe0b8ed9b039a9f" providerId="Windows Live" clId="Web-{E268A8C0-ED7E-4D4B-9678-CF4064E412A3}" dt="2024-02-15T04:18:30.334" v="317" actId="1076"/>
+          <ac:grpSpMkLst>
+            <pc:docMk/>
+            <pc:sldMk cId="3384778754" sldId="267"/>
+            <ac:grpSpMk id="14" creationId="{2F83C517-E3F5-4B0E-F8E5-53BE6F4ABEAB}"/>
+          </ac:grpSpMkLst>
+        </pc:grpChg>
+      </pc:sldChg>
+      <pc:sldChg chg="addSp delSp modSp new del">
+        <pc:chgData name="adrianna high" userId="7fe0b8ed9b039a9f" providerId="Windows Live" clId="Web-{E268A8C0-ED7E-4D4B-9678-CF4064E412A3}" dt="2024-02-14T22:33:04.033" v="282"/>
+        <pc:sldMkLst>
+          <pc:docMk/>
+          <pc:sldMk cId="3466518884" sldId="271"/>
+        </pc:sldMkLst>
+        <pc:spChg chg="del">
+          <ac:chgData name="adrianna high" userId="7fe0b8ed9b039a9f" providerId="Windows Live" clId="Web-{E268A8C0-ED7E-4D4B-9678-CF4064E412A3}" dt="2024-02-14T22:26:56.597" v="74"/>
+          <ac:spMkLst>
+            <pc:docMk/>
+            <pc:sldMk cId="3466518884" sldId="271"/>
+            <ac:spMk id="2" creationId="{97CB9199-8109-0694-9499-3F3FA4AA3F5E}"/>
+          </ac:spMkLst>
+        </pc:spChg>
+        <pc:graphicFrameChg chg="add mod modGraphic">
+          <ac:chgData name="adrianna high" userId="7fe0b8ed9b039a9f" providerId="Windows Live" clId="Web-{E268A8C0-ED7E-4D4B-9678-CF4064E412A3}" dt="2024-02-14T22:27:38.318" v="78"/>
+          <ac:graphicFrameMkLst>
+            <pc:docMk/>
+            <pc:sldMk cId="3466518884" sldId="271"/>
+            <ac:graphicFrameMk id="6" creationId="{A4402E30-D034-C91C-6B39-5232BC1EE437}"/>
+          </ac:graphicFrameMkLst>
+        </pc:graphicFrameChg>
+      </pc:sldChg>
+    </pc:docChg>
+  </pc:docChgLst>
+  <pc:docChgLst>
+    <pc:chgData name="adrianna high" userId="7fe0b8ed9b039a9f" providerId="Windows Live" clId="Web-{2E74000B-6090-4FCB-B7B1-963E5704CB18}"/>
+    <pc:docChg chg="addSld modSld">
+      <pc:chgData name="adrianna high" userId="7fe0b8ed9b039a9f" providerId="Windows Live" clId="Web-{2E74000B-6090-4FCB-B7B1-963E5704CB18}" dt="2024-02-14T00:56:59.410" v="527" actId="20577"/>
+      <pc:docMkLst>
+        <pc:docMk/>
+      </pc:docMkLst>
+      <pc:sldChg chg="modSp">
+        <pc:chgData name="adrianna high" userId="7fe0b8ed9b039a9f" providerId="Windows Live" clId="Web-{2E74000B-6090-4FCB-B7B1-963E5704CB18}" dt="2024-02-14T00:47:19.615" v="289" actId="20577"/>
+        <pc:sldMkLst>
+          <pc:docMk/>
+          <pc:sldMk cId="959647764" sldId="257"/>
+        </pc:sldMkLst>
+        <pc:spChg chg="mod">
+          <ac:chgData name="adrianna high" userId="7fe0b8ed9b039a9f" providerId="Windows Live" clId="Web-{2E74000B-6090-4FCB-B7B1-963E5704CB18}" dt="2024-02-14T00:47:19.615" v="289" actId="20577"/>
+          <ac:spMkLst>
+            <pc:docMk/>
+            <pc:sldMk cId="959647764" sldId="257"/>
+            <ac:spMk id="3" creationId="{2BC85DED-3623-0A7E-EC67-994C8D17202E}"/>
+          </ac:spMkLst>
+        </pc:spChg>
+      </pc:sldChg>
+      <pc:sldChg chg="modSp">
+        <pc:chgData name="adrianna high" userId="7fe0b8ed9b039a9f" providerId="Windows Live" clId="Web-{2E74000B-6090-4FCB-B7B1-963E5704CB18}" dt="2024-02-14T00:52:07.528" v="449" actId="20577"/>
+        <pc:sldMkLst>
+          <pc:docMk/>
+          <pc:sldMk cId="776988672" sldId="258"/>
+        </pc:sldMkLst>
+        <pc:spChg chg="mod">
+          <ac:chgData name="adrianna high" userId="7fe0b8ed9b039a9f" providerId="Windows Live" clId="Web-{2E74000B-6090-4FCB-B7B1-963E5704CB18}" dt="2024-02-14T00:52:07.528" v="449" actId="20577"/>
+          <ac:spMkLst>
+            <pc:docMk/>
+            <pc:sldMk cId="776988672" sldId="258"/>
+            <ac:spMk id="3" creationId="{7319AA31-0D45-40A0-D3DA-9779BA747BCB}"/>
+          </ac:spMkLst>
+        </pc:spChg>
+      </pc:sldChg>
+      <pc:sldChg chg="modSp new">
+        <pc:chgData name="adrianna high" userId="7fe0b8ed9b039a9f" providerId="Windows Live" clId="Web-{2E74000B-6090-4FCB-B7B1-963E5704CB18}" dt="2024-02-14T00:56:59.410" v="527" actId="20577"/>
+        <pc:sldMkLst>
+          <pc:docMk/>
+          <pc:sldMk cId="2948029495" sldId="259"/>
+        </pc:sldMkLst>
+        <pc:spChg chg="mod">
+          <ac:chgData name="adrianna high" userId="7fe0b8ed9b039a9f" providerId="Windows Live" clId="Web-{2E74000B-6090-4FCB-B7B1-963E5704CB18}" dt="2024-02-14T00:47:32.475" v="302" actId="20577"/>
+          <ac:spMkLst>
+            <pc:docMk/>
+            <pc:sldMk cId="2948029495" sldId="259"/>
+            <ac:spMk id="2" creationId="{842958C5-6ABF-DA4A-2E40-AAB29290853A}"/>
+          </ac:spMkLst>
+        </pc:spChg>
+        <pc:spChg chg="mod">
+          <ac:chgData name="adrianna high" userId="7fe0b8ed9b039a9f" providerId="Windows Live" clId="Web-{2E74000B-6090-4FCB-B7B1-963E5704CB18}" dt="2024-02-14T00:56:59.410" v="527" actId="20577"/>
+          <ac:spMkLst>
+            <pc:docMk/>
+            <pc:sldMk cId="2948029495" sldId="259"/>
+            <ac:spMk id="3" creationId="{3BE1C0C0-5328-CAAC-F09C-85FDCA5C4BE2}"/>
+          </ac:spMkLst>
+        </pc:spChg>
+      </pc:sldChg>
+      <pc:sldChg chg="modSp new">
+        <pc:chgData name="adrianna high" userId="7fe0b8ed9b039a9f" providerId="Windows Live" clId="Web-{2E74000B-6090-4FCB-B7B1-963E5704CB18}" dt="2024-02-14T00:54:46.891" v="501" actId="20577"/>
+        <pc:sldMkLst>
+          <pc:docMk/>
+          <pc:sldMk cId="3107315607" sldId="260"/>
+        </pc:sldMkLst>
+        <pc:spChg chg="mod">
+          <ac:chgData name="adrianna high" userId="7fe0b8ed9b039a9f" providerId="Windows Live" clId="Web-{2E74000B-6090-4FCB-B7B1-963E5704CB18}" dt="2024-02-14T00:54:37.891" v="486" actId="20577"/>
+          <ac:spMkLst>
+            <pc:docMk/>
+            <pc:sldMk cId="3107315607" sldId="260"/>
+            <ac:spMk id="2" creationId="{03A414A1-5137-47D7-A141-603EA2A33433}"/>
+          </ac:spMkLst>
+        </pc:spChg>
+        <pc:spChg chg="mod">
+          <ac:chgData name="adrianna high" userId="7fe0b8ed9b039a9f" providerId="Windows Live" clId="Web-{2E74000B-6090-4FCB-B7B1-963E5704CB18}" dt="2024-02-14T00:54:46.891" v="501" actId="20577"/>
+          <ac:spMkLst>
+            <pc:docMk/>
+            <pc:sldMk cId="3107315607" sldId="260"/>
+            <ac:spMk id="3" creationId="{8B583376-47EE-6C92-10F1-76418159C07F}"/>
+          </ac:spMkLst>
+        </pc:spChg>
+      </pc:sldChg>
+      <pc:sldChg chg="modSp add replId">
+        <pc:chgData name="adrianna high" userId="7fe0b8ed9b039a9f" providerId="Windows Live" clId="Web-{2E74000B-6090-4FCB-B7B1-963E5704CB18}" dt="2024-02-14T00:54:49.579" v="504" actId="20577"/>
+        <pc:sldMkLst>
+          <pc:docMk/>
+          <pc:sldMk cId="2457800766" sldId="261"/>
+        </pc:sldMkLst>
+        <pc:spChg chg="mod">
+          <ac:chgData name="adrianna high" userId="7fe0b8ed9b039a9f" providerId="Windows Live" clId="Web-{2E74000B-6090-4FCB-B7B1-963E5704CB18}" dt="2024-02-14T00:49:19.556" v="377" actId="20577"/>
+          <ac:spMkLst>
+            <pc:docMk/>
+            <pc:sldMk cId="2457800766" sldId="261"/>
+            <ac:spMk id="2" creationId="{03A414A1-5137-47D7-A141-603EA2A33433}"/>
+          </ac:spMkLst>
+        </pc:spChg>
+        <pc:spChg chg="mod">
+          <ac:chgData name="adrianna high" userId="7fe0b8ed9b039a9f" providerId="Windows Live" clId="Web-{2E74000B-6090-4FCB-B7B1-963E5704CB18}" dt="2024-02-14T00:54:49.579" v="504" actId="20577"/>
+          <ac:spMkLst>
+            <pc:docMk/>
+            <pc:sldMk cId="2457800766" sldId="261"/>
+            <ac:spMk id="3" creationId="{8B583376-47EE-6C92-10F1-76418159C07F}"/>
+          </ac:spMkLst>
+        </pc:spChg>
+      </pc:sldChg>
+      <pc:sldChg chg="modSp new">
+        <pc:chgData name="adrianna high" userId="7fe0b8ed9b039a9f" providerId="Windows Live" clId="Web-{2E74000B-6090-4FCB-B7B1-963E5704CB18}" dt="2024-02-14T00:54:53.188" v="505" actId="20577"/>
+        <pc:sldMkLst>
+          <pc:docMk/>
+          <pc:sldMk cId="4195842209" sldId="262"/>
+        </pc:sldMkLst>
+        <pc:spChg chg="mod">
+          <ac:chgData name="adrianna high" userId="7fe0b8ed9b039a9f" providerId="Windows Live" clId="Web-{2E74000B-6090-4FCB-B7B1-963E5704CB18}" dt="2024-02-14T00:50:12.572" v="402" actId="20577"/>
+          <ac:spMkLst>
+            <pc:docMk/>
+            <pc:sldMk cId="4195842209" sldId="262"/>
+            <ac:spMk id="2" creationId="{745BC7FB-FD03-C088-3B5F-76D0C6C100A9}"/>
+          </ac:spMkLst>
+        </pc:spChg>
+        <pc:spChg chg="mod">
+          <ac:chgData name="adrianna high" userId="7fe0b8ed9b039a9f" providerId="Windows Live" clId="Web-{2E74000B-6090-4FCB-B7B1-963E5704CB18}" dt="2024-02-14T00:54:53.188" v="505" actId="20577"/>
+          <ac:spMkLst>
+            <pc:docMk/>
+            <pc:sldMk cId="4195842209" sldId="262"/>
+            <ac:spMk id="3" creationId="{985F8F6F-F101-71F1-2B27-BAD2B83B5680}"/>
+          </ac:spMkLst>
+        </pc:spChg>
+      </pc:sldChg>
+      <pc:sldChg chg="modSp add replId">
+        <pc:chgData name="adrianna high" userId="7fe0b8ed9b039a9f" providerId="Windows Live" clId="Web-{2E74000B-6090-4FCB-B7B1-963E5704CB18}" dt="2024-02-14T00:54:55.110" v="506" actId="20577"/>
+        <pc:sldMkLst>
+          <pc:docMk/>
+          <pc:sldMk cId="677927871" sldId="263"/>
+        </pc:sldMkLst>
+        <pc:spChg chg="mod">
+          <ac:chgData name="adrianna high" userId="7fe0b8ed9b039a9f" providerId="Windows Live" clId="Web-{2E74000B-6090-4FCB-B7B1-963E5704CB18}" dt="2024-02-14T00:50:17.823" v="405" actId="20577"/>
+          <ac:spMkLst>
+            <pc:docMk/>
+            <pc:sldMk cId="677927871" sldId="263"/>
+            <ac:spMk id="2" creationId="{745BC7FB-FD03-C088-3B5F-76D0C6C100A9}"/>
+          </ac:spMkLst>
+        </pc:spChg>
+        <pc:spChg chg="mod">
+          <ac:chgData name="adrianna high" userId="7fe0b8ed9b039a9f" providerId="Windows Live" clId="Web-{2E74000B-6090-4FCB-B7B1-963E5704CB18}" dt="2024-02-14T00:54:55.110" v="506" actId="20577"/>
+          <ac:spMkLst>
+            <pc:docMk/>
+            <pc:sldMk cId="677927871" sldId="263"/>
+            <ac:spMk id="3" creationId="{985F8F6F-F101-71F1-2B27-BAD2B83B5680}"/>
+          </ac:spMkLst>
+        </pc:spChg>
+      </pc:sldChg>
+      <pc:sldChg chg="modSp new">
+        <pc:chgData name="adrianna high" userId="7fe0b8ed9b039a9f" providerId="Windows Live" clId="Web-{2E74000B-6090-4FCB-B7B1-963E5704CB18}" dt="2024-02-14T00:55:13.376" v="508" actId="20577"/>
+        <pc:sldMkLst>
+          <pc:docMk/>
+          <pc:sldMk cId="36768095" sldId="264"/>
+        </pc:sldMkLst>
+        <pc:spChg chg="mod">
+          <ac:chgData name="adrianna high" userId="7fe0b8ed9b039a9f" providerId="Windows Live" clId="Web-{2E74000B-6090-4FCB-B7B1-963E5704CB18}" dt="2024-02-14T00:53:08.264" v="456" actId="20577"/>
+          <ac:spMkLst>
+            <pc:docMk/>
+            <pc:sldMk cId="36768095" sldId="264"/>
+            <ac:spMk id="2" creationId="{AEFCC3F2-09C5-B544-E9F0-866E7E868920}"/>
+          </ac:spMkLst>
+        </pc:spChg>
+        <pc:spChg chg="mod">
+          <ac:chgData name="adrianna high" userId="7fe0b8ed9b039a9f" providerId="Windows Live" clId="Web-{2E74000B-6090-4FCB-B7B1-963E5704CB18}" dt="2024-02-14T00:55:13.376" v="508" actId="20577"/>
+          <ac:spMkLst>
+            <pc:docMk/>
+            <pc:sldMk cId="36768095" sldId="264"/>
+            <ac:spMk id="3" creationId="{14FFFCE2-7ED1-FFA6-3231-2B9AE1F7DC13}"/>
+          </ac:spMkLst>
+        </pc:spChg>
+      </pc:sldChg>
+      <pc:sldChg chg="modSp add replId">
+        <pc:chgData name="adrianna high" userId="7fe0b8ed9b039a9f" providerId="Windows Live" clId="Web-{2E74000B-6090-4FCB-B7B1-963E5704CB18}" dt="2024-02-14T00:54:11.172" v="484" actId="20577"/>
+        <pc:sldMkLst>
+          <pc:docMk/>
+          <pc:sldMk cId="2961631173" sldId="265"/>
+        </pc:sldMkLst>
+        <pc:spChg chg="mod">
+          <ac:chgData name="adrianna high" userId="7fe0b8ed9b039a9f" providerId="Windows Live" clId="Web-{2E74000B-6090-4FCB-B7B1-963E5704CB18}" dt="2024-02-14T00:50:53.074" v="443" actId="20577"/>
+          <ac:spMkLst>
+            <pc:docMk/>
+            <pc:sldMk cId="2961631173" sldId="265"/>
+            <ac:spMk id="2" creationId="{AEFCC3F2-09C5-B544-E9F0-866E7E868920}"/>
+          </ac:spMkLst>
+        </pc:spChg>
+        <pc:spChg chg="mod">
+          <ac:chgData name="adrianna high" userId="7fe0b8ed9b039a9f" providerId="Windows Live" clId="Web-{2E74000B-6090-4FCB-B7B1-963E5704CB18}" dt="2024-02-14T00:54:11.172" v="484" actId="20577"/>
+          <ac:spMkLst>
+            <pc:docMk/>
+            <pc:sldMk cId="2961631173" sldId="265"/>
+            <ac:spMk id="3" creationId="{14FFFCE2-7ED1-FFA6-3231-2B9AE1F7DC13}"/>
+          </ac:spMkLst>
+        </pc:spChg>
+      </pc:sldChg>
+      <pc:sldChg chg="modSp new">
+        <pc:chgData name="adrianna high" userId="7fe0b8ed9b039a9f" providerId="Windows Live" clId="Web-{2E74000B-6090-4FCB-B7B1-963E5704CB18}" dt="2024-02-14T00:53:59.375" v="482" actId="20577"/>
+        <pc:sldMkLst>
+          <pc:docMk/>
+          <pc:sldMk cId="4268355769" sldId="266"/>
+        </pc:sldMkLst>
+        <pc:spChg chg="mod">
+          <ac:chgData name="adrianna high" userId="7fe0b8ed9b039a9f" providerId="Windows Live" clId="Web-{2E74000B-6090-4FCB-B7B1-963E5704CB18}" dt="2024-02-14T00:53:39.593" v="478" actId="20577"/>
+          <ac:spMkLst>
+            <pc:docMk/>
+            <pc:sldMk cId="4268355769" sldId="266"/>
+            <ac:spMk id="2" creationId="{0BB22B86-7124-658D-FDF5-68C07B159DF6}"/>
+          </ac:spMkLst>
+        </pc:spChg>
+        <pc:spChg chg="mod">
+          <ac:chgData name="adrianna high" userId="7fe0b8ed9b039a9f" providerId="Windows Live" clId="Web-{2E74000B-6090-4FCB-B7B1-963E5704CB18}" dt="2024-02-14T00:53:59.375" v="482" actId="20577"/>
+          <ac:spMkLst>
+            <pc:docMk/>
+            <pc:sldMk cId="4268355769" sldId="266"/>
+            <ac:spMk id="3" creationId="{C0A1AF74-9AB6-73DC-C760-F38C6B22414E}"/>
           </ac:spMkLst>
         </pc:spChg>
       </pc:sldChg>
@@ -6163,7 +6163,7 @@
               <a:buNone/>
             </a:pPr>
             <a:r>
-              <a:rPr lang="en-US" sz="1400" b="1" i="1" u="sng" dirty="0">
+              <a:rPr lang="en-US" sz="1400" b="1" i="1" u="sng">
                 <a:latin typeface="Cambria"/>
                 <a:ea typeface="Cambria"/>
               </a:rPr>
@@ -6172,63 +6172,63 @@
           </a:p>
           <a:p>
             <a:r>
-              <a:rPr lang="en-US" sz="1200" dirty="0" err="1">
+              <a:rPr lang="en-US" sz="1200" err="1">
                 <a:latin typeface="Cambria"/>
                 <a:ea typeface="Cambria"/>
               </a:rPr>
               <a:t>Vorkunov,M</a:t>
             </a:r>
             <a:r>
-              <a:rPr lang="en-US" sz="1200" dirty="0">
+              <a:rPr lang="en-US" sz="1200">
                 <a:latin typeface="Cambria"/>
                 <a:ea typeface="Cambria"/>
               </a:rPr>
               <a:t>. (2023). </a:t>
             </a:r>
             <a:r>
-              <a:rPr lang="en-US" sz="1200" dirty="0" err="1">
+              <a:rPr lang="en-US" sz="1200" err="1">
                 <a:latin typeface="Cambria"/>
                 <a:ea typeface="Cambria"/>
               </a:rPr>
               <a:t>Vorkunov</a:t>
             </a:r>
             <a:r>
-              <a:rPr lang="en-US" sz="1200" dirty="0">
+              <a:rPr lang="en-US" sz="1200">
                 <a:latin typeface="Cambria"/>
                 <a:ea typeface="Cambria"/>
               </a:rPr>
               <a:t>: NBA salaries keep going up. Prepare to have your mind blown in the future. </a:t>
             </a:r>
             <a:r>
-              <a:rPr lang="en-US" sz="1200" i="1" dirty="0">
+              <a:rPr lang="en-US" sz="1200" i="1">
                 <a:latin typeface="Cambria"/>
                 <a:ea typeface="Cambria"/>
               </a:rPr>
               <a:t>The Athletic</a:t>
             </a:r>
             <a:r>
-              <a:rPr lang="en-US" sz="1200" dirty="0">
+              <a:rPr lang="en-US" sz="1200">
                 <a:latin typeface="Cambria"/>
                 <a:ea typeface="Cambria"/>
               </a:rPr>
               <a:t>. </a:t>
             </a:r>
             <a:r>
-              <a:rPr lang="en-US" sz="1200" dirty="0">
+              <a:rPr lang="en-US" sz="1200">
                 <a:latin typeface="Cambria"/>
                 <a:ea typeface="Cambria"/>
                 <a:hlinkClick r:id="rId2"/>
               </a:rPr>
               <a:t>https://theathletic.com/4740069/2023/08/03/nba-salary-cap-rise-jaylen-brown/</a:t>
             </a:r>
-            <a:endParaRPr lang="en-US" sz="1200" dirty="0">
+            <a:endParaRPr lang="en-US" sz="1200">
               <a:latin typeface="Cambria"/>
               <a:ea typeface="Cambria"/>
             </a:endParaRPr>
           </a:p>
           <a:p>
             <a:r>
-              <a:rPr lang="en-US" sz="1200" b="0" i="0" dirty="0">
+              <a:rPr lang="en-US" sz="1200" b="0" i="0">
                 <a:effectLst/>
                 <a:latin typeface="Cambria" panose="02040503050406030204" pitchFamily="18" charset="0"/>
                 <a:ea typeface="Cambria" panose="02040503050406030204" pitchFamily="18" charset="0"/>
@@ -6236,7 +6236,7 @@
               <a:t>Feng, X., Wang, Y., &amp; Xiong, T. (2023). NBA Player Salary Analysis based on Multivariate Regression Analysis. </a:t>
             </a:r>
             <a:r>
-              <a:rPr lang="en-US" sz="1200" b="0" i="1" dirty="0">
+              <a:rPr lang="en-US" sz="1200" b="0" i="1">
                 <a:effectLst/>
                 <a:latin typeface="Cambria" panose="02040503050406030204" pitchFamily="18" charset="0"/>
                 <a:ea typeface="Cambria" panose="02040503050406030204" pitchFamily="18" charset="0"/>
@@ -6244,7 +6244,7 @@
               <a:t>Highlights in Science, Engineering and Technology</a:t>
             </a:r>
             <a:r>
-              <a:rPr lang="en-US" sz="1200" b="0" i="0" dirty="0">
+              <a:rPr lang="en-US" sz="1200" b="0" i="0">
                 <a:effectLst/>
                 <a:latin typeface="Cambria" panose="02040503050406030204" pitchFamily="18" charset="0"/>
                 <a:ea typeface="Cambria" panose="02040503050406030204" pitchFamily="18" charset="0"/>
@@ -6252,7 +6252,7 @@
               <a:t>, </a:t>
             </a:r>
             <a:r>
-              <a:rPr lang="en-US" sz="1200" b="0" i="1" dirty="0">
+              <a:rPr lang="en-US" sz="1200" b="0" i="1">
                 <a:effectLst/>
                 <a:latin typeface="Cambria" panose="02040503050406030204" pitchFamily="18" charset="0"/>
                 <a:ea typeface="Cambria" panose="02040503050406030204" pitchFamily="18" charset="0"/>
@@ -6260,7 +6260,7 @@
               <a:t>49</a:t>
             </a:r>
             <a:r>
-              <a:rPr lang="en-US" sz="1200" b="0" i="0" dirty="0">
+              <a:rPr lang="en-US" sz="1200" b="0" i="0">
                 <a:effectLst/>
                 <a:latin typeface="Cambria" panose="02040503050406030204" pitchFamily="18" charset="0"/>
                 <a:ea typeface="Cambria" panose="02040503050406030204" pitchFamily="18" charset="0"/>
@@ -6268,7 +6268,7 @@
               <a:t>, 157-166. </a:t>
             </a:r>
             <a:r>
-              <a:rPr lang="en-US" sz="1200" b="0" i="0" dirty="0">
+              <a:rPr lang="en-US" sz="1200" b="0" i="0">
                 <a:solidFill>
                   <a:srgbClr val="4B7D92"/>
                 </a:solidFill>
@@ -6279,7 +6279,7 @@
               </a:rPr>
               <a:t>https://doi.org/10.54097/hset.v49i.8498</a:t>
             </a:r>
-            <a:endParaRPr lang="en-US" sz="1200" b="0" i="0" dirty="0">
+            <a:endParaRPr lang="en-US" sz="1200" b="0" i="0">
               <a:solidFill>
                 <a:srgbClr val="4B7D92"/>
               </a:solidFill>
@@ -6290,27 +6290,27 @@
           </a:p>
           <a:p>
             <a:r>
-              <a:rPr lang="en-US" sz="1200" dirty="0">
+              <a:rPr lang="en-US" sz="1200">
                 <a:latin typeface="Cambria"/>
                 <a:ea typeface="Cambria"/>
               </a:rPr>
               <a:t>Ando, K. (2018). NBA Players’ Salary Prediction Using Linear Regression Model. </a:t>
             </a:r>
             <a:r>
-              <a:rPr lang="en-US" sz="1200" dirty="0">
+              <a:rPr lang="en-US" sz="1200">
                 <a:latin typeface="Cambria"/>
                 <a:ea typeface="Cambria"/>
                 <a:hlinkClick r:id="rId4"/>
               </a:rPr>
               <a:t>https://rstudio-pubs-static.s3.amazonaws.com/371407_e21330910f3c4bd2b6e19440013ea793.html#</a:t>
             </a:r>
-            <a:endParaRPr lang="en-US" sz="1200" dirty="0">
+            <a:endParaRPr lang="en-US" sz="1200">
               <a:latin typeface="Cambria"/>
               <a:ea typeface="Cambria"/>
             </a:endParaRPr>
           </a:p>
           <a:p>
-            <a:endParaRPr lang="en-US" sz="1200" dirty="0">
+            <a:endParaRPr lang="en-US" sz="1200">
               <a:latin typeface="Cambria"/>
               <a:ea typeface="Cambria"/>
             </a:endParaRPr>
@@ -6320,7 +6320,7 @@
               <a:buNone/>
             </a:pPr>
             <a:r>
-              <a:rPr lang="en-US" sz="1200" b="1" i="1" u="sng" dirty="0">
+              <a:rPr lang="en-US" sz="1200" b="1" i="1" u="sng">
                 <a:latin typeface="Cambria"/>
                 <a:ea typeface="Cambria"/>
               </a:rPr>
@@ -6335,25 +6335,11 @@
               <a:buNone/>
             </a:pPr>
             <a:r>
-              <a:rPr lang="en-US" sz="1200" dirty="0">
+              <a:rPr lang="en-US" sz="1200">
                 <a:latin typeface="Cambria"/>
                 <a:ea typeface="Cambria"/>
               </a:rPr>
-              <a:t>Damond Allen was </a:t>
-            </a:r>
-            <a:r>
-              <a:rPr lang="en-US" sz="1200" dirty="0" err="1">
-                <a:latin typeface="Cambria"/>
-                <a:ea typeface="Cambria"/>
-              </a:rPr>
-              <a:t>esponsible</a:t>
-            </a:r>
-            <a:r>
-              <a:rPr lang="en-US" sz="1200" dirty="0">
-                <a:latin typeface="Cambria"/>
-                <a:ea typeface="Cambria"/>
-              </a:rPr>
-              <a:t> for all the following using NBA data sources:</a:t>
+              <a:t>Damond Allen was responsible for all the following using NBA data sources:</a:t>
             </a:r>
           </a:p>
           <a:p>
@@ -6363,7 +6349,7 @@
               </a:spcBef>
             </a:pPr>
             <a:r>
-              <a:rPr lang="en-US" sz="1200" dirty="0">
+              <a:rPr lang="en-US" sz="1200">
                 <a:latin typeface="Cambria"/>
                 <a:ea typeface="Cambria"/>
               </a:rPr>
@@ -6377,7 +6363,7 @@
               </a:spcBef>
             </a:pPr>
             <a:r>
-              <a:rPr lang="en-US" sz="1200" dirty="0">
+              <a:rPr lang="en-US" sz="1200">
                 <a:latin typeface="Cambria"/>
                 <a:ea typeface="Cambria"/>
               </a:rPr>
@@ -6391,7 +6377,7 @@
               </a:spcBef>
             </a:pPr>
             <a:r>
-              <a:rPr lang="en-US" sz="1200" dirty="0">
+              <a:rPr lang="en-US" sz="1200">
                 <a:latin typeface="Cambria"/>
                 <a:ea typeface="Cambria"/>
               </a:rPr>
@@ -6405,7 +6391,7 @@
               </a:spcBef>
             </a:pPr>
             <a:r>
-              <a:rPr lang="en-US" sz="1200" dirty="0">
+              <a:rPr lang="en-US" sz="1200">
                 <a:latin typeface="Cambria"/>
                 <a:ea typeface="Cambria"/>
               </a:rPr>
@@ -6419,11 +6405,25 @@
               </a:spcBef>
             </a:pPr>
             <a:r>
-              <a:rPr lang="en-US" sz="1200" dirty="0">
+              <a:rPr lang="en-US" sz="1200">
                 <a:latin typeface="Cambria"/>
                 <a:ea typeface="Cambria"/>
               </a:rPr>
               <a:t>Regression analysis</a:t>
+            </a:r>
+          </a:p>
+          <a:p>
+            <a:pPr>
+              <a:spcBef>
+                <a:spcPts val="600"/>
+              </a:spcBef>
+            </a:pPr>
+            <a:r>
+              <a:rPr lang="en-US" sz="1200">
+                <a:latin typeface="Cambria"/>
+                <a:ea typeface="Cambria"/>
+              </a:rPr>
+              <a:t>Setup Git Repo</a:t>
             </a:r>
           </a:p>
         </p:txBody>
@@ -7444,8 +7444,8 @@
           </p:txBody>
         </p:sp>
       </p:grpSp>
-      <mc:AlternateContent xmlns:mc="http://schemas.openxmlformats.org/markup-compatibility/2006" xmlns:p14="http://schemas.microsoft.com/office/powerpoint/2010/main">
-        <mc:Choice Requires="p14">
+      <mc:AlternateContent xmlns:mc="http://schemas.openxmlformats.org/markup-compatibility/2006">
+        <mc:Choice xmlns:p14="http://schemas.microsoft.com/office/powerpoint/2010/main" Requires="p14">
           <p:contentPart p14:bwMode="auto" r:id="rId3">
             <p14:nvContentPartPr>
               <p14:cNvPr id="15" name="Ink 14">
@@ -7464,7 +7464,7 @@
             </p14:xfrm>
           </p:contentPart>
         </mc:Choice>
-        <mc:Fallback xmlns="">
+        <mc:Fallback>
           <p:pic>
             <p:nvPicPr>
               <p:cNvPr id="15" name="Ink 14">
@@ -8827,7 +8827,7 @@
               <a:buNone/>
             </a:pPr>
             <a:r>
-              <a:rPr lang="en-US" sz="1400" b="1" i="1" u="sng" dirty="0">
+              <a:rPr lang="en-US" sz="1400" b="1" i="1" u="sng">
                 <a:latin typeface="Cambria"/>
                 <a:ea typeface="Cambria"/>
               </a:rPr>
@@ -8839,21 +8839,21 @@
               <a:buNone/>
             </a:pPr>
             <a:r>
-              <a:rPr lang="en-US" sz="1200" dirty="0">
+              <a:rPr lang="en-US" sz="1200">
                 <a:latin typeface="Cambria" panose="02040503050406030204" pitchFamily="18" charset="0"/>
                 <a:ea typeface="Cambria" panose="02040503050406030204" pitchFamily="18" charset="0"/>
               </a:rPr>
               <a:t>The default file type for the player contract data is .</a:t>
             </a:r>
             <a:r>
-              <a:rPr lang="en-US" sz="1200" dirty="0" err="1">
+              <a:rPr lang="en-US" sz="1200" err="1">
                 <a:latin typeface="Cambria" panose="02040503050406030204" pitchFamily="18" charset="0"/>
                 <a:ea typeface="Cambria" panose="02040503050406030204" pitchFamily="18" charset="0"/>
               </a:rPr>
               <a:t>xls</a:t>
             </a:r>
             <a:r>
-              <a:rPr lang="en-US" sz="1200" dirty="0">
+              <a:rPr lang="en-US" sz="1200">
                 <a:latin typeface="Cambria" panose="02040503050406030204" pitchFamily="18" charset="0"/>
                 <a:ea typeface="Cambria" panose="02040503050406030204" pitchFamily="18" charset="0"/>
               </a:rPr>
@@ -8867,7 +8867,7 @@
               </a:spcBef>
             </a:pPr>
             <a:r>
-              <a:rPr lang="en-US" sz="1200" dirty="0">
+              <a:rPr lang="en-US" sz="1200">
                 <a:latin typeface="Cambria" panose="02040503050406030204" pitchFamily="18" charset="0"/>
                 <a:ea typeface="Cambria" panose="02040503050406030204" pitchFamily="18" charset="0"/>
               </a:rPr>
@@ -8881,7 +8881,7 @@
               </a:spcBef>
             </a:pPr>
             <a:r>
-              <a:rPr lang="en-US" sz="1200" dirty="0">
+              <a:rPr lang="en-US" sz="1200">
                 <a:latin typeface="Cambria" panose="02040503050406030204" pitchFamily="18" charset="0"/>
                 <a:ea typeface="Cambria" panose="02040503050406030204" pitchFamily="18" charset="0"/>
               </a:rPr>
@@ -8895,7 +8895,7 @@
               </a:spcBef>
             </a:pPr>
             <a:r>
-              <a:rPr lang="en-US" sz="1200" dirty="0">
+              <a:rPr lang="en-US" sz="1200">
                 <a:latin typeface="Cambria" panose="02040503050406030204" pitchFamily="18" charset="0"/>
                 <a:ea typeface="Cambria" panose="02040503050406030204" pitchFamily="18" charset="0"/>
               </a:rPr>
@@ -8909,7 +8909,7 @@
               </a:spcBef>
             </a:pPr>
             <a:r>
-              <a:rPr lang="en-US" sz="1200" dirty="0">
+              <a:rPr lang="en-US" sz="1200">
                 <a:latin typeface="Cambria" panose="02040503050406030204" pitchFamily="18" charset="0"/>
                 <a:ea typeface="Cambria" panose="02040503050406030204" pitchFamily="18" charset="0"/>
               </a:rPr>
@@ -8923,7 +8923,7 @@
               </a:spcBef>
             </a:pPr>
             <a:r>
-              <a:rPr lang="en-US" sz="1200" dirty="0">
+              <a:rPr lang="en-US" sz="1200">
                 <a:latin typeface="Cambria" panose="02040503050406030204" pitchFamily="18" charset="0"/>
                 <a:ea typeface="Cambria" panose="02040503050406030204" pitchFamily="18" charset="0"/>
               </a:rPr>
@@ -8935,7 +8935,7 @@
               <a:buNone/>
             </a:pPr>
             <a:r>
-              <a:rPr lang="en-US" sz="1200" b="1" i="1" dirty="0">
+              <a:rPr lang="en-US" sz="1200" b="1" i="1">
                 <a:latin typeface="Cambria" panose="02040503050406030204" pitchFamily="18" charset="0"/>
                 <a:ea typeface="Cambria" panose="02040503050406030204" pitchFamily="18" charset="0"/>
               </a:rPr>
@@ -8949,7 +8949,7 @@
               </a:spcBef>
             </a:pPr>
             <a:r>
-              <a:rPr lang="en-US" sz="1200" dirty="0">
+              <a:rPr lang="en-US" sz="1200">
                 <a:latin typeface="Cambria" panose="02040503050406030204" pitchFamily="18" charset="0"/>
                 <a:ea typeface="Cambria" panose="02040503050406030204" pitchFamily="18" charset="0"/>
               </a:rPr>
@@ -8963,7 +8963,7 @@
               </a:spcBef>
             </a:pPr>
             <a:r>
-              <a:rPr lang="en-US" sz="1200" dirty="0">
+              <a:rPr lang="en-US" sz="1200">
                 <a:latin typeface="Cambria" panose="02040503050406030204" pitchFamily="18" charset="0"/>
                 <a:ea typeface="Cambria" panose="02040503050406030204" pitchFamily="18" charset="0"/>
               </a:rPr>
@@ -8977,7 +8977,7 @@
               </a:spcBef>
             </a:pPr>
             <a:r>
-              <a:rPr lang="en-US" sz="1200" dirty="0">
+              <a:rPr lang="en-US" sz="1200">
                 <a:latin typeface="Cambria" panose="02040503050406030204" pitchFamily="18" charset="0"/>
                 <a:ea typeface="Cambria" panose="02040503050406030204" pitchFamily="18" charset="0"/>
               </a:rPr>
@@ -8989,13 +8989,13 @@
               <a:buNone/>
             </a:pPr>
             <a:r>
-              <a:rPr lang="en-US" sz="1200" b="1" i="1" dirty="0">
+              <a:rPr lang="en-US" sz="1200" b="1" i="1">
                 <a:latin typeface="Cambria" panose="02040503050406030204" pitchFamily="18" charset="0"/>
                 <a:ea typeface="Cambria" panose="02040503050406030204" pitchFamily="18" charset="0"/>
               </a:rPr>
               <a:t>The career stats needed the following manipulations:</a:t>
             </a:r>
-            <a:endParaRPr lang="en-US" sz="1200" dirty="0">
+            <a:endParaRPr lang="en-US" sz="1200">
               <a:latin typeface="Cambria" panose="02040503050406030204" pitchFamily="18" charset="0"/>
               <a:ea typeface="Cambria" panose="02040503050406030204" pitchFamily="18" charset="0"/>
             </a:endParaRPr>
@@ -9007,7 +9007,7 @@
               </a:spcBef>
             </a:pPr>
             <a:r>
-              <a:rPr lang="en-US" sz="1200" dirty="0">
+              <a:rPr lang="en-US" sz="1200">
                 <a:latin typeface="Cambria" panose="02040503050406030204" pitchFamily="18" charset="0"/>
                 <a:ea typeface="Cambria" panose="02040503050406030204" pitchFamily="18" charset="0"/>
               </a:rPr>
@@ -9021,7 +9021,7 @@
               </a:spcBef>
             </a:pPr>
             <a:r>
-              <a:rPr lang="en-US" sz="1200" dirty="0">
+              <a:rPr lang="en-US" sz="1200">
                 <a:latin typeface="Cambria" panose="02040503050406030204" pitchFamily="18" charset="0"/>
                 <a:ea typeface="Cambria" panose="02040503050406030204" pitchFamily="18" charset="0"/>
               </a:rPr>
@@ -9035,7 +9035,7 @@
               </a:spcBef>
             </a:pPr>
             <a:r>
-              <a:rPr lang="en-US" sz="1200" dirty="0">
+              <a:rPr lang="en-US" sz="1200">
                 <a:latin typeface="Cambria" panose="02040503050406030204" pitchFamily="18" charset="0"/>
                 <a:ea typeface="Cambria" panose="02040503050406030204" pitchFamily="18" charset="0"/>
               </a:rPr>
@@ -9046,7 +9046,7 @@
             <a:pPr marL="0" indent="0">
               <a:buNone/>
             </a:pPr>
-            <a:endParaRPr lang="en-US" sz="1400" b="1" i="1" u="sng" dirty="0">
+            <a:endParaRPr lang="en-US" sz="1400" b="1" i="1" u="sng">
               <a:latin typeface="Cambria" panose="02040503050406030204" pitchFamily="18" charset="0"/>
               <a:ea typeface="Cambria" panose="02040503050406030204" pitchFamily="18" charset="0"/>
             </a:endParaRPr>
@@ -9055,7 +9055,7 @@
             <a:pPr marL="0" indent="0">
               <a:buNone/>
             </a:pPr>
-            <a:endParaRPr lang="en-US" sz="1400" b="1" i="1" u="sng" dirty="0">
+            <a:endParaRPr lang="en-US" sz="1400" b="1" i="1" u="sng">
               <a:latin typeface="Cambria" panose="02040503050406030204" pitchFamily="18" charset="0"/>
               <a:ea typeface="Cambria" panose="02040503050406030204" pitchFamily="18" charset="0"/>
             </a:endParaRPr>
@@ -9065,7 +9065,7 @@
               <a:buNone/>
             </a:pPr>
             <a:r>
-              <a:rPr lang="en-US" sz="1400" b="1" i="1" u="sng" dirty="0">
+              <a:rPr lang="en-US" sz="1400" b="1" i="1" u="sng">
                 <a:latin typeface="Cambria" panose="02040503050406030204" pitchFamily="18" charset="0"/>
                 <a:ea typeface="Cambria" panose="02040503050406030204" pitchFamily="18" charset="0"/>
               </a:rPr>
@@ -9077,13 +9077,13 @@
               <a:buNone/>
             </a:pPr>
             <a:r>
-              <a:rPr lang="en-US" sz="1200" dirty="0">
+              <a:rPr lang="en-US" sz="1200">
                 <a:latin typeface="Cambria" panose="02040503050406030204" pitchFamily="18" charset="0"/>
                 <a:ea typeface="Cambria" panose="02040503050406030204" pitchFamily="18" charset="0"/>
               </a:rPr>
               <a:t>The 2024 season is in progress and contains a partial season's metrics. We removed rows corresponding to the year 2024 from the dataset. Our dataset did contain null values because one player did not have a contract value, and several players are rookies competing in their first season this year; these players were dropped from the dataset because they did not fit the scope of our data goals. Several players needed name corrections because our data sources recorded names differently. The basketball reference website stores a player's name with accented characters, while the NBA_API stores the name without the accents. This was the most challenging data quality issue because it prevented the accurate joining of the two datasets. We addressed this using code that corrected specific names.</a:t>
             </a:r>
-            <a:endParaRPr lang="en-US" sz="1200" dirty="0">
+            <a:endParaRPr lang="en-US" sz="1200">
               <a:latin typeface="Cambria"/>
               <a:ea typeface="Cambria"/>
             </a:endParaRPr>
@@ -9093,7 +9093,7 @@
               <a:buNone/>
             </a:pPr>
             <a:r>
-              <a:rPr lang="en-US" sz="1400" b="1" i="1" u="sng" dirty="0">
+              <a:rPr lang="en-US" sz="1400" b="1" i="1" u="sng">
                 <a:latin typeface="Cambria"/>
                 <a:ea typeface="Cambria"/>
               </a:rPr>
@@ -9104,7 +9104,7 @@
             <a:pPr marL="0" indent="0">
               <a:buNone/>
             </a:pPr>
-            <a:endParaRPr lang="en-US" sz="1400" b="1" i="1" u="sng" dirty="0">
+            <a:endParaRPr lang="en-US" sz="1400" b="1" i="1" u="sng">
               <a:latin typeface="Cambria"/>
               <a:ea typeface="Cambria"/>
             </a:endParaRPr>
@@ -9113,7 +9113,7 @@
             <a:pPr marL="0" indent="0">
               <a:buNone/>
             </a:pPr>
-            <a:endParaRPr lang="en-US" sz="1400" b="1" i="1" u="sng" dirty="0">
+            <a:endParaRPr lang="en-US" sz="1400" b="1" i="1" u="sng">
               <a:latin typeface="Cambria"/>
               <a:ea typeface="Cambria"/>
             </a:endParaRPr>
@@ -9122,7 +9122,7 @@
             <a:pPr marL="0" indent="0">
               <a:buNone/>
             </a:pPr>
-            <a:endParaRPr lang="en-US" sz="1400" b="1" i="1" u="sng" dirty="0">
+            <a:endParaRPr lang="en-US" sz="1400" b="1" i="1" u="sng">
               <a:latin typeface="Cambria"/>
               <a:ea typeface="Cambria"/>
             </a:endParaRPr>
@@ -9131,7 +9131,7 @@
             <a:pPr marL="0" indent="0">
               <a:buNone/>
             </a:pPr>
-            <a:endParaRPr lang="en-US" sz="1400" b="1" i="1" u="sng" dirty="0">
+            <a:endParaRPr lang="en-US" sz="1400" b="1" i="1" u="sng">
               <a:latin typeface="Cambria"/>
               <a:ea typeface="Cambria"/>
             </a:endParaRPr>
@@ -9140,7 +9140,7 @@
             <a:pPr marL="0" indent="0">
               <a:buNone/>
             </a:pPr>
-            <a:endParaRPr lang="en-US" sz="1400" b="1" i="1" u="sng" dirty="0">
+            <a:endParaRPr lang="en-US" sz="1400" b="1" i="1" u="sng">
               <a:latin typeface="Cambria"/>
               <a:ea typeface="Cambria"/>
             </a:endParaRPr>
@@ -9149,7 +9149,7 @@
             <a:pPr marL="0" indent="0">
               <a:buNone/>
             </a:pPr>
-            <a:endParaRPr lang="en-US" sz="1200" dirty="0">
+            <a:endParaRPr lang="en-US" sz="1200">
               <a:latin typeface="Cambria"/>
               <a:ea typeface="Cambria"/>
             </a:endParaRPr>
@@ -10415,53 +10415,53 @@
               <a:buNone/>
             </a:pPr>
             <a:r>
-              <a:rPr lang="en-US" sz="1800" dirty="0">
+              <a:rPr lang="en-US" sz="1800">
                 <a:ea typeface="+mn-lt"/>
                 <a:cs typeface="+mn-lt"/>
               </a:rPr>
               <a:t>The goal of the associated notebook was to combine draft history variables with college statistics for each active player with an identified contract value who was drafted from a college/university. A pre-aggregated dataset was used as the primary source for players. To minimize the number of requests to the Sports Reference server, data needed to be retrieved in a particular sequence:</a:t>
             </a:r>
-            <a:endParaRPr lang="en-US" dirty="0"/>
+            <a:endParaRPr lang="en-US"/>
           </a:p>
           <a:p>
             <a:pPr>
               <a:buNone/>
             </a:pPr>
             <a:r>
-              <a:rPr lang="en-US" sz="1800" dirty="0">
+              <a:rPr lang="en-US" sz="1800">
                 <a:ea typeface="+mn-lt"/>
                 <a:cs typeface="+mn-lt"/>
               </a:rPr>
               <a:t>1.Extract team IDs from NBA API</a:t>
             </a:r>
-            <a:endParaRPr lang="en-US" dirty="0"/>
+            <a:endParaRPr lang="en-US"/>
           </a:p>
           <a:p>
             <a:pPr>
               <a:buNone/>
             </a:pPr>
             <a:r>
-              <a:rPr lang="en-US" sz="1800" dirty="0">
+              <a:rPr lang="en-US" sz="1800">
                 <a:ea typeface="+mn-lt"/>
                 <a:cs typeface="+mn-lt"/>
               </a:rPr>
               <a:t>2.Using team IDs, extract draft history for each NBA team and combine into one </a:t>
             </a:r>
             <a:r>
-              <a:rPr lang="en-US" sz="1800" dirty="0" err="1">
+              <a:rPr lang="en-US" sz="1800" err="1">
                 <a:ea typeface="+mn-lt"/>
                 <a:cs typeface="+mn-lt"/>
               </a:rPr>
               <a:t>df</a:t>
             </a:r>
-            <a:endParaRPr lang="en-US" dirty="0" err="1"/>
+            <a:endParaRPr lang="en-US" err="1"/>
           </a:p>
           <a:p>
             <a:pPr>
               <a:buNone/>
             </a:pPr>
             <a:r>
-              <a:rPr lang="en-US" sz="1800" dirty="0">
+              <a:rPr lang="en-US" sz="1800">
                 <a:ea typeface="+mn-lt"/>
                 <a:cs typeface="+mn-lt"/>
               </a:rPr>
@@ -10477,7 +10477,7 @@
               <a:buNone/>
             </a:pPr>
             <a:r>
-              <a:rPr lang="en-US" sz="1800" dirty="0">
+              <a:rPr lang="en-US" sz="1800">
                 <a:ea typeface="+mn-lt"/>
                 <a:cs typeface="+mn-lt"/>
               </a:rPr>
@@ -10490,93 +10490,93 @@
               <a:buNone/>
             </a:pPr>
             <a:r>
-              <a:rPr lang="en-US" sz="1800" dirty="0">
+              <a:rPr lang="en-US" sz="1800">
                 <a:ea typeface="+mn-lt"/>
                 <a:cs typeface="+mn-lt"/>
               </a:rPr>
               <a:t>5.Modify name values to match Sports Reference HTML links:</a:t>
             </a:r>
-            <a:endParaRPr lang="en-US" dirty="0"/>
+            <a:endParaRPr lang="en-US"/>
           </a:p>
           <a:p>
             <a:pPr>
               <a:buNone/>
             </a:pPr>
             <a:r>
-              <a:rPr lang="en-US" sz="1200" dirty="0">
+              <a:rPr lang="en-US" sz="1200">
                 <a:latin typeface="Arial"/>
                 <a:cs typeface="Arial"/>
               </a:rPr>
               <a:t>•</a:t>
             </a:r>
             <a:r>
-              <a:rPr lang="en-US" sz="1200" dirty="0">
+              <a:rPr lang="en-US" sz="1200">
                 <a:ea typeface="+mn-lt"/>
                 <a:cs typeface="+mn-lt"/>
               </a:rPr>
               <a:t>Remove spaces between last name and suffix</a:t>
             </a:r>
-            <a:endParaRPr lang="en-US" dirty="0"/>
+            <a:endParaRPr lang="en-US"/>
           </a:p>
           <a:p>
             <a:pPr>
               <a:buNone/>
             </a:pPr>
             <a:r>
-              <a:rPr lang="en-US" sz="1200" dirty="0">
+              <a:rPr lang="en-US" sz="1200">
                 <a:latin typeface="Arial"/>
                 <a:cs typeface="Arial"/>
               </a:rPr>
               <a:t>•</a:t>
             </a:r>
             <a:r>
-              <a:rPr lang="en-US" sz="1200" dirty="0">
+              <a:rPr lang="en-US" sz="1200">
                 <a:ea typeface="+mn-lt"/>
                 <a:cs typeface="+mn-lt"/>
               </a:rPr>
               <a:t>Remove apostrophes</a:t>
             </a:r>
-            <a:endParaRPr lang="en-US" dirty="0"/>
+            <a:endParaRPr lang="en-US"/>
           </a:p>
           <a:p>
             <a:pPr>
               <a:buNone/>
             </a:pPr>
             <a:r>
-              <a:rPr lang="en-US" sz="1200" dirty="0">
+              <a:rPr lang="en-US" sz="1200">
                 <a:latin typeface="Arial"/>
                 <a:cs typeface="Arial"/>
               </a:rPr>
               <a:t>•</a:t>
             </a:r>
             <a:r>
-              <a:rPr lang="en-US" sz="1200" dirty="0">
+              <a:rPr lang="en-US" sz="1200">
                 <a:ea typeface="+mn-lt"/>
                 <a:cs typeface="+mn-lt"/>
               </a:rPr>
               <a:t>Manual replacement of name values that don’t follow typical naming format</a:t>
             </a:r>
-            <a:endParaRPr lang="en-US" dirty="0"/>
+            <a:endParaRPr lang="en-US"/>
           </a:p>
           <a:p>
             <a:pPr>
               <a:buNone/>
             </a:pPr>
             <a:r>
-              <a:rPr lang="en-US" sz="1800" dirty="0">
+              <a:rPr lang="en-US" sz="1800">
                 <a:ea typeface="+mn-lt"/>
                 <a:cs typeface="+mn-lt"/>
               </a:rPr>
               <a:t>6.Remove players without college record (attended but did not play or drafted from international college)</a:t>
             </a:r>
-            <a:endParaRPr lang="en-US" dirty="0"/>
+            <a:endParaRPr lang="en-US"/>
           </a:p>
           <a:p>
             <a:pPr>
               <a:buNone/>
             </a:pPr>
             <a:r>
-              <a:rPr lang="en-US" sz="1800" dirty="0">
+              <a:rPr lang="en-US" sz="1800">
                 <a:ea typeface="+mn-lt"/>
                 <a:cs typeface="+mn-lt"/>
               </a:rPr>
@@ -10589,27 +10589,27 @@
               <a:buNone/>
             </a:pPr>
             <a:r>
-              <a:rPr lang="en-US" sz="1800" dirty="0">
+              <a:rPr lang="en-US" sz="1800">
                 <a:ea typeface="+mn-lt"/>
                 <a:cs typeface="+mn-lt"/>
               </a:rPr>
               <a:t>Once the name values were consistent with HTMLs, we extracted the entire player profile from Sports Reference for each player:</a:t>
             </a:r>
-            <a:endParaRPr lang="en-US" dirty="0"/>
+            <a:endParaRPr lang="en-US"/>
           </a:p>
           <a:p>
             <a:pPr>
               <a:buNone/>
             </a:pPr>
             <a:r>
-              <a:rPr lang="en-US" sz="1800" dirty="0">
+              <a:rPr lang="en-US" sz="1800">
                 <a:latin typeface="Arial"/>
                 <a:cs typeface="Arial"/>
               </a:rPr>
               <a:t>•</a:t>
             </a:r>
             <a:r>
-              <a:rPr lang="en-US" sz="1800" dirty="0">
+              <a:rPr lang="en-US" sz="1800">
                 <a:ea typeface="+mn-lt"/>
                 <a:cs typeface="+mn-lt"/>
               </a:rPr>
@@ -10622,68 +10622,68 @@
               <a:buNone/>
             </a:pPr>
             <a:r>
-              <a:rPr lang="en-US" sz="1800" dirty="0">
+              <a:rPr lang="en-US" sz="1800">
                 <a:latin typeface="Arial"/>
                 <a:cs typeface="Arial"/>
               </a:rPr>
               <a:t>•</a:t>
             </a:r>
             <a:r>
-              <a:rPr lang="en-US" sz="1800" dirty="0">
+              <a:rPr lang="en-US" sz="1800">
                 <a:ea typeface="+mn-lt"/>
                 <a:cs typeface="+mn-lt"/>
               </a:rPr>
               <a:t>Open each HTML file, parse and extract the “Players Totals” table into a </a:t>
             </a:r>
             <a:r>
-              <a:rPr lang="en-US" sz="1800" dirty="0" err="1">
+              <a:rPr lang="en-US" sz="1800" err="1">
                 <a:ea typeface="+mn-lt"/>
                 <a:cs typeface="+mn-lt"/>
               </a:rPr>
               <a:t>df</a:t>
             </a:r>
             <a:r>
-              <a:rPr lang="en-US" sz="1800" dirty="0">
+              <a:rPr lang="en-US" sz="1800">
                 <a:ea typeface="+mn-lt"/>
                 <a:cs typeface="+mn-lt"/>
               </a:rPr>
               <a:t> for each player</a:t>
             </a:r>
-            <a:endParaRPr lang="en-US" dirty="0"/>
+            <a:endParaRPr lang="en-US"/>
           </a:p>
           <a:p>
             <a:pPr>
               <a:buNone/>
             </a:pPr>
             <a:r>
-              <a:rPr lang="en-US" sz="1800" dirty="0">
+              <a:rPr lang="en-US" sz="1800">
                 <a:latin typeface="Arial"/>
                 <a:cs typeface="Arial"/>
               </a:rPr>
               <a:t>•</a:t>
             </a:r>
             <a:r>
-              <a:rPr lang="en-US" sz="1800" dirty="0">
+              <a:rPr lang="en-US" sz="1800">
                 <a:ea typeface="+mn-lt"/>
                 <a:cs typeface="+mn-lt"/>
               </a:rPr>
               <a:t>Concatenate all player </a:t>
             </a:r>
             <a:r>
-              <a:rPr lang="en-US" sz="1800" dirty="0" err="1">
+              <a:rPr lang="en-US" sz="1800" err="1">
                 <a:ea typeface="+mn-lt"/>
                 <a:cs typeface="+mn-lt"/>
               </a:rPr>
               <a:t>dfs</a:t>
             </a:r>
             <a:r>
-              <a:rPr lang="en-US" sz="1800" dirty="0">
+              <a:rPr lang="en-US" sz="1800">
                 <a:ea typeface="+mn-lt"/>
                 <a:cs typeface="+mn-lt"/>
               </a:rPr>
               <a:t> together</a:t>
             </a:r>
-            <a:endParaRPr lang="en-US" dirty="0"/>
+            <a:endParaRPr lang="en-US"/>
           </a:p>
           <a:p>
             <a:pPr>
@@ -10703,77 +10703,51 @@
               <a:buNone/>
             </a:pPr>
             <a:r>
-              <a:rPr lang="en-US" sz="1800" dirty="0">
-                <a:ea typeface="+mn-lt"/>
-                <a:cs typeface="+mn-lt"/>
-              </a:rPr>
-              <a:t>The Players Total table contains a row for each college season and a totals row (to represent total stat values across all seasons). The provided totals row is dropped for the dataset. To mimic the aggregation of NBA stats, the season totals were summed by player – each player represented by exactly one row. Additionally, we engineered two additional variables from college stats:</a:t>
-            </a:r>
-            <a:endParaRPr lang="en-US" dirty="0"/>
-          </a:p>
-          <a:p>
-            <a:pPr>
-              <a:buNone/>
-            </a:pPr>
-            <a:r>
-              <a:rPr lang="en-US" sz="1800" dirty="0">
-                <a:latin typeface="Arial"/>
-                <a:cs typeface="Arial"/>
-              </a:rPr>
-              <a:t>•</a:t>
-            </a:r>
-            <a:r>
-              <a:rPr lang="en-US" sz="1800" dirty="0">
-                <a:ea typeface="+mn-lt"/>
-                <a:cs typeface="+mn-lt"/>
-              </a:rPr>
-              <a:t>“Season Count”: Count of college seasons </a:t>
-            </a:r>
-            <a:endParaRPr lang="en-US" dirty="0"/>
-          </a:p>
-          <a:p>
-            <a:pPr>
-              <a:buNone/>
-            </a:pPr>
-            <a:r>
-              <a:rPr lang="en-US" sz="1800" dirty="0">
-                <a:latin typeface="Arial"/>
-                <a:cs typeface="Arial"/>
-              </a:rPr>
-              <a:t>•</a:t>
-            </a:r>
-            <a:r>
-              <a:rPr lang="en-US" sz="1800" dirty="0">
-                <a:ea typeface="+mn-lt"/>
-                <a:cs typeface="+mn-lt"/>
-              </a:rPr>
-              <a:t>“Team Count”: Count of unique college teams</a:t>
-            </a:r>
-            <a:endParaRPr lang="en-US" dirty="0"/>
-          </a:p>
-          <a:p>
-            <a:pPr>
-              <a:buNone/>
-            </a:pPr>
-            <a:r>
-              <a:rPr lang="en-US" sz="1800" b="1" dirty="0">
-                <a:ea typeface="+mn-lt"/>
-                <a:cs typeface="+mn-lt"/>
-              </a:rPr>
-              <a:t>Merging Data</a:t>
-            </a:r>
-            <a:endParaRPr lang="en-US" dirty="0"/>
-          </a:p>
-          <a:p>
-            <a:pPr>
-              <a:buNone/>
-            </a:pPr>
-            <a:r>
               <a:rPr lang="en-US" sz="1800">
                 <a:ea typeface="+mn-lt"/>
                 <a:cs typeface="+mn-lt"/>
               </a:rPr>
-              <a:t>Finally, the college stats df was joined with draft history variables and contract values on player name.</a:t>
+              <a:t>The Players Total table contains a row for each college season and a totals row (to represent total stat values across all seasons). The provided totals row is dropped for the dataset. To mimic the aggregation of NBA stats, the season totals were summed by player – each player represented by exactly one row. Additionally, we engineered two additional variables from college stats:</a:t>
+            </a:r>
+            <a:endParaRPr lang="en-US"/>
+          </a:p>
+          <a:p>
+            <a:pPr>
+              <a:buNone/>
+            </a:pPr>
+            <a:r>
+              <a:rPr lang="en-US" sz="1800">
+                <a:latin typeface="Arial"/>
+                <a:cs typeface="Arial"/>
+              </a:rPr>
+              <a:t>•</a:t>
+            </a:r>
+            <a:r>
+              <a:rPr lang="en-US" sz="1800">
+                <a:ea typeface="+mn-lt"/>
+                <a:cs typeface="+mn-lt"/>
+              </a:rPr>
+              <a:t>“Season Count”: Count of college seasons </a:t>
+            </a:r>
+            <a:endParaRPr lang="en-US"/>
+          </a:p>
+          <a:p>
+            <a:pPr>
+              <a:buNone/>
+            </a:pPr>
+            <a:r>
+              <a:rPr lang="en-US" sz="1800">
+                <a:latin typeface="Arial"/>
+                <a:cs typeface="Arial"/>
+              </a:rPr>
+              <a:t>•</a:t>
+            </a:r>
+            <a:r>
+              <a:rPr lang="en-US" sz="1800">
+                <a:ea typeface="+mn-lt"/>
+                <a:cs typeface="+mn-lt"/>
+              </a:rPr>
+              <a:t>“Team Count”: Count of unique college teams</a:t>
             </a:r>
             <a:endParaRPr lang="en-US"/>
           </a:p>
@@ -10786,6 +10760,32 @@
                 <a:ea typeface="+mn-lt"/>
                 <a:cs typeface="+mn-lt"/>
               </a:rPr>
+              <a:t>Merging Data</a:t>
+            </a:r>
+            <a:endParaRPr lang="en-US"/>
+          </a:p>
+          <a:p>
+            <a:pPr>
+              <a:buNone/>
+            </a:pPr>
+            <a:r>
+              <a:rPr lang="en-US" sz="1800">
+                <a:ea typeface="+mn-lt"/>
+                <a:cs typeface="+mn-lt"/>
+              </a:rPr>
+              <a:t>Finally, the college stats df was joined with draft history variables and contract values on player name.</a:t>
+            </a:r>
+            <a:endParaRPr lang="en-US"/>
+          </a:p>
+          <a:p>
+            <a:pPr>
+              <a:buNone/>
+            </a:pPr>
+            <a:r>
+              <a:rPr lang="en-US" sz="1800" b="1">
+                <a:ea typeface="+mn-lt"/>
+                <a:cs typeface="+mn-lt"/>
+              </a:rPr>
               <a:t>Barriers to Data Manipulation</a:t>
             </a:r>
             <a:endParaRPr lang="en-US"/>
@@ -10854,7 +10854,7 @@
             <a:pPr marL="0" indent="0">
               <a:buNone/>
             </a:pPr>
-            <a:endParaRPr lang="en-US" dirty="0"/>
+            <a:endParaRPr lang="en-US"/>
           </a:p>
         </p:txBody>
       </p:sp>
@@ -11087,7 +11087,7 @@
             <a:pPr marL="0" indent="0">
               <a:buNone/>
             </a:pPr>
-            <a:endParaRPr lang="en-US" sz="1400" b="1" i="1" u="sng" dirty="0">
+            <a:endParaRPr lang="en-US" sz="1400" b="1" i="1" u="sng">
               <a:latin typeface="Cambria"/>
               <a:ea typeface="Cambria"/>
             </a:endParaRPr>
@@ -11096,7 +11096,7 @@
             <a:pPr marL="0" indent="0">
               <a:buNone/>
             </a:pPr>
-            <a:endParaRPr lang="en-US" sz="1400" b="1" i="1" u="sng" dirty="0">
+            <a:endParaRPr lang="en-US" sz="1400" b="1" i="1" u="sng">
               <a:latin typeface="Cambria"/>
               <a:ea typeface="Cambria"/>
             </a:endParaRPr>
@@ -11105,7 +11105,7 @@
             <a:pPr marL="0" indent="0">
               <a:buNone/>
             </a:pPr>
-            <a:endParaRPr lang="en-US" sz="1400" b="1" i="1" u="sng" dirty="0">
+            <a:endParaRPr lang="en-US" sz="1400" b="1" i="1" u="sng">
               <a:latin typeface="Cambria"/>
               <a:ea typeface="Cambria"/>
             </a:endParaRPr>
@@ -11114,7 +11114,7 @@
             <a:pPr marL="0" indent="0">
               <a:buNone/>
             </a:pPr>
-            <a:endParaRPr lang="en-US" sz="1400" b="1" i="1" u="sng" dirty="0">
+            <a:endParaRPr lang="en-US" sz="1400" b="1" i="1" u="sng">
               <a:latin typeface="Cambria"/>
               <a:ea typeface="Cambria"/>
             </a:endParaRPr>
@@ -11123,7 +11123,7 @@
             <a:pPr marL="0" indent="0">
               <a:buNone/>
             </a:pPr>
-            <a:endParaRPr lang="en-US" sz="1400" b="1" i="1" u="sng" dirty="0">
+            <a:endParaRPr lang="en-US" sz="1400" b="1" i="1" u="sng">
               <a:latin typeface="Cambria"/>
               <a:ea typeface="Cambria"/>
             </a:endParaRPr>
@@ -11132,7 +11132,7 @@
             <a:pPr marL="0" indent="0">
               <a:buNone/>
             </a:pPr>
-            <a:endParaRPr lang="en-US" sz="1400" b="1" i="1" u="sng" dirty="0">
+            <a:endParaRPr lang="en-US" sz="1400" b="1" i="1" u="sng">
               <a:latin typeface="Cambria"/>
               <a:ea typeface="Cambria"/>
             </a:endParaRPr>
@@ -11141,7 +11141,7 @@
             <a:pPr marL="0" indent="0">
               <a:buNone/>
             </a:pPr>
-            <a:endParaRPr lang="en-US" sz="1400" b="1" i="1" u="sng" dirty="0">
+            <a:endParaRPr lang="en-US" sz="1400" b="1" i="1" u="sng">
               <a:latin typeface="Cambria"/>
               <a:ea typeface="Cambria"/>
             </a:endParaRPr>
@@ -11150,7 +11150,7 @@
             <a:pPr marL="0" indent="0">
               <a:buNone/>
             </a:pPr>
-            <a:endParaRPr lang="en-US" sz="1400" b="1" i="1" u="sng" dirty="0">
+            <a:endParaRPr lang="en-US" sz="1400" b="1" i="1" u="sng">
               <a:latin typeface="Cambria"/>
               <a:ea typeface="Cambria"/>
             </a:endParaRPr>
@@ -11159,7 +11159,7 @@
             <a:pPr marL="0" indent="0">
               <a:buNone/>
             </a:pPr>
-            <a:endParaRPr lang="en-US" sz="1400" b="1" i="1" u="sng" dirty="0">
+            <a:endParaRPr lang="en-US" sz="1400" b="1" i="1" u="sng">
               <a:latin typeface="Cambria"/>
               <a:ea typeface="Cambria"/>
             </a:endParaRPr>
@@ -11168,7 +11168,7 @@
             <a:pPr marL="0" indent="0">
               <a:buNone/>
             </a:pPr>
-            <a:endParaRPr lang="en-US" sz="1400" b="1" i="1" u="sng" dirty="0">
+            <a:endParaRPr lang="en-US" sz="1400" b="1" i="1" u="sng">
               <a:latin typeface="Cambria"/>
               <a:ea typeface="Cambria"/>
             </a:endParaRPr>
@@ -11177,7 +11177,7 @@
             <a:pPr marL="0" indent="0">
               <a:buNone/>
             </a:pPr>
-            <a:endParaRPr lang="en-US" sz="1400" b="1" i="1" u="sng" dirty="0">
+            <a:endParaRPr lang="en-US" sz="1400" b="1" i="1" u="sng">
               <a:latin typeface="Cambria"/>
               <a:ea typeface="Cambria"/>
             </a:endParaRPr>
@@ -11186,7 +11186,7 @@
             <a:pPr marL="0" indent="0">
               <a:buNone/>
             </a:pPr>
-            <a:endParaRPr lang="en-US" sz="1400" b="1" i="1" u="sng" dirty="0">
+            <a:endParaRPr lang="en-US" sz="1400" b="1" i="1" u="sng">
               <a:latin typeface="Cambria"/>
               <a:ea typeface="Cambria"/>
             </a:endParaRPr>
@@ -11195,7 +11195,7 @@
             <a:pPr marL="0" indent="0">
               <a:buNone/>
             </a:pPr>
-            <a:endParaRPr lang="en-US" sz="1400" b="1" i="1" u="sng" dirty="0">
+            <a:endParaRPr lang="en-US" sz="1400" b="1" i="1" u="sng">
               <a:latin typeface="Cambria"/>
               <a:ea typeface="Cambria"/>
             </a:endParaRPr>
@@ -11204,7 +11204,7 @@
             <a:pPr marL="0" indent="0">
               <a:buNone/>
             </a:pPr>
-            <a:endParaRPr lang="en-US" sz="1400" b="1" i="1" u="sng" dirty="0">
+            <a:endParaRPr lang="en-US" sz="1400" b="1" i="1" u="sng">
               <a:latin typeface="Cambria"/>
               <a:ea typeface="Cambria"/>
             </a:endParaRPr>
@@ -11213,7 +11213,7 @@
             <a:pPr marL="0" indent="0">
               <a:buNone/>
             </a:pPr>
-            <a:endParaRPr lang="en-US" sz="1400" b="1" i="1" u="sng" dirty="0">
+            <a:endParaRPr lang="en-US" sz="1400" b="1" i="1" u="sng">
               <a:latin typeface="Cambria"/>
               <a:ea typeface="Cambria"/>
             </a:endParaRPr>
@@ -11223,7 +11223,7 @@
               <a:buNone/>
             </a:pPr>
             <a:r>
-              <a:rPr lang="en-US" sz="1400" b="1" i="1" u="sng" dirty="0">
+              <a:rPr lang="en-US" sz="1400" b="1" i="1" u="sng">
                 <a:latin typeface="Cambria"/>
                 <a:ea typeface="Cambria"/>
               </a:rPr>
@@ -11232,35 +11232,35 @@
           </a:p>
           <a:p>
             <a:r>
-              <a:rPr lang="en-US" sz="1200" dirty="0">
+              <a:rPr lang="en-US" sz="1200">
                 <a:latin typeface="Cambria"/>
                 <a:ea typeface="Cambria"/>
               </a:rPr>
               <a:t>A moderately strong positive correlation exists between turnovers and a player's contract value. However, this case of correlation </a:t>
             </a:r>
             <a:r>
-              <a:rPr lang="en-US" sz="1200" b="1" i="1" dirty="0">
+              <a:rPr lang="en-US" sz="1200" b="1" i="1">
                 <a:latin typeface="Cambria"/>
                 <a:ea typeface="Cambria"/>
               </a:rPr>
               <a:t>does not </a:t>
             </a:r>
             <a:r>
-              <a:rPr lang="en-US" sz="1200" dirty="0">
+              <a:rPr lang="en-US" sz="1200">
                 <a:latin typeface="Cambria"/>
                 <a:ea typeface="Cambria"/>
               </a:rPr>
               <a:t>equal causation because turnovers hurt the game. When a player turns the ball over, his team loses an opportunity to score points. In the context of this dataset, players with higher contract values also have higher turnover rates because they usually have the ball more. It is </a:t>
             </a:r>
             <a:r>
-              <a:rPr lang="en-US" sz="1200" b="1" i="1" dirty="0">
+              <a:rPr lang="en-US" sz="1200" b="1" i="1">
                 <a:latin typeface="Cambria"/>
                 <a:ea typeface="Cambria"/>
               </a:rPr>
               <a:t>not</a:t>
             </a:r>
             <a:r>
-              <a:rPr lang="en-US" sz="1200" dirty="0">
+              <a:rPr lang="en-US" sz="1200">
                 <a:latin typeface="Cambria"/>
                 <a:ea typeface="Cambria"/>
               </a:rPr>
@@ -11269,7 +11269,7 @@
           </a:p>
           <a:p>
             <a:r>
-              <a:rPr lang="en-US" sz="1200" dirty="0">
+              <a:rPr lang="en-US" sz="1200">
                 <a:latin typeface="Cambria"/>
                 <a:ea typeface="Cambria"/>
               </a:rPr>
@@ -11278,7 +11278,7 @@
           </a:p>
           <a:p>
             <a:r>
-              <a:rPr lang="en-US" sz="1200" dirty="0">
+              <a:rPr lang="en-US" sz="1200">
                 <a:latin typeface="Cambria"/>
                 <a:ea typeface="Cambria"/>
               </a:rPr>
@@ -11290,7 +11290,7 @@
               <a:buNone/>
             </a:pPr>
             <a:r>
-              <a:rPr lang="en-US" sz="1400" b="1" i="1" u="sng" dirty="0">
+              <a:rPr lang="en-US" sz="1400" b="1" i="1" u="sng">
                 <a:latin typeface="Cambria" panose="02040503050406030204" pitchFamily="18" charset="0"/>
                 <a:ea typeface="Cambria" panose="02040503050406030204" pitchFamily="18" charset="0"/>
               </a:rPr>
@@ -11302,7 +11302,7 @@
               <a:buNone/>
             </a:pPr>
             <a:r>
-              <a:rPr lang="en-US" sz="1200" dirty="0">
+              <a:rPr lang="en-US" sz="1200">
                 <a:latin typeface="Cambria" panose="02040503050406030204" pitchFamily="18" charset="0"/>
                 <a:ea typeface="Cambria" panose="02040503050406030204" pitchFamily="18" charset="0"/>
               </a:rPr>
@@ -11597,7 +11597,7 @@
           <a:lstStyle/>
           <a:p>
             <a:r>
-              <a:rPr lang="en-US" sz="1200" dirty="0">
+              <a:rPr lang="en-US" sz="1200">
                 <a:latin typeface="Cambria" panose="02040503050406030204" pitchFamily="18" charset="0"/>
                 <a:ea typeface="Cambria" panose="02040503050406030204" pitchFamily="18" charset="0"/>
               </a:rPr>
@@ -11845,20 +11845,20 @@
           <a:lstStyle/>
           <a:p>
             <a:r>
-              <a:rPr lang="en-US" sz="4000" b="1" dirty="0">
+              <a:rPr lang="en-US" sz="4000" b="1">
                 <a:latin typeface="Cambria" panose="02040503050406030204" pitchFamily="18" charset="0"/>
                 <a:ea typeface="Cambria" panose="02040503050406030204" pitchFamily="18" charset="0"/>
               </a:rPr>
               <a:t>NBA Regression Analysis</a:t>
             </a:r>
             <a:br>
-              <a:rPr lang="en-US" sz="3200" dirty="0">
+              <a:rPr lang="en-US" sz="3200">
                 <a:latin typeface="Cambria" panose="02040503050406030204" pitchFamily="18" charset="0"/>
                 <a:ea typeface="Cambria" panose="02040503050406030204" pitchFamily="18" charset="0"/>
               </a:rPr>
             </a:br>
             <a:r>
-              <a:rPr lang="en-US" sz="2400" dirty="0">
+              <a:rPr lang="en-US" sz="2400">
                 <a:latin typeface="Cambria" panose="02040503050406030204" pitchFamily="18" charset="0"/>
                 <a:ea typeface="Cambria" panose="02040503050406030204" pitchFamily="18" charset="0"/>
               </a:rPr>
@@ -11899,7 +11899,7 @@
               <a:buNone/>
             </a:pPr>
             <a:r>
-              <a:rPr lang="en-US" sz="1400" b="1" i="1" u="sng" dirty="0">
+              <a:rPr lang="en-US" sz="1400" b="1" i="1" u="sng">
                 <a:latin typeface="Cambria"/>
                 <a:ea typeface="Cambria"/>
               </a:rPr>
@@ -11915,7 +11915,7 @@
               <a:buAutoNum type="arabicPeriod"/>
             </a:pPr>
             <a:r>
-              <a:rPr lang="en-US" sz="1200" dirty="0">
+              <a:rPr lang="en-US" sz="1200">
                 <a:latin typeface="Cambria"/>
                 <a:ea typeface="Cambria"/>
               </a:rPr>
@@ -11931,7 +11931,7 @@
               <a:buAutoNum type="arabicPeriod"/>
             </a:pPr>
             <a:r>
-              <a:rPr lang="en-US" sz="1200" dirty="0">
+              <a:rPr lang="en-US" sz="1200">
                 <a:latin typeface="Cambria"/>
                 <a:ea typeface="Cambria"/>
               </a:rPr>
@@ -11947,7 +11947,7 @@
               <a:buAutoNum type="arabicPeriod"/>
             </a:pPr>
             <a:r>
-              <a:rPr lang="en-US" sz="1200" dirty="0">
+              <a:rPr lang="en-US" sz="1200">
                 <a:latin typeface="Cambria"/>
                 <a:ea typeface="Cambria"/>
               </a:rPr>
@@ -11961,7 +11961,7 @@
               </a:spcBef>
             </a:pPr>
             <a:r>
-              <a:rPr lang="en-US" sz="1200" dirty="0">
+              <a:rPr lang="en-US" sz="1200">
                 <a:latin typeface="Cambria"/>
                 <a:ea typeface="Cambria"/>
               </a:rPr>
@@ -11975,7 +11975,7 @@
               </a:spcBef>
             </a:pPr>
             <a:r>
-              <a:rPr lang="en-US" sz="1200" dirty="0">
+              <a:rPr lang="en-US" sz="1200">
                 <a:latin typeface="Cambria"/>
                 <a:ea typeface="Cambria"/>
               </a:rPr>
@@ -11989,7 +11989,7 @@
               </a:spcBef>
             </a:pPr>
             <a:r>
-              <a:rPr lang="en-US" sz="1200" dirty="0">
+              <a:rPr lang="en-US" sz="1200">
                 <a:latin typeface="Cambria"/>
                 <a:ea typeface="Cambria"/>
               </a:rPr>
@@ -12005,7 +12005,7 @@
               <a:buAutoNum type="arabicPeriod"/>
             </a:pPr>
             <a:r>
-              <a:rPr lang="en-US" sz="1200" dirty="0">
+              <a:rPr lang="en-US" sz="1200">
                 <a:latin typeface="Cambria"/>
                 <a:ea typeface="Cambria"/>
               </a:rPr>
@@ -12021,7 +12021,7 @@
               <a:buAutoNum type="arabicPeriod"/>
             </a:pPr>
             <a:r>
-              <a:rPr lang="en-US" sz="1200" dirty="0">
+              <a:rPr lang="en-US" sz="1200">
                 <a:latin typeface="Cambria"/>
                 <a:ea typeface="Cambria"/>
               </a:rPr>
@@ -12037,7 +12037,7 @@
               <a:buAutoNum type="arabicPeriod"/>
             </a:pPr>
             <a:r>
-              <a:rPr lang="en-US" sz="1200" dirty="0">
+              <a:rPr lang="en-US" sz="1200">
                 <a:latin typeface="Cambria"/>
                 <a:ea typeface="Cambria"/>
               </a:rPr>
@@ -12053,7 +12053,7 @@
               <a:buAutoNum type="arabicPeriod"/>
             </a:pPr>
             <a:r>
-              <a:rPr lang="en-US" sz="1200" dirty="0">
+              <a:rPr lang="en-US" sz="1200">
                 <a:latin typeface="Cambria"/>
                 <a:ea typeface="Cambria"/>
               </a:rPr>
@@ -12065,7 +12065,7 @@
               <a:buNone/>
             </a:pPr>
             <a:r>
-              <a:rPr lang="en-US" sz="1400" b="1" i="1" u="sng" dirty="0">
+              <a:rPr lang="en-US" sz="1400" b="1" i="1" u="sng">
                 <a:latin typeface="Cambria" panose="02040503050406030204" pitchFamily="18" charset="0"/>
                 <a:ea typeface="Cambria" panose="02040503050406030204" pitchFamily="18" charset="0"/>
               </a:rPr>
@@ -12077,7 +12077,7 @@
               <a:buNone/>
             </a:pPr>
             <a:r>
-              <a:rPr lang="en-US" sz="1200" dirty="0">
+              <a:rPr lang="en-US" sz="1200">
                 <a:latin typeface="Cambria" panose="02040503050406030204" pitchFamily="18" charset="0"/>
                 <a:ea typeface="Cambria" panose="02040503050406030204" pitchFamily="18" charset="0"/>
               </a:rPr>
@@ -12088,7 +12088,7 @@
             <a:pPr marL="0" indent="0">
               <a:buNone/>
             </a:pPr>
-            <a:endParaRPr lang="en-US" sz="1200" dirty="0">
+            <a:endParaRPr lang="en-US" sz="1200">
               <a:latin typeface="Cambria" panose="02040503050406030204" pitchFamily="18" charset="0"/>
               <a:ea typeface="Cambria" panose="02040503050406030204" pitchFamily="18" charset="0"/>
             </a:endParaRPr>
@@ -12097,7 +12097,7 @@
             <a:pPr marL="0" indent="0">
               <a:buNone/>
             </a:pPr>
-            <a:endParaRPr lang="en-US" sz="1200" dirty="0">
+            <a:endParaRPr lang="en-US" sz="1200">
               <a:latin typeface="Cambria" panose="02040503050406030204" pitchFamily="18" charset="0"/>
               <a:ea typeface="Cambria" panose="02040503050406030204" pitchFamily="18" charset="0"/>
             </a:endParaRPr>
@@ -12107,7 +12107,7 @@
               <a:buNone/>
             </a:pPr>
             <a:r>
-              <a:rPr lang="en-US" sz="1400" b="1" i="1" u="sng" dirty="0">
+              <a:rPr lang="en-US" sz="1400" b="1" i="1" u="sng">
                 <a:latin typeface="Cambria" panose="02040503050406030204" pitchFamily="18" charset="0"/>
                 <a:ea typeface="Cambria" panose="02040503050406030204" pitchFamily="18" charset="0"/>
               </a:rPr>
@@ -12118,7 +12118,7 @@
             <a:pPr marL="0" indent="0">
               <a:buNone/>
             </a:pPr>
-            <a:endParaRPr lang="en-US" sz="1400" b="1" i="1" u="sng" dirty="0">
+            <a:endParaRPr lang="en-US" sz="1400" b="1" i="1" u="sng">
               <a:latin typeface="Cambria" panose="02040503050406030204" pitchFamily="18" charset="0"/>
               <a:ea typeface="Cambria" panose="02040503050406030204" pitchFamily="18" charset="0"/>
             </a:endParaRPr>
@@ -12436,7 +12436,7 @@
                     <a:p>
                       <a:pPr algn="ctr"/>
                       <a:r>
-                        <a:rPr lang="en-US" sz="1400" dirty="0">
+                        <a:rPr lang="en-US" sz="1400">
                           <a:latin typeface="Cambria" panose="02040503050406030204" pitchFamily="18" charset="0"/>
                           <a:ea typeface="Cambria" panose="02040503050406030204" pitchFamily="18" charset="0"/>
                         </a:rPr>
@@ -12453,7 +12453,7 @@
                     <a:p>
                       <a:pPr algn="ctr"/>
                       <a:r>
-                        <a:rPr lang="en-US" sz="1400" dirty="0">
+                        <a:rPr lang="en-US" sz="1400">
                           <a:latin typeface="Cambria" panose="02040503050406030204" pitchFamily="18" charset="0"/>
                           <a:ea typeface="Cambria" panose="02040503050406030204" pitchFamily="18" charset="0"/>
                         </a:rPr>
@@ -12476,7 +12476,7 @@
                     <a:lstStyle/>
                     <a:p>
                       <a:r>
-                        <a:rPr lang="en-US" sz="1200" b="0" kern="1200" dirty="0" err="1">
+                        <a:rPr lang="en-US" sz="1200" b="0" kern="1200" err="1">
                           <a:solidFill>
                             <a:schemeClr val="dk1"/>
                           </a:solidFill>
@@ -12488,7 +12488,7 @@
                         <a:t>FGM_Per_Game</a:t>
                       </a:r>
                       <a:r>
-                        <a:rPr lang="en-US" sz="1200" b="0" kern="1200" dirty="0">
+                        <a:rPr lang="en-US" sz="1200" b="0" kern="1200">
                           <a:solidFill>
                             <a:schemeClr val="dk1"/>
                           </a:solidFill>
@@ -12526,7 +12526,7 @@
                         <a:defRPr/>
                       </a:pPr>
                       <a:r>
-                        <a:rPr lang="en-US" sz="1200" b="0" kern="1200" dirty="0">
+                        <a:rPr lang="en-US" sz="1200" b="0" kern="1200">
                           <a:solidFill>
                             <a:schemeClr val="dk1"/>
                           </a:solidFill>
@@ -12538,7 +12538,7 @@
                         <a:t>Increasing average field goals by 1 </a:t>
                       </a:r>
                       <a:r>
-                        <a:rPr lang="en-US" sz="1200" b="1" i="1" kern="1200" dirty="0">
+                        <a:rPr lang="en-US" sz="1200" b="1" i="1" kern="1200">
                           <a:solidFill>
                             <a:schemeClr val="dk1"/>
                           </a:solidFill>
@@ -12550,7 +12550,7 @@
                         <a:t>adds nearly 9 million dollars to contract value</a:t>
                       </a:r>
                       <a:r>
-                        <a:rPr lang="en-US" sz="1200" b="0" kern="1200" dirty="0">
+                        <a:rPr lang="en-US" sz="1200" b="0" kern="1200">
                           <a:solidFill>
                             <a:schemeClr val="dk1"/>
                           </a:solidFill>
@@ -12595,7 +12595,7 @@
                         <a:defRPr/>
                       </a:pPr>
                       <a:r>
-                        <a:rPr lang="en-US" sz="1200" b="0" kern="1200" dirty="0" err="1">
+                        <a:rPr lang="en-US" sz="1200" b="0" kern="1200" err="1">
                           <a:solidFill>
                             <a:schemeClr val="dk1"/>
                           </a:solidFill>
@@ -12607,7 +12607,7 @@
                         <a:t>AST_Per_Game</a:t>
                       </a:r>
                       <a:r>
-                        <a:rPr lang="en-US" sz="1200" b="0" kern="1200" dirty="0">
+                        <a:rPr lang="en-US" sz="1200" b="0" kern="1200">
                           <a:solidFill>
                             <a:schemeClr val="dk1"/>
                           </a:solidFill>
@@ -12645,7 +12645,7 @@
                         <a:defRPr/>
                       </a:pPr>
                       <a:r>
-                        <a:rPr lang="en-US" sz="1200" b="0" kern="1200" dirty="0">
+                        <a:rPr lang="en-US" sz="1200" b="0" kern="1200">
                           <a:solidFill>
                             <a:schemeClr val="dk1"/>
                           </a:solidFill>
@@ -12657,7 +12657,7 @@
                         <a:t>Increasing average assists by 1 </a:t>
                       </a:r>
                       <a:r>
-                        <a:rPr lang="en-US" sz="1200" b="1" i="1" kern="1200" dirty="0">
+                        <a:rPr lang="en-US" sz="1200" b="1" i="1" kern="1200">
                           <a:solidFill>
                             <a:schemeClr val="dk1"/>
                           </a:solidFill>
@@ -12669,7 +12669,7 @@
                         <a:t>adds 1.3 million dollars to contract value</a:t>
                       </a:r>
                       <a:r>
-                        <a:rPr lang="en-US" sz="1200" b="0" kern="1200" dirty="0">
+                        <a:rPr lang="en-US" sz="1200" b="0" kern="1200">
                           <a:solidFill>
                             <a:schemeClr val="dk1"/>
                           </a:solidFill>
@@ -12714,7 +12714,7 @@
                         <a:defRPr/>
                       </a:pPr>
                       <a:r>
-                        <a:rPr lang="en-US" sz="1200" b="0" kern="1200" dirty="0" err="1">
+                        <a:rPr lang="en-US" sz="1200" b="0" kern="1200" err="1">
                           <a:solidFill>
                             <a:schemeClr val="dk1"/>
                           </a:solidFill>
@@ -12726,7 +12726,7 @@
                         <a:t>BLK_Per_Game</a:t>
                       </a:r>
                       <a:r>
-                        <a:rPr lang="en-US" sz="1200" b="0" kern="1200" dirty="0">
+                        <a:rPr lang="en-US" sz="1200" b="0" kern="1200">
                           <a:solidFill>
                             <a:schemeClr val="dk1"/>
                           </a:solidFill>
@@ -12764,7 +12764,7 @@
                         <a:defRPr/>
                       </a:pPr>
                       <a:r>
-                        <a:rPr lang="en-US" sz="1200" b="0" kern="1200" dirty="0">
+                        <a:rPr lang="en-US" sz="1200" b="0" kern="1200">
                           <a:solidFill>
                             <a:schemeClr val="dk1"/>
                           </a:solidFill>
@@ -12776,7 +12776,7 @@
                         <a:t>Increasing average blocks by 1 </a:t>
                       </a:r>
                       <a:r>
-                        <a:rPr lang="en-US" sz="1200" b="1" i="1" kern="1200" dirty="0">
+                        <a:rPr lang="en-US" sz="1200" b="1" i="1" kern="1200">
                           <a:solidFill>
                             <a:schemeClr val="dk1"/>
                           </a:solidFill>
@@ -12788,7 +12788,7 @@
                         <a:t>adds 1.2 million dollars to contract value </a:t>
                       </a:r>
                       <a:r>
-                        <a:rPr lang="en-US" sz="1200" b="0" kern="1200" dirty="0">
+                        <a:rPr lang="en-US" sz="1200" b="0" kern="1200">
                           <a:solidFill>
                             <a:schemeClr val="dk1"/>
                           </a:solidFill>
@@ -12833,7 +12833,7 @@
                         <a:defRPr/>
                       </a:pPr>
                       <a:r>
-                        <a:rPr lang="en-US" sz="1200" b="0" kern="1200" dirty="0" err="1">
+                        <a:rPr lang="en-US" sz="1200" b="0" kern="1200" err="1">
                           <a:solidFill>
                             <a:schemeClr val="dk1"/>
                           </a:solidFill>
@@ -12845,7 +12845,7 @@
                         <a:t>PF_Per_Game</a:t>
                       </a:r>
                       <a:r>
-                        <a:rPr lang="en-US" sz="1200" b="0" kern="1200" dirty="0">
+                        <a:rPr lang="en-US" sz="1200" b="0" kern="1200">
                           <a:solidFill>
                             <a:schemeClr val="dk1"/>
                           </a:solidFill>
@@ -12883,7 +12883,7 @@
                         <a:defRPr/>
                       </a:pPr>
                       <a:r>
-                        <a:rPr lang="en-US" sz="1200" b="0" kern="1200" dirty="0">
+                        <a:rPr lang="en-US" sz="1200" b="0" kern="1200">
                           <a:solidFill>
                             <a:schemeClr val="dk1"/>
                           </a:solidFill>
@@ -12895,7 +12895,7 @@
                         <a:t>Increasing average fouls by 1 </a:t>
                       </a:r>
                       <a:r>
-                        <a:rPr lang="en-US" sz="1200" b="1" i="1" kern="1200" dirty="0">
+                        <a:rPr lang="en-US" sz="1200" b="1" i="1" kern="1200">
                           <a:solidFill>
                             <a:srgbClr val="FF0000"/>
                           </a:solidFill>
@@ -12907,7 +12907,7 @@
                         <a:t>subtracts 9.8 million dollars from contract value </a:t>
                       </a:r>
                       <a:r>
-                        <a:rPr lang="en-US" sz="1200" b="0" kern="1200" dirty="0">
+                        <a:rPr lang="en-US" sz="1200" b="0" kern="1200">
                           <a:solidFill>
                             <a:schemeClr val="dk1"/>
                           </a:solidFill>
